--- a/presentation/240801_KimGroup.pptx
+++ b/presentation/240801_KimGroup.pptx
@@ -5,7 +5,7 @@
     <p:sldMasterId id="2147483648" r:id="rId1"/>
   </p:sldMasterIdLst>
   <p:notesMasterIdLst>
-    <p:notesMasterId r:id="rId12"/>
+    <p:notesMasterId r:id="rId15"/>
   </p:notesMasterIdLst>
   <p:sldIdLst>
     <p:sldId id="1506" r:id="rId2"/>
@@ -14,10 +14,13 @@
     <p:sldId id="1513" r:id="rId5"/>
     <p:sldId id="1509" r:id="rId6"/>
     <p:sldId id="1514" r:id="rId7"/>
-    <p:sldId id="1516" r:id="rId8"/>
+    <p:sldId id="1522" r:id="rId8"/>
     <p:sldId id="1515" r:id="rId9"/>
-    <p:sldId id="1517" r:id="rId10"/>
+    <p:sldId id="1523" r:id="rId10"/>
     <p:sldId id="1518" r:id="rId11"/>
+    <p:sldId id="1519" r:id="rId12"/>
+    <p:sldId id="1520" r:id="rId13"/>
+    <p:sldId id="1521" r:id="rId14"/>
   </p:sldIdLst>
   <p:sldSz cx="12192000" cy="6858000"/>
   <p:notesSz cx="6858000" cy="9144000"/>
@@ -206,7 +209,7 @@
           <a:p>
             <a:fld id="{5E75EF4A-3EBB-E84A-B283-FE0B0D208C79}" type="datetimeFigureOut">
               <a:rPr lang="en-US" smtClean="0"/>
-              <a:t>7/24/24</a:t>
+              <a:t>7/26/24</a:t>
             </a:fld>
             <a:endParaRPr lang="en-US"/>
           </a:p>
@@ -704,7 +707,7 @@
           <a:p>
             <a:fld id="{27EF1FD6-E52C-674B-8BA1-BB2FBDB78E96}" type="datetimeFigureOut">
               <a:rPr lang="en-US" smtClean="0"/>
-              <a:t>7/24/24</a:t>
+              <a:t>7/26/24</a:t>
             </a:fld>
             <a:endParaRPr lang="en-US"/>
           </a:p>
@@ -902,7 +905,7 @@
           <a:p>
             <a:fld id="{27EF1FD6-E52C-674B-8BA1-BB2FBDB78E96}" type="datetimeFigureOut">
               <a:rPr lang="en-US" smtClean="0"/>
-              <a:t>7/24/24</a:t>
+              <a:t>7/26/24</a:t>
             </a:fld>
             <a:endParaRPr lang="en-US"/>
           </a:p>
@@ -1110,7 +1113,7 @@
           <a:p>
             <a:fld id="{27EF1FD6-E52C-674B-8BA1-BB2FBDB78E96}" type="datetimeFigureOut">
               <a:rPr lang="en-US" smtClean="0"/>
-              <a:t>7/24/24</a:t>
+              <a:t>7/26/24</a:t>
             </a:fld>
             <a:endParaRPr lang="en-US"/>
           </a:p>
@@ -1610,7 +1613,7 @@
           <a:p>
             <a:fld id="{27EF1FD6-E52C-674B-8BA1-BB2FBDB78E96}" type="datetimeFigureOut">
               <a:rPr lang="en-US" smtClean="0"/>
-              <a:t>7/24/24</a:t>
+              <a:t>7/26/24</a:t>
             </a:fld>
             <a:endParaRPr lang="en-US"/>
           </a:p>
@@ -1885,7 +1888,7 @@
           <a:p>
             <a:fld id="{27EF1FD6-E52C-674B-8BA1-BB2FBDB78E96}" type="datetimeFigureOut">
               <a:rPr lang="en-US" smtClean="0"/>
-              <a:t>7/24/24</a:t>
+              <a:t>7/26/24</a:t>
             </a:fld>
             <a:endParaRPr lang="en-US"/>
           </a:p>
@@ -2150,7 +2153,7 @@
           <a:p>
             <a:fld id="{27EF1FD6-E52C-674B-8BA1-BB2FBDB78E96}" type="datetimeFigureOut">
               <a:rPr lang="en-US" smtClean="0"/>
-              <a:t>7/24/24</a:t>
+              <a:t>7/26/24</a:t>
             </a:fld>
             <a:endParaRPr lang="en-US"/>
           </a:p>
@@ -2562,7 +2565,7 @@
           <a:p>
             <a:fld id="{27EF1FD6-E52C-674B-8BA1-BB2FBDB78E96}" type="datetimeFigureOut">
               <a:rPr lang="en-US" smtClean="0"/>
-              <a:t>7/24/24</a:t>
+              <a:t>7/26/24</a:t>
             </a:fld>
             <a:endParaRPr lang="en-US"/>
           </a:p>
@@ -2703,7 +2706,7 @@
           <a:p>
             <a:fld id="{27EF1FD6-E52C-674B-8BA1-BB2FBDB78E96}" type="datetimeFigureOut">
               <a:rPr lang="en-US" smtClean="0"/>
-              <a:t>7/24/24</a:t>
+              <a:t>7/26/24</a:t>
             </a:fld>
             <a:endParaRPr lang="en-US"/>
           </a:p>
@@ -2816,7 +2819,7 @@
           <a:p>
             <a:fld id="{27EF1FD6-E52C-674B-8BA1-BB2FBDB78E96}" type="datetimeFigureOut">
               <a:rPr lang="en-US" smtClean="0"/>
-              <a:t>7/24/24</a:t>
+              <a:t>7/26/24</a:t>
             </a:fld>
             <a:endParaRPr lang="en-US"/>
           </a:p>
@@ -3127,7 +3130,7 @@
           <a:p>
             <a:fld id="{27EF1FD6-E52C-674B-8BA1-BB2FBDB78E96}" type="datetimeFigureOut">
               <a:rPr lang="en-US" smtClean="0"/>
-              <a:t>7/24/24</a:t>
+              <a:t>7/26/24</a:t>
             </a:fld>
             <a:endParaRPr lang="en-US"/>
           </a:p>
@@ -3415,7 +3418,7 @@
           <a:p>
             <a:fld id="{27EF1FD6-E52C-674B-8BA1-BB2FBDB78E96}" type="datetimeFigureOut">
               <a:rPr lang="en-US" smtClean="0"/>
-              <a:t>7/24/24</a:t>
+              <a:t>7/26/24</a:t>
             </a:fld>
             <a:endParaRPr lang="en-US"/>
           </a:p>
@@ -3656,7 +3659,7 @@
           <a:p>
             <a:fld id="{27EF1FD6-E52C-674B-8BA1-BB2FBDB78E96}" type="datetimeFigureOut">
               <a:rPr lang="en-US" smtClean="0"/>
-              <a:t>7/24/24</a:t>
+              <a:t>7/26/24</a:t>
             </a:fld>
             <a:endParaRPr lang="en-US"/>
           </a:p>
@@ -4421,7 +4424,7 @@
           </a:ln>
           <a:extLst>
             <a:ext uri="{C572A759-6A51-4108-AA02-DFA0A04FC94B}">
-              <ma14:wrappingTextBoxFlag xmlns="" xmlns:m="http://schemas.openxmlformats.org/officeDocument/2006/math" xmlns:a14="http://schemas.microsoft.com/office/drawing/2010/main" xmlns:ma14="http://schemas.microsoft.com/office/mac/drawingml/2011/main" val="1"/>
+              <ma14:wrappingTextBoxFlag xmlns:ma14="http://schemas.microsoft.com/office/mac/drawingml/2011/main" xmlns:a14="http://schemas.microsoft.com/office/drawing/2010/main" xmlns:m="http://schemas.openxmlformats.org/officeDocument/2006/math" xmlns="" val="1"/>
             </a:ext>
           </a:extLst>
         </p:spPr>
@@ -6880,7 +6883,7 @@
           </a:ln>
           <a:extLst>
             <a:ext uri="{C572A759-6A51-4108-AA02-DFA0A04FC94B}">
-              <ma14:wrappingTextBoxFlag xmlns:ma14="http://schemas.microsoft.com/office/mac/drawingml/2011/main" xmlns:a14="http://schemas.microsoft.com/office/drawing/2010/main" xmlns:m="http://schemas.openxmlformats.org/officeDocument/2006/math" xmlns="" val="1"/>
+              <ma14:wrappingTextBoxFlag xmlns="" xmlns:m="http://schemas.openxmlformats.org/officeDocument/2006/math" xmlns:a14="http://schemas.microsoft.com/office/drawing/2010/main" xmlns:ma14="http://schemas.microsoft.com/office/mac/drawingml/2011/main" val="1"/>
             </a:ext>
           </a:extLst>
         </p:spPr>
@@ -7015,14 +7018,14 @@
           <p:nvPr>
             <p:extLst>
               <p:ext uri="{D42A27DB-BD31-4B8C-83A1-F6EECF244321}">
-                <p14:modId xmlns:p14="http://schemas.microsoft.com/office/powerpoint/2010/main" val="1162342295"/>
+                <p14:modId xmlns:p14="http://schemas.microsoft.com/office/powerpoint/2010/main" val="2994417484"/>
               </p:ext>
             </p:extLst>
           </p:nvPr>
         </p:nvGraphicFramePr>
         <p:xfrm>
-          <a:off x="1675475" y="2262978"/>
-          <a:ext cx="8337831" cy="3200400"/>
+          <a:off x="1797533" y="2126791"/>
+          <a:ext cx="8596934" cy="3566160"/>
         </p:xfrm>
         <a:graphic>
           <a:graphicData uri="http://schemas.openxmlformats.org/drawingml/2006/table">
@@ -7031,42 +7034,42 @@
                 <a:tableStyleId>{F5AB1C69-6EDB-4FF4-983F-18BD219EF322}</a:tableStyleId>
               </a:tblPr>
               <a:tblGrid>
-                <a:gridCol w="392954">
+                <a:gridCol w="398668">
                   <a:extLst>
                     <a:ext uri="{9D8B030D-6E8A-4147-A177-3AD203B41FA5}">
                       <a16:colId xmlns:a16="http://schemas.microsoft.com/office/drawing/2014/main" val="1014880730"/>
                     </a:ext>
                   </a:extLst>
                 </a:gridCol>
-                <a:gridCol w="2259725">
+                <a:gridCol w="2292584">
                   <a:extLst>
                     <a:ext uri="{9D8B030D-6E8A-4147-A177-3AD203B41FA5}">
                       <a16:colId xmlns:a16="http://schemas.microsoft.com/office/drawing/2014/main" val="2742179536"/>
                     </a:ext>
                   </a:extLst>
                 </a:gridCol>
-                <a:gridCol w="2259725">
+                <a:gridCol w="2292584">
                   <a:extLst>
                     <a:ext uri="{9D8B030D-6E8A-4147-A177-3AD203B41FA5}">
                       <a16:colId xmlns:a16="http://schemas.microsoft.com/office/drawing/2014/main" val="2601916456"/>
                     </a:ext>
                   </a:extLst>
                 </a:gridCol>
-                <a:gridCol w="709229">
+                <a:gridCol w="719542">
                   <a:extLst>
                     <a:ext uri="{9D8B030D-6E8A-4147-A177-3AD203B41FA5}">
                       <a16:colId xmlns:a16="http://schemas.microsoft.com/office/drawing/2014/main" val="1883991715"/>
                     </a:ext>
                   </a:extLst>
                 </a:gridCol>
-                <a:gridCol w="1358099">
+                <a:gridCol w="1446778">
                   <a:extLst>
                     <a:ext uri="{9D8B030D-6E8A-4147-A177-3AD203B41FA5}">
                       <a16:colId xmlns:a16="http://schemas.microsoft.com/office/drawing/2014/main" val="133539383"/>
                     </a:ext>
                   </a:extLst>
                 </a:gridCol>
-                <a:gridCol w="1358099">
+                <a:gridCol w="1446778">
                   <a:extLst>
                     <a:ext uri="{9D8B030D-6E8A-4147-A177-3AD203B41FA5}">
                       <a16:colId xmlns:a16="http://schemas.microsoft.com/office/drawing/2014/main" val="2079138092"/>
@@ -8417,6 +8420,384 @@
                     <a:bodyPr/>
                     <a:lstStyle/>
                     <a:p>
+                      <a:pPr marL="0" marR="0" lvl="0" indent="0" algn="ctr" defTabSz="914400" rtl="0" eaLnBrk="1" fontAlgn="auto" latinLnBrk="0" hangingPunct="1">
+                        <a:lnSpc>
+                          <a:spcPct val="100000"/>
+                        </a:lnSpc>
+                        <a:spcBef>
+                          <a:spcPts val="0"/>
+                        </a:spcBef>
+                        <a:spcAft>
+                          <a:spcPts val="0"/>
+                        </a:spcAft>
+                        <a:buClrTx/>
+                        <a:buSzTx/>
+                        <a:buFontTx/>
+                        <a:buNone/>
+                        <a:tabLst/>
+                        <a:defRPr/>
+                      </a:pPr>
+                      <a:r>
+                        <a:rPr lang="en-US" sz="1200" dirty="0">
+                          <a:latin typeface="Arial" panose="020B0604020202020204" pitchFamily="34" charset="0"/>
+                          <a:cs typeface="Arial" panose="020B0604020202020204" pitchFamily="34" charset="0"/>
+                        </a:rPr>
+                        <a:t>Adiabatic_S1-S0 (kcal/mol)</a:t>
+                      </a:r>
+                    </a:p>
+                  </a:txBody>
+                  <a:tcPr anchor="ctr"/>
+                </a:tc>
+                <a:tc>
+                  <a:txBody>
+                    <a:bodyPr/>
+                    <a:lstStyle/>
+                    <a:p>
+                      <a:pPr marL="0" marR="0" lvl="0" indent="0" algn="ctr" defTabSz="914400" rtl="0" eaLnBrk="1" fontAlgn="auto" latinLnBrk="0" hangingPunct="1">
+                        <a:lnSpc>
+                          <a:spcPct val="100000"/>
+                        </a:lnSpc>
+                        <a:spcBef>
+                          <a:spcPts val="0"/>
+                        </a:spcBef>
+                        <a:spcAft>
+                          <a:spcPts val="0"/>
+                        </a:spcAft>
+                        <a:buClrTx/>
+                        <a:buSzTx/>
+                        <a:buFontTx/>
+                        <a:buNone/>
+                        <a:tabLst/>
+                        <a:defRPr/>
+                      </a:pPr>
+                      <a:r>
+                        <a:rPr lang="en-US" sz="1200" dirty="0" err="1">
+                          <a:latin typeface="Arial" panose="020B0604020202020204" pitchFamily="34" charset="0"/>
+                          <a:cs typeface="Arial" panose="020B0604020202020204" pitchFamily="34" charset="0"/>
+                        </a:rPr>
+                        <a:t>Vertical_excitation_energy</a:t>
+                      </a:r>
+                      <a:r>
+                        <a:rPr lang="en-US" sz="1200" dirty="0">
+                          <a:latin typeface="Arial" panose="020B0604020202020204" pitchFamily="34" charset="0"/>
+                          <a:cs typeface="Arial" panose="020B0604020202020204" pitchFamily="34" charset="0"/>
+                        </a:rPr>
+                        <a:t> (eV)</a:t>
+                      </a:r>
+                    </a:p>
+                  </a:txBody>
+                  <a:tcPr anchor="ctr"/>
+                </a:tc>
+                <a:tc>
+                  <a:txBody>
+                    <a:bodyPr/>
+                    <a:lstStyle/>
+                    <a:p>
+                      <a:pPr algn="ctr"/>
+                      <a:r>
+                        <a:rPr lang="en-US" sz="1200" dirty="0">
+                          <a:solidFill>
+                            <a:srgbClr val="0432FF"/>
+                          </a:solidFill>
+                          <a:latin typeface="Arial" panose="020B0604020202020204" pitchFamily="34" charset="0"/>
+                          <a:cs typeface="Arial" panose="020B0604020202020204" pitchFamily="34" charset="0"/>
+                        </a:rPr>
+                        <a:t>0.9001</a:t>
+                      </a:r>
+                    </a:p>
+                  </a:txBody>
+                  <a:tcPr anchor="ctr"/>
+                </a:tc>
+                <a:tc>
+                  <a:txBody>
+                    <a:bodyPr/>
+                    <a:lstStyle/>
+                    <a:p>
+                      <a:pPr marL="0" marR="0" lvl="0" indent="0" algn="ctr" defTabSz="914400" rtl="0" eaLnBrk="1" fontAlgn="auto" latinLnBrk="0" hangingPunct="1">
+                        <a:lnSpc>
+                          <a:spcPct val="100000"/>
+                        </a:lnSpc>
+                        <a:spcBef>
+                          <a:spcPts val="0"/>
+                        </a:spcBef>
+                        <a:spcAft>
+                          <a:spcPts val="0"/>
+                        </a:spcAft>
+                        <a:buClrTx/>
+                        <a:buSzTx/>
+                        <a:buFontTx/>
+                        <a:buNone/>
+                        <a:tabLst/>
+                        <a:defRPr/>
+                      </a:pPr>
+                      <a:r>
+                        <a:rPr lang="en-US" sz="1200" dirty="0">
+                          <a:solidFill>
+                            <a:schemeClr val="tx1"/>
+                          </a:solidFill>
+                          <a:latin typeface="Arial" panose="020B0604020202020204" pitchFamily="34" charset="0"/>
+                          <a:cs typeface="Arial" panose="020B0604020202020204" pitchFamily="34" charset="0"/>
+                        </a:rPr>
+                        <a:t>2.2922</a:t>
+                      </a:r>
+                    </a:p>
+                  </a:txBody>
+                  <a:tcPr anchor="ctr"/>
+                </a:tc>
+                <a:tc>
+                  <a:txBody>
+                    <a:bodyPr/>
+                    <a:lstStyle/>
+                    <a:p>
+                      <a:pPr marL="0" marR="0" lvl="0" indent="0" algn="ctr" defTabSz="914400" rtl="0" eaLnBrk="1" fontAlgn="auto" latinLnBrk="0" hangingPunct="1">
+                        <a:lnSpc>
+                          <a:spcPct val="100000"/>
+                        </a:lnSpc>
+                        <a:spcBef>
+                          <a:spcPts val="0"/>
+                        </a:spcBef>
+                        <a:spcAft>
+                          <a:spcPts val="0"/>
+                        </a:spcAft>
+                        <a:buClrTx/>
+                        <a:buSzTx/>
+                        <a:buFontTx/>
+                        <a:buNone/>
+                        <a:tabLst/>
+                        <a:defRPr/>
+                      </a:pPr>
+                      <a:r>
+                        <a:rPr lang="en-US" sz="1200" dirty="0">
+                          <a:solidFill>
+                            <a:schemeClr val="tx1"/>
+                          </a:solidFill>
+                          <a:latin typeface="Arial" panose="020B0604020202020204" pitchFamily="34" charset="0"/>
+                          <a:cs typeface="Arial" panose="020B0604020202020204" pitchFamily="34" charset="0"/>
+                        </a:rPr>
+                        <a:t>3.0496</a:t>
+                      </a:r>
+                    </a:p>
+                  </a:txBody>
+                  <a:tcPr anchor="ctr"/>
+                </a:tc>
+                <a:extLst>
+                  <a:ext uri="{0D108BD9-81ED-4DB2-BD59-A6C34878D82A}">
+                    <a16:rowId xmlns:a16="http://schemas.microsoft.com/office/drawing/2014/main" val="1346982281"/>
+                  </a:ext>
+                </a:extLst>
+              </a:tr>
+              <a:tr h="151856">
+                <a:tc>
+                  <a:txBody>
+                    <a:bodyPr/>
+                    <a:lstStyle/>
+                    <a:p>
+                      <a:pPr algn="ctr"/>
+                      <a:r>
+                        <a:rPr lang="en-US" sz="1200" dirty="0">
+                          <a:latin typeface="Arial" panose="020B0604020202020204" pitchFamily="34" charset="0"/>
+                          <a:cs typeface="Arial" panose="020B0604020202020204" pitchFamily="34" charset="0"/>
+                        </a:rPr>
+                        <a:t>10</a:t>
+                      </a:r>
+                    </a:p>
+                  </a:txBody>
+                  <a:tcPr anchor="ctr"/>
+                </a:tc>
+                <a:tc>
+                  <a:txBody>
+                    <a:bodyPr/>
+                    <a:lstStyle/>
+                    <a:p>
+                      <a:pPr marL="0" marR="0" lvl="0" indent="0" algn="ctr" defTabSz="914400" rtl="0" eaLnBrk="1" fontAlgn="auto" latinLnBrk="0" hangingPunct="1">
+                        <a:lnSpc>
+                          <a:spcPct val="100000"/>
+                        </a:lnSpc>
+                        <a:spcBef>
+                          <a:spcPts val="0"/>
+                        </a:spcBef>
+                        <a:spcAft>
+                          <a:spcPts val="0"/>
+                        </a:spcAft>
+                        <a:buClrTx/>
+                        <a:buSzTx/>
+                        <a:buFontTx/>
+                        <a:buNone/>
+                        <a:tabLst/>
+                        <a:defRPr/>
+                      </a:pPr>
+                      <a:r>
+                        <a:rPr lang="en-US" sz="1200" dirty="0" err="1">
+                          <a:latin typeface="Arial" panose="020B0604020202020204" pitchFamily="34" charset="0"/>
+                          <a:cs typeface="Arial" panose="020B0604020202020204" pitchFamily="34" charset="0"/>
+                        </a:rPr>
+                        <a:t>Vertical_excitation_energy</a:t>
+                      </a:r>
+                      <a:r>
+                        <a:rPr lang="en-US" sz="1200" dirty="0">
+                          <a:latin typeface="Arial" panose="020B0604020202020204" pitchFamily="34" charset="0"/>
+                          <a:cs typeface="Arial" panose="020B0604020202020204" pitchFamily="34" charset="0"/>
+                        </a:rPr>
+                        <a:t> (eV)</a:t>
+                      </a:r>
+                    </a:p>
+                  </a:txBody>
+                  <a:tcPr anchor="ctr"/>
+                </a:tc>
+                <a:tc>
+                  <a:txBody>
+                    <a:bodyPr/>
+                    <a:lstStyle/>
+                    <a:p>
+                      <a:pPr marL="0" marR="0" lvl="0" indent="0" algn="ctr" defTabSz="914400" rtl="0" eaLnBrk="1" fontAlgn="auto" latinLnBrk="0" hangingPunct="1">
+                        <a:lnSpc>
+                          <a:spcPct val="100000"/>
+                        </a:lnSpc>
+                        <a:spcBef>
+                          <a:spcPts val="0"/>
+                        </a:spcBef>
+                        <a:spcAft>
+                          <a:spcPts val="0"/>
+                        </a:spcAft>
+                        <a:buClrTx/>
+                        <a:buSzTx/>
+                        <a:buFontTx/>
+                        <a:buNone/>
+                        <a:tabLst/>
+                        <a:defRPr/>
+                      </a:pPr>
+                      <a:r>
+                        <a:rPr lang="en-US" sz="1200" dirty="0">
+                          <a:latin typeface="Arial" panose="020B0604020202020204" pitchFamily="34" charset="0"/>
+                          <a:cs typeface="Arial" panose="020B0604020202020204" pitchFamily="34" charset="0"/>
+                        </a:rPr>
+                        <a:t>Adiabatic_S1-S0 (kcal/mol)</a:t>
+                      </a:r>
+                    </a:p>
+                  </a:txBody>
+                  <a:tcPr anchor="ctr"/>
+                </a:tc>
+                <a:tc>
+                  <a:txBody>
+                    <a:bodyPr/>
+                    <a:lstStyle/>
+                    <a:p>
+                      <a:pPr algn="ctr"/>
+                      <a:r>
+                        <a:rPr lang="en-US" sz="1200" dirty="0">
+                          <a:solidFill>
+                            <a:srgbClr val="0432FF"/>
+                          </a:solidFill>
+                          <a:latin typeface="Arial" panose="020B0604020202020204" pitchFamily="34" charset="0"/>
+                          <a:cs typeface="Arial" panose="020B0604020202020204" pitchFamily="34" charset="0"/>
+                        </a:rPr>
+                        <a:t>0.9001</a:t>
+                      </a:r>
+                    </a:p>
+                  </a:txBody>
+                  <a:tcPr anchor="ctr"/>
+                </a:tc>
+                <a:tc>
+                  <a:txBody>
+                    <a:bodyPr/>
+                    <a:lstStyle/>
+                    <a:p>
+                      <a:pPr marL="0" marR="0" lvl="0" indent="0" algn="ctr" defTabSz="914400" rtl="0" eaLnBrk="1" fontAlgn="auto" latinLnBrk="0" hangingPunct="1">
+                        <a:lnSpc>
+                          <a:spcPct val="100000"/>
+                        </a:lnSpc>
+                        <a:spcBef>
+                          <a:spcPts val="0"/>
+                        </a:spcBef>
+                        <a:spcAft>
+                          <a:spcPts val="0"/>
+                        </a:spcAft>
+                        <a:buClrTx/>
+                        <a:buSzTx/>
+                        <a:buFontTx/>
+                        <a:buNone/>
+                        <a:tabLst/>
+                        <a:defRPr/>
+                      </a:pPr>
+                      <a:r>
+                        <a:rPr lang="en-US" sz="1200" dirty="0">
+                          <a:solidFill>
+                            <a:schemeClr val="tx1"/>
+                          </a:solidFill>
+                          <a:latin typeface="Arial" panose="020B0604020202020204" pitchFamily="34" charset="0"/>
+                          <a:cs typeface="Arial" panose="020B0604020202020204" pitchFamily="34" charset="0"/>
+                        </a:rPr>
+                        <a:t>2.2534</a:t>
+                      </a:r>
+                    </a:p>
+                  </a:txBody>
+                  <a:tcPr anchor="ctr"/>
+                </a:tc>
+                <a:tc>
+                  <a:txBody>
+                    <a:bodyPr/>
+                    <a:lstStyle/>
+                    <a:p>
+                      <a:pPr marL="0" marR="0" lvl="0" indent="0" algn="ctr" defTabSz="914400" rtl="0" eaLnBrk="1" fontAlgn="auto" latinLnBrk="0" hangingPunct="1">
+                        <a:lnSpc>
+                          <a:spcPct val="100000"/>
+                        </a:lnSpc>
+                        <a:spcBef>
+                          <a:spcPts val="0"/>
+                        </a:spcBef>
+                        <a:spcAft>
+                          <a:spcPts val="0"/>
+                        </a:spcAft>
+                        <a:buClrTx/>
+                        <a:buSzTx/>
+                        <a:buFontTx/>
+                        <a:buNone/>
+                        <a:tabLst/>
+                        <a:defRPr/>
+                      </a:pPr>
+                      <a:r>
+                        <a:rPr lang="en-US" sz="1200" dirty="0">
+                          <a:solidFill>
+                            <a:schemeClr val="tx1"/>
+                          </a:solidFill>
+                          <a:latin typeface="Arial" panose="020B0604020202020204" pitchFamily="34" charset="0"/>
+                          <a:cs typeface="Arial" panose="020B0604020202020204" pitchFamily="34" charset="0"/>
+                        </a:rPr>
+                        <a:t>3.0181</a:t>
+                      </a:r>
+                    </a:p>
+                  </a:txBody>
+                  <a:tcPr anchor="ctr"/>
+                </a:tc>
+                <a:extLst>
+                  <a:ext uri="{0D108BD9-81ED-4DB2-BD59-A6C34878D82A}">
+                    <a16:rowId xmlns:a16="http://schemas.microsoft.com/office/drawing/2014/main" val="2592959773"/>
+                  </a:ext>
+                </a:extLst>
+              </a:tr>
+              <a:tr h="151856">
+                <a:tc>
+                  <a:txBody>
+                    <a:bodyPr/>
+                    <a:lstStyle/>
+                    <a:p>
+                      <a:pPr algn="ctr"/>
+                      <a:r>
+                        <a:rPr lang="en-US" sz="1200" dirty="0">
+                          <a:latin typeface="Arial" panose="020B0604020202020204" pitchFamily="34" charset="0"/>
+                          <a:cs typeface="Arial" panose="020B0604020202020204" pitchFamily="34" charset="0"/>
+                        </a:rPr>
+                        <a:t>11</a:t>
+                      </a:r>
+                    </a:p>
+                  </a:txBody>
+                  <a:tcPr anchor="ctr"/>
+                </a:tc>
+                <a:tc>
+                  <a:txBody>
+                    <a:bodyPr/>
+                    <a:lstStyle/>
+                    <a:p>
                       <a:pPr algn="ctr"/>
                       <a:r>
                         <a:rPr lang="en-US" sz="1200" dirty="0">
@@ -8531,7 +8912,7 @@
                           <a:latin typeface="Arial" panose="020B0604020202020204" pitchFamily="34" charset="0"/>
                           <a:cs typeface="Arial" panose="020B0604020202020204" pitchFamily="34" charset="0"/>
                         </a:rPr>
-                        <a:t>10</a:t>
+                        <a:t>12</a:t>
                       </a:r>
                     </a:p>
                   </a:txBody>
@@ -8707,10 +9088,10 @@
       </p:graphicFrame>
       <p:sp>
         <p:nvSpPr>
-          <p:cNvPr id="3" name="TextBox 2">
-            <a:extLst>
-              <a:ext uri="{FF2B5EF4-FFF2-40B4-BE49-F238E27FC236}">
-                <a16:creationId xmlns:a16="http://schemas.microsoft.com/office/drawing/2014/main" id="{B0481649-98FA-2E80-6371-460D8DA8CA1C}"/>
+          <p:cNvPr id="4" name="TextBox 3">
+            <a:extLst>
+              <a:ext uri="{FF2B5EF4-FFF2-40B4-BE49-F238E27FC236}">
+                <a16:creationId xmlns:a16="http://schemas.microsoft.com/office/drawing/2014/main" id="{6E2A58BD-E814-71D6-D0F1-9CA342C10DD2}"/>
               </a:ext>
             </a:extLst>
           </p:cNvPr>
@@ -8719,7 +9100,7 @@
         </p:nvSpPr>
         <p:spPr>
           <a:xfrm>
-            <a:off x="4485684" y="1896026"/>
+            <a:off x="4737294" y="1759839"/>
             <a:ext cx="2717411" cy="338554"/>
           </a:xfrm>
           <a:prstGeom prst="rect">
@@ -8750,6 +9131,1925 @@
     <p:extLst>
       <p:ext uri="{BB962C8B-B14F-4D97-AF65-F5344CB8AC3E}">
         <p14:creationId xmlns:p14="http://schemas.microsoft.com/office/powerpoint/2010/main" val="2221343159"/>
+      </p:ext>
+    </p:extLst>
+  </p:cSld>
+  <p:clrMapOvr>
+    <a:masterClrMapping/>
+  </p:clrMapOvr>
+</p:sld>
+</file>
+
+<file path=ppt/slides/slide11.xml><?xml version="1.0" encoding="utf-8"?>
+<p:sld xmlns:a="http://schemas.openxmlformats.org/drawingml/2006/main" xmlns:r="http://schemas.openxmlformats.org/officeDocument/2006/relationships" xmlns:p="http://schemas.openxmlformats.org/presentationml/2006/main">
+  <p:cSld>
+    <p:spTree>
+      <p:nvGrpSpPr>
+        <p:cNvPr id="1" name=""/>
+        <p:cNvGrpSpPr/>
+        <p:nvPr/>
+      </p:nvGrpSpPr>
+      <p:grpSpPr>
+        <a:xfrm>
+          <a:off x="0" y="0"/>
+          <a:ext cx="0" cy="0"/>
+          <a:chOff x="0" y="0"/>
+          <a:chExt cx="0" cy="0"/>
+        </a:xfrm>
+      </p:grpSpPr>
+      <p:cxnSp>
+        <p:nvCxnSpPr>
+          <p:cNvPr id="6" name="직선 연결선 4">
+            <a:extLst>
+              <a:ext uri="{FF2B5EF4-FFF2-40B4-BE49-F238E27FC236}">
+                <a16:creationId xmlns:a16="http://schemas.microsoft.com/office/drawing/2014/main" id="{A0C669A3-83AD-2BE1-9887-195754D117A4}"/>
+              </a:ext>
+            </a:extLst>
+          </p:cNvPr>
+          <p:cNvCxnSpPr>
+            <a:cxnSpLocks/>
+          </p:cNvCxnSpPr>
+          <p:nvPr/>
+        </p:nvCxnSpPr>
+        <p:spPr>
+          <a:xfrm>
+            <a:off x="347730" y="987361"/>
+            <a:ext cx="11514069" cy="0"/>
+          </a:xfrm>
+          <a:prstGeom prst="line">
+            <a:avLst/>
+          </a:prstGeom>
+          <a:ln w="28575">
+            <a:solidFill>
+              <a:srgbClr val="143F21"/>
+            </a:solidFill>
+          </a:ln>
+        </p:spPr>
+        <p:style>
+          <a:lnRef idx="1">
+            <a:schemeClr val="accent1"/>
+          </a:lnRef>
+          <a:fillRef idx="0">
+            <a:schemeClr val="accent1"/>
+          </a:fillRef>
+          <a:effectRef idx="0">
+            <a:schemeClr val="accent1"/>
+          </a:effectRef>
+          <a:fontRef idx="minor">
+            <a:schemeClr val="tx1"/>
+          </a:fontRef>
+        </p:style>
+      </p:cxnSp>
+      <p:sp>
+        <p:nvSpPr>
+          <p:cNvPr id="42" name="Business Branding…">
+            <a:extLst>
+              <a:ext uri="{FF2B5EF4-FFF2-40B4-BE49-F238E27FC236}">
+                <a16:creationId xmlns:a16="http://schemas.microsoft.com/office/drawing/2014/main" id="{4B18A028-15B3-A06D-8FEA-1AB2232EC108}"/>
+              </a:ext>
+            </a:extLst>
+          </p:cNvPr>
+          <p:cNvSpPr txBox="1"/>
+          <p:nvPr/>
+        </p:nvSpPr>
+        <p:spPr>
+          <a:xfrm>
+            <a:off x="347730" y="404966"/>
+            <a:ext cx="10993322" cy="553998"/>
+          </a:xfrm>
+          <a:prstGeom prst="rect">
+            <a:avLst/>
+          </a:prstGeom>
+          <a:ln w="3175">
+            <a:miter lim="400000"/>
+          </a:ln>
+          <a:extLst>
+            <a:ext uri="{C572A759-6A51-4108-AA02-DFA0A04FC94B}">
+              <ma14:wrappingTextBoxFlag xmlns="" xmlns:m="http://schemas.openxmlformats.org/officeDocument/2006/math" xmlns:a14="http://schemas.microsoft.com/office/drawing/2010/main" xmlns:ma14="http://schemas.microsoft.com/office/mac/drawingml/2011/main" val="1"/>
+            </a:ext>
+          </a:extLst>
+        </p:spPr>
+        <p:txBody>
+          <a:bodyPr wrap="square" lIns="0" tIns="0" rIns="0" bIns="0">
+            <a:spAutoFit/>
+          </a:bodyPr>
+          <a:lstStyle>
+            <a:defPPr>
+              <a:defRPr lang="en-US"/>
+            </a:defPPr>
+            <a:lvl1pPr marR="0" lvl="0" fontAlgn="auto">
+              <a:lnSpc>
+                <a:spcPct val="100000"/>
+              </a:lnSpc>
+              <a:spcBef>
+                <a:spcPts val="0"/>
+              </a:spcBef>
+              <a:spcAft>
+                <a:spcPts val="0"/>
+              </a:spcAft>
+              <a:buClrTx/>
+              <a:buSzTx/>
+              <a:tabLst/>
+              <a:defRPr sz="2000" b="1">
+                <a:solidFill>
+                  <a:srgbClr val="3E67CE"/>
+                </a:solidFill>
+                <a:latin typeface="+mj-ea"/>
+                <a:ea typeface="+mj-ea"/>
+                <a:cs typeface="Muli Black"/>
+              </a:defRPr>
+            </a:lvl1pPr>
+          </a:lstStyle>
+          <a:p>
+            <a:pPr defTabSz="457211">
+              <a:defRPr/>
+            </a:pPr>
+            <a:r>
+              <a:rPr lang="en-US" altLang="ko-KR" sz="1600" dirty="0">
+                <a:ln>
+                  <a:solidFill>
+                    <a:srgbClr val="4472C4">
+                      <a:alpha val="0"/>
+                    </a:srgbClr>
+                  </a:solidFill>
+                </a:ln>
+                <a:solidFill>
+                  <a:schemeClr val="tx1">
+                    <a:lumMod val="50000"/>
+                    <a:lumOff val="50000"/>
+                  </a:schemeClr>
+                </a:solidFill>
+                <a:latin typeface="Arial" panose="020B0604020202020204" pitchFamily="34" charset="0"/>
+                <a:ea typeface="나눔바른고딕" panose="020B0603020101020101" pitchFamily="50" charset="-127"/>
+                <a:cs typeface="Arial" panose="020B0604020202020204" pitchFamily="34" charset="0"/>
+                <a:sym typeface="Muli Black"/>
+              </a:rPr>
+              <a:t>2</a:t>
+            </a:r>
+            <a:r>
+              <a:rPr lang="en-US" altLang="ko-KR" sz="1600" kern="1200" dirty="0">
+                <a:ln>
+                  <a:solidFill>
+                    <a:srgbClr val="4472C4">
+                      <a:alpha val="0"/>
+                    </a:srgbClr>
+                  </a:solidFill>
+                </a:ln>
+                <a:solidFill>
+                  <a:schemeClr val="tx1">
+                    <a:lumMod val="50000"/>
+                    <a:lumOff val="50000"/>
+                  </a:schemeClr>
+                </a:solidFill>
+                <a:latin typeface="Arial" panose="020B0604020202020204" pitchFamily="34" charset="0"/>
+                <a:ea typeface="나눔바른고딕" panose="020B0603020101020101" pitchFamily="50" charset="-127"/>
+                <a:cs typeface="Arial" panose="020B0604020202020204" pitchFamily="34" charset="0"/>
+                <a:sym typeface="Muli Black"/>
+              </a:rPr>
+              <a:t>. Quadratic Correlation</a:t>
+            </a:r>
+            <a:endParaRPr lang="en-US" altLang="ko-KR" sz="1600" kern="1200" dirty="0">
+              <a:ln>
+                <a:solidFill>
+                  <a:srgbClr val="4472C4">
+                    <a:alpha val="0"/>
+                  </a:srgbClr>
+                </a:solidFill>
+              </a:ln>
+              <a:solidFill>
+                <a:schemeClr val="tx1"/>
+              </a:solidFill>
+              <a:latin typeface="Arial" panose="020B0604020202020204" pitchFamily="34" charset="0"/>
+              <a:ea typeface="나눔바른고딕" panose="020B0603020101020101" pitchFamily="50" charset="-127"/>
+              <a:cs typeface="Arial" panose="020B0604020202020204" pitchFamily="34" charset="0"/>
+              <a:sym typeface="Muli Black"/>
+            </a:endParaRPr>
+          </a:p>
+          <a:p>
+            <a:pPr defTabSz="457211">
+              <a:defRPr/>
+            </a:pPr>
+            <a:r>
+              <a:rPr lang="en-US" altLang="ko-KR" dirty="0">
+                <a:ln>
+                  <a:solidFill>
+                    <a:srgbClr val="4472C4">
+                      <a:alpha val="0"/>
+                    </a:srgbClr>
+                  </a:solidFill>
+                </a:ln>
+                <a:solidFill>
+                  <a:srgbClr val="143F21"/>
+                </a:solidFill>
+                <a:latin typeface="Arial" panose="020B0604020202020204" pitchFamily="34" charset="0"/>
+                <a:ea typeface="나눔바른고딕" panose="020B0603020101020101" pitchFamily="50" charset="-127"/>
+                <a:cs typeface="Arial" panose="020B0604020202020204" pitchFamily="34" charset="0"/>
+                <a:sym typeface="Muli Black"/>
+              </a:rPr>
+              <a:t>2</a:t>
+            </a:r>
+            <a:r>
+              <a:rPr lang="en-US" altLang="ko-KR" kern="1200" dirty="0">
+                <a:ln>
+                  <a:solidFill>
+                    <a:srgbClr val="4472C4">
+                      <a:alpha val="0"/>
+                    </a:srgbClr>
+                  </a:solidFill>
+                </a:ln>
+                <a:solidFill>
+                  <a:srgbClr val="143F21"/>
+                </a:solidFill>
+                <a:latin typeface="Arial" panose="020B0604020202020204" pitchFamily="34" charset="0"/>
+                <a:ea typeface="나눔바른고딕" panose="020B0603020101020101" pitchFamily="50" charset="-127"/>
+                <a:cs typeface="Arial" panose="020B0604020202020204" pitchFamily="34" charset="0"/>
+                <a:sym typeface="Muli Black"/>
+              </a:rPr>
+              <a:t>.1. R</a:t>
+            </a:r>
+            <a:r>
+              <a:rPr lang="en-US" altLang="ko-KR" kern="1200" baseline="30000" dirty="0">
+                <a:ln>
+                  <a:solidFill>
+                    <a:srgbClr val="4472C4">
+                      <a:alpha val="0"/>
+                    </a:srgbClr>
+                  </a:solidFill>
+                </a:ln>
+                <a:solidFill>
+                  <a:srgbClr val="143F21"/>
+                </a:solidFill>
+                <a:latin typeface="Arial" panose="020B0604020202020204" pitchFamily="34" charset="0"/>
+                <a:ea typeface="나눔바른고딕" panose="020B0603020101020101" pitchFamily="50" charset="-127"/>
+                <a:cs typeface="Arial" panose="020B0604020202020204" pitchFamily="34" charset="0"/>
+                <a:sym typeface="Muli Black"/>
+              </a:rPr>
+              <a:t>2</a:t>
+            </a:r>
+            <a:r>
+              <a:rPr lang="en-US" altLang="ko-KR" kern="1200" dirty="0">
+                <a:ln>
+                  <a:solidFill>
+                    <a:srgbClr val="4472C4">
+                      <a:alpha val="0"/>
+                    </a:srgbClr>
+                  </a:solidFill>
+                </a:ln>
+                <a:solidFill>
+                  <a:srgbClr val="143F21"/>
+                </a:solidFill>
+                <a:latin typeface="Arial" panose="020B0604020202020204" pitchFamily="34" charset="0"/>
+                <a:ea typeface="나눔바른고딕" panose="020B0603020101020101" pitchFamily="50" charset="-127"/>
+                <a:cs typeface="Arial" panose="020B0604020202020204" pitchFamily="34" charset="0"/>
+                <a:sym typeface="Muli Black"/>
+              </a:rPr>
+              <a:t> </a:t>
+            </a:r>
+            <a:r>
+              <a:rPr lang="en-US" altLang="ko-KR" dirty="0">
+                <a:ln>
+                  <a:solidFill>
+                    <a:srgbClr val="4472C4">
+                      <a:alpha val="0"/>
+                    </a:srgbClr>
+                  </a:solidFill>
+                </a:ln>
+                <a:solidFill>
+                  <a:srgbClr val="143F21"/>
+                </a:solidFill>
+                <a:latin typeface="Arial" panose="020B0604020202020204" pitchFamily="34" charset="0"/>
+                <a:ea typeface="나눔바른고딕" panose="020B0603020101020101" pitchFamily="50" charset="-127"/>
+                <a:cs typeface="Arial" panose="020B0604020202020204" pitchFamily="34" charset="0"/>
+                <a:sym typeface="Muli Black"/>
+              </a:rPr>
+              <a:t>of the Models</a:t>
+            </a:r>
+            <a:endParaRPr lang="en-US" altLang="ko-KR" kern="1200" dirty="0">
+              <a:ln>
+                <a:solidFill>
+                  <a:srgbClr val="4472C4">
+                    <a:alpha val="0"/>
+                  </a:srgbClr>
+                </a:solidFill>
+              </a:ln>
+              <a:solidFill>
+                <a:srgbClr val="143F21"/>
+              </a:solidFill>
+              <a:latin typeface="Arial" panose="020B0604020202020204" pitchFamily="34" charset="0"/>
+              <a:ea typeface="나눔바른고딕" panose="020B0603020101020101" pitchFamily="50" charset="-127"/>
+              <a:cs typeface="Arial" panose="020B0604020202020204" pitchFamily="34" charset="0"/>
+              <a:sym typeface="Muli Black"/>
+            </a:endParaRPr>
+          </a:p>
+        </p:txBody>
+      </p:sp>
+      <p:sp>
+        <p:nvSpPr>
+          <p:cNvPr id="2" name="TextBox 1">
+            <a:extLst>
+              <a:ext uri="{FF2B5EF4-FFF2-40B4-BE49-F238E27FC236}">
+                <a16:creationId xmlns:a16="http://schemas.microsoft.com/office/drawing/2014/main" id="{BCDD13CD-CE83-1C71-B2E9-248111C41496}"/>
+              </a:ext>
+            </a:extLst>
+          </p:cNvPr>
+          <p:cNvSpPr txBox="1"/>
+          <p:nvPr/>
+        </p:nvSpPr>
+        <p:spPr>
+          <a:xfrm>
+            <a:off x="62385" y="4310729"/>
+            <a:ext cx="1734321" cy="276999"/>
+          </a:xfrm>
+          <a:prstGeom prst="rect">
+            <a:avLst/>
+          </a:prstGeom>
+          <a:noFill/>
+        </p:spPr>
+        <p:txBody>
+          <a:bodyPr wrap="none" rtlCol="0">
+            <a:spAutoFit/>
+          </a:bodyPr>
+          <a:lstStyle/>
+          <a:p>
+            <a:r>
+              <a:rPr lang="en-US" sz="1200" b="1" dirty="0">
+                <a:solidFill>
+                  <a:srgbClr val="143F21"/>
+                </a:solidFill>
+                <a:latin typeface="Arial" panose="020B0604020202020204" pitchFamily="34" charset="0"/>
+                <a:cs typeface="Arial" panose="020B0604020202020204" pitchFamily="34" charset="0"/>
+              </a:rPr>
+              <a:t>Independent Variable</a:t>
+            </a:r>
+          </a:p>
+        </p:txBody>
+      </p:sp>
+      <p:sp>
+        <p:nvSpPr>
+          <p:cNvPr id="3" name="TextBox 2">
+            <a:extLst>
+              <a:ext uri="{FF2B5EF4-FFF2-40B4-BE49-F238E27FC236}">
+                <a16:creationId xmlns:a16="http://schemas.microsoft.com/office/drawing/2014/main" id="{3FEA3005-EF5C-E071-4A2F-A8CA240BB0B8}"/>
+              </a:ext>
+            </a:extLst>
+          </p:cNvPr>
+          <p:cNvSpPr txBox="1"/>
+          <p:nvPr/>
+        </p:nvSpPr>
+        <p:spPr>
+          <a:xfrm>
+            <a:off x="5052346" y="2180319"/>
+            <a:ext cx="2087303" cy="338554"/>
+          </a:xfrm>
+          <a:prstGeom prst="rect">
+            <a:avLst/>
+          </a:prstGeom>
+          <a:noFill/>
+        </p:spPr>
+        <p:txBody>
+          <a:bodyPr wrap="none" rtlCol="0">
+            <a:spAutoFit/>
+          </a:bodyPr>
+          <a:lstStyle/>
+          <a:p>
+            <a:r>
+              <a:rPr lang="en-US" sz="1600" b="1" dirty="0">
+                <a:solidFill>
+                  <a:srgbClr val="143F21"/>
+                </a:solidFill>
+                <a:latin typeface="Arial" panose="020B0604020202020204" pitchFamily="34" charset="0"/>
+                <a:cs typeface="Arial" panose="020B0604020202020204" pitchFamily="34" charset="0"/>
+              </a:rPr>
+              <a:t>Dependent Variable</a:t>
+            </a:r>
+          </a:p>
+        </p:txBody>
+      </p:sp>
+      <p:pic>
+        <p:nvPicPr>
+          <p:cNvPr id="8" name="Picture 7" descr="A screenshot of a computer screen&#10;&#10;Description automatically generated">
+            <a:extLst>
+              <a:ext uri="{FF2B5EF4-FFF2-40B4-BE49-F238E27FC236}">
+                <a16:creationId xmlns:a16="http://schemas.microsoft.com/office/drawing/2014/main" id="{78BEFDA9-AA01-6494-18BE-4AB023D566A6}"/>
+              </a:ext>
+            </a:extLst>
+          </p:cNvPr>
+          <p:cNvPicPr>
+            <a:picLocks noChangeAspect="1"/>
+          </p:cNvPicPr>
+          <p:nvPr/>
+        </p:nvPicPr>
+        <p:blipFill>
+          <a:blip r:embed="rId2"/>
+          <a:stretch>
+            <a:fillRect/>
+          </a:stretch>
+        </p:blipFill>
+        <p:spPr>
+          <a:xfrm>
+            <a:off x="338964" y="2547271"/>
+            <a:ext cx="11514069" cy="1763458"/>
+          </a:xfrm>
+          <a:prstGeom prst="rect">
+            <a:avLst/>
+          </a:prstGeom>
+        </p:spPr>
+      </p:pic>
+    </p:spTree>
+    <p:extLst>
+      <p:ext uri="{BB962C8B-B14F-4D97-AF65-F5344CB8AC3E}">
+        <p14:creationId xmlns:p14="http://schemas.microsoft.com/office/powerpoint/2010/main" val="4124809411"/>
+      </p:ext>
+    </p:extLst>
+  </p:cSld>
+  <p:clrMapOvr>
+    <a:masterClrMapping/>
+  </p:clrMapOvr>
+</p:sld>
+</file>
+
+<file path=ppt/slides/slide12.xml><?xml version="1.0" encoding="utf-8"?>
+<p:sld xmlns:a="http://schemas.openxmlformats.org/drawingml/2006/main" xmlns:r="http://schemas.openxmlformats.org/officeDocument/2006/relationships" xmlns:p="http://schemas.openxmlformats.org/presentationml/2006/main">
+  <p:cSld>
+    <p:spTree>
+      <p:nvGrpSpPr>
+        <p:cNvPr id="1" name=""/>
+        <p:cNvGrpSpPr/>
+        <p:nvPr/>
+      </p:nvGrpSpPr>
+      <p:grpSpPr>
+        <a:xfrm>
+          <a:off x="0" y="0"/>
+          <a:ext cx="0" cy="0"/>
+          <a:chOff x="0" y="0"/>
+          <a:chExt cx="0" cy="0"/>
+        </a:xfrm>
+      </p:grpSpPr>
+      <p:pic>
+        <p:nvPicPr>
+          <p:cNvPr id="5" name="Picture 4" descr="A graph of an orange line&#10;&#10;Description automatically generated">
+            <a:extLst>
+              <a:ext uri="{FF2B5EF4-FFF2-40B4-BE49-F238E27FC236}">
+                <a16:creationId xmlns:a16="http://schemas.microsoft.com/office/drawing/2014/main" id="{552C233F-6B38-EDBE-002E-09D0F9341434}"/>
+              </a:ext>
+            </a:extLst>
+          </p:cNvPr>
+          <p:cNvPicPr>
+            <a:picLocks noChangeAspect="1"/>
+          </p:cNvPicPr>
+          <p:nvPr/>
+        </p:nvPicPr>
+        <p:blipFill>
+          <a:blip r:embed="rId2"/>
+          <a:stretch>
+            <a:fillRect/>
+          </a:stretch>
+        </p:blipFill>
+        <p:spPr>
+          <a:xfrm>
+            <a:off x="343907" y="3926520"/>
+            <a:ext cx="3657600" cy="2743200"/>
+          </a:xfrm>
+          <a:prstGeom prst="rect">
+            <a:avLst/>
+          </a:prstGeom>
+        </p:spPr>
+      </p:pic>
+      <p:pic>
+        <p:nvPicPr>
+          <p:cNvPr id="3" name="Picture 2" descr="A graph with orange dots and blue line&#10;&#10;Description automatically generated">
+            <a:extLst>
+              <a:ext uri="{FF2B5EF4-FFF2-40B4-BE49-F238E27FC236}">
+                <a16:creationId xmlns:a16="http://schemas.microsoft.com/office/drawing/2014/main" id="{CFD169CB-4869-13F3-A113-6AD0CF5B15A9}"/>
+              </a:ext>
+            </a:extLst>
+          </p:cNvPr>
+          <p:cNvPicPr>
+            <a:picLocks noChangeAspect="1"/>
+          </p:cNvPicPr>
+          <p:nvPr/>
+        </p:nvPicPr>
+        <p:blipFill>
+          <a:blip r:embed="rId3"/>
+          <a:stretch>
+            <a:fillRect/>
+          </a:stretch>
+        </p:blipFill>
+        <p:spPr>
+          <a:xfrm>
+            <a:off x="347730" y="1183326"/>
+            <a:ext cx="3657600" cy="2743200"/>
+          </a:xfrm>
+          <a:prstGeom prst="rect">
+            <a:avLst/>
+          </a:prstGeom>
+        </p:spPr>
+      </p:pic>
+      <p:cxnSp>
+        <p:nvCxnSpPr>
+          <p:cNvPr id="36" name="Straight Connector 35">
+            <a:extLst>
+              <a:ext uri="{FF2B5EF4-FFF2-40B4-BE49-F238E27FC236}">
+                <a16:creationId xmlns:a16="http://schemas.microsoft.com/office/drawing/2014/main" id="{61C83F14-96C4-3845-C6E5-5FF6F61A1463}"/>
+              </a:ext>
+            </a:extLst>
+          </p:cNvPr>
+          <p:cNvCxnSpPr/>
+          <p:nvPr/>
+        </p:nvCxnSpPr>
+        <p:spPr>
+          <a:xfrm>
+            <a:off x="4143985" y="1446175"/>
+            <a:ext cx="0" cy="4961107"/>
+          </a:xfrm>
+          <a:prstGeom prst="line">
+            <a:avLst/>
+          </a:prstGeom>
+          <a:ln>
+            <a:solidFill>
+              <a:schemeClr val="tx1">
+                <a:lumMod val="50000"/>
+                <a:lumOff val="50000"/>
+              </a:schemeClr>
+            </a:solidFill>
+            <a:prstDash val="sysDash"/>
+          </a:ln>
+        </p:spPr>
+        <p:style>
+          <a:lnRef idx="2">
+            <a:schemeClr val="accent1"/>
+          </a:lnRef>
+          <a:fillRef idx="0">
+            <a:schemeClr val="accent1"/>
+          </a:fillRef>
+          <a:effectRef idx="1">
+            <a:schemeClr val="accent1"/>
+          </a:effectRef>
+          <a:fontRef idx="minor">
+            <a:schemeClr val="tx1"/>
+          </a:fontRef>
+        </p:style>
+      </p:cxnSp>
+      <p:cxnSp>
+        <p:nvCxnSpPr>
+          <p:cNvPr id="6" name="직선 연결선 4">
+            <a:extLst>
+              <a:ext uri="{FF2B5EF4-FFF2-40B4-BE49-F238E27FC236}">
+                <a16:creationId xmlns:a16="http://schemas.microsoft.com/office/drawing/2014/main" id="{A0C669A3-83AD-2BE1-9887-195754D117A4}"/>
+              </a:ext>
+            </a:extLst>
+          </p:cNvPr>
+          <p:cNvCxnSpPr>
+            <a:cxnSpLocks/>
+          </p:cNvCxnSpPr>
+          <p:nvPr/>
+        </p:nvCxnSpPr>
+        <p:spPr>
+          <a:xfrm>
+            <a:off x="347730" y="987361"/>
+            <a:ext cx="11514069" cy="0"/>
+          </a:xfrm>
+          <a:prstGeom prst="line">
+            <a:avLst/>
+          </a:prstGeom>
+          <a:ln w="28575">
+            <a:solidFill>
+              <a:srgbClr val="143F21"/>
+            </a:solidFill>
+          </a:ln>
+        </p:spPr>
+        <p:style>
+          <a:lnRef idx="1">
+            <a:schemeClr val="accent1"/>
+          </a:lnRef>
+          <a:fillRef idx="0">
+            <a:schemeClr val="accent1"/>
+          </a:fillRef>
+          <a:effectRef idx="0">
+            <a:schemeClr val="accent1"/>
+          </a:effectRef>
+          <a:fontRef idx="minor">
+            <a:schemeClr val="tx1"/>
+          </a:fontRef>
+        </p:style>
+      </p:cxnSp>
+      <p:sp>
+        <p:nvSpPr>
+          <p:cNvPr id="42" name="Business Branding…">
+            <a:extLst>
+              <a:ext uri="{FF2B5EF4-FFF2-40B4-BE49-F238E27FC236}">
+                <a16:creationId xmlns:a16="http://schemas.microsoft.com/office/drawing/2014/main" id="{4B18A028-15B3-A06D-8FEA-1AB2232EC108}"/>
+              </a:ext>
+            </a:extLst>
+          </p:cNvPr>
+          <p:cNvSpPr txBox="1"/>
+          <p:nvPr/>
+        </p:nvSpPr>
+        <p:spPr>
+          <a:xfrm>
+            <a:off x="347730" y="404966"/>
+            <a:ext cx="10993322" cy="553998"/>
+          </a:xfrm>
+          <a:prstGeom prst="rect">
+            <a:avLst/>
+          </a:prstGeom>
+          <a:ln w="3175">
+            <a:miter lim="400000"/>
+          </a:ln>
+          <a:extLst>
+            <a:ext uri="{C572A759-6A51-4108-AA02-DFA0A04FC94B}">
+              <ma14:wrappingTextBoxFlag xmlns="" xmlns:m="http://schemas.openxmlformats.org/officeDocument/2006/math" xmlns:a14="http://schemas.microsoft.com/office/drawing/2010/main" xmlns:ma14="http://schemas.microsoft.com/office/mac/drawingml/2011/main" val="1"/>
+            </a:ext>
+          </a:extLst>
+        </p:spPr>
+        <p:txBody>
+          <a:bodyPr wrap="square" lIns="0" tIns="0" rIns="0" bIns="0">
+            <a:spAutoFit/>
+          </a:bodyPr>
+          <a:lstStyle>
+            <a:defPPr>
+              <a:defRPr lang="en-US"/>
+            </a:defPPr>
+            <a:lvl1pPr marR="0" lvl="0" fontAlgn="auto">
+              <a:lnSpc>
+                <a:spcPct val="100000"/>
+              </a:lnSpc>
+              <a:spcBef>
+                <a:spcPts val="0"/>
+              </a:spcBef>
+              <a:spcAft>
+                <a:spcPts val="0"/>
+              </a:spcAft>
+              <a:buClrTx/>
+              <a:buSzTx/>
+              <a:tabLst/>
+              <a:defRPr sz="2000" b="1">
+                <a:solidFill>
+                  <a:srgbClr val="3E67CE"/>
+                </a:solidFill>
+                <a:latin typeface="+mj-ea"/>
+                <a:ea typeface="+mj-ea"/>
+                <a:cs typeface="Muli Black"/>
+              </a:defRPr>
+            </a:lvl1pPr>
+          </a:lstStyle>
+          <a:p>
+            <a:pPr defTabSz="457211">
+              <a:defRPr/>
+            </a:pPr>
+            <a:r>
+              <a:rPr lang="en-US" altLang="ko-KR" sz="1600" dirty="0">
+                <a:ln>
+                  <a:solidFill>
+                    <a:srgbClr val="4472C4">
+                      <a:alpha val="0"/>
+                    </a:srgbClr>
+                  </a:solidFill>
+                </a:ln>
+                <a:solidFill>
+                  <a:schemeClr val="tx1">
+                    <a:lumMod val="50000"/>
+                    <a:lumOff val="50000"/>
+                  </a:schemeClr>
+                </a:solidFill>
+                <a:latin typeface="Arial" panose="020B0604020202020204" pitchFamily="34" charset="0"/>
+                <a:ea typeface="나눔바른고딕" panose="020B0603020101020101" pitchFamily="50" charset="-127"/>
+                <a:cs typeface="Arial" panose="020B0604020202020204" pitchFamily="34" charset="0"/>
+                <a:sym typeface="Muli Black"/>
+              </a:rPr>
+              <a:t>2</a:t>
+            </a:r>
+            <a:r>
+              <a:rPr lang="en-US" altLang="ko-KR" sz="1600" kern="1200" dirty="0">
+                <a:ln>
+                  <a:solidFill>
+                    <a:srgbClr val="4472C4">
+                      <a:alpha val="0"/>
+                    </a:srgbClr>
+                  </a:solidFill>
+                </a:ln>
+                <a:solidFill>
+                  <a:schemeClr val="tx1">
+                    <a:lumMod val="50000"/>
+                    <a:lumOff val="50000"/>
+                  </a:schemeClr>
+                </a:solidFill>
+                <a:latin typeface="Arial" panose="020B0604020202020204" pitchFamily="34" charset="0"/>
+                <a:ea typeface="나눔바른고딕" panose="020B0603020101020101" pitchFamily="50" charset="-127"/>
+                <a:cs typeface="Arial" panose="020B0604020202020204" pitchFamily="34" charset="0"/>
+                <a:sym typeface="Muli Black"/>
+              </a:rPr>
+              <a:t>. </a:t>
+            </a:r>
+            <a:r>
+              <a:rPr lang="en-US" altLang="ko-KR" sz="1600" dirty="0">
+                <a:ln>
+                  <a:solidFill>
+                    <a:srgbClr val="4472C4">
+                      <a:alpha val="0"/>
+                    </a:srgbClr>
+                  </a:solidFill>
+                </a:ln>
+                <a:solidFill>
+                  <a:schemeClr val="tx1">
+                    <a:lumMod val="50000"/>
+                    <a:lumOff val="50000"/>
+                  </a:schemeClr>
+                </a:solidFill>
+                <a:latin typeface="Arial" panose="020B0604020202020204" pitchFamily="34" charset="0"/>
+                <a:ea typeface="나눔바른고딕" panose="020B0603020101020101" pitchFamily="50" charset="-127"/>
+                <a:cs typeface="Arial" panose="020B0604020202020204" pitchFamily="34" charset="0"/>
+                <a:sym typeface="Muli Black"/>
+              </a:rPr>
+              <a:t>Quadratic</a:t>
+            </a:r>
+            <a:r>
+              <a:rPr lang="en-US" altLang="ko-KR" sz="1600" kern="1200" dirty="0">
+                <a:ln>
+                  <a:solidFill>
+                    <a:srgbClr val="4472C4">
+                      <a:alpha val="0"/>
+                    </a:srgbClr>
+                  </a:solidFill>
+                </a:ln>
+                <a:solidFill>
+                  <a:schemeClr val="tx1">
+                    <a:lumMod val="50000"/>
+                    <a:lumOff val="50000"/>
+                  </a:schemeClr>
+                </a:solidFill>
+                <a:latin typeface="Arial" panose="020B0604020202020204" pitchFamily="34" charset="0"/>
+                <a:ea typeface="나눔바른고딕" panose="020B0603020101020101" pitchFamily="50" charset="-127"/>
+                <a:cs typeface="Arial" panose="020B0604020202020204" pitchFamily="34" charset="0"/>
+                <a:sym typeface="Muli Black"/>
+              </a:rPr>
+              <a:t> Correlation</a:t>
+            </a:r>
+            <a:endParaRPr lang="en-US" altLang="ko-KR" sz="1600" kern="1200" dirty="0">
+              <a:ln>
+                <a:solidFill>
+                  <a:srgbClr val="4472C4">
+                    <a:alpha val="0"/>
+                  </a:srgbClr>
+                </a:solidFill>
+              </a:ln>
+              <a:solidFill>
+                <a:schemeClr val="tx1"/>
+              </a:solidFill>
+              <a:latin typeface="Arial" panose="020B0604020202020204" pitchFamily="34" charset="0"/>
+              <a:ea typeface="나눔바른고딕" panose="020B0603020101020101" pitchFamily="50" charset="-127"/>
+              <a:cs typeface="Arial" panose="020B0604020202020204" pitchFamily="34" charset="0"/>
+              <a:sym typeface="Muli Black"/>
+            </a:endParaRPr>
+          </a:p>
+          <a:p>
+            <a:pPr defTabSz="457211">
+              <a:defRPr/>
+            </a:pPr>
+            <a:r>
+              <a:rPr lang="en-US" altLang="ko-KR" dirty="0">
+                <a:ln>
+                  <a:solidFill>
+                    <a:srgbClr val="4472C4">
+                      <a:alpha val="0"/>
+                    </a:srgbClr>
+                  </a:solidFill>
+                </a:ln>
+                <a:solidFill>
+                  <a:srgbClr val="143F21"/>
+                </a:solidFill>
+                <a:latin typeface="Arial" panose="020B0604020202020204" pitchFamily="34" charset="0"/>
+                <a:ea typeface="나눔바른고딕" panose="020B0603020101020101" pitchFamily="50" charset="-127"/>
+                <a:cs typeface="Arial" panose="020B0604020202020204" pitchFamily="34" charset="0"/>
+                <a:sym typeface="Muli Black"/>
+              </a:rPr>
+              <a:t>2</a:t>
+            </a:r>
+            <a:r>
+              <a:rPr lang="en-US" altLang="ko-KR" kern="1200" dirty="0">
+                <a:ln>
+                  <a:solidFill>
+                    <a:srgbClr val="4472C4">
+                      <a:alpha val="0"/>
+                    </a:srgbClr>
+                  </a:solidFill>
+                </a:ln>
+                <a:solidFill>
+                  <a:srgbClr val="143F21"/>
+                </a:solidFill>
+                <a:latin typeface="Arial" panose="020B0604020202020204" pitchFamily="34" charset="0"/>
+                <a:ea typeface="나눔바른고딕" panose="020B0603020101020101" pitchFamily="50" charset="-127"/>
+                <a:cs typeface="Arial" panose="020B0604020202020204" pitchFamily="34" charset="0"/>
+                <a:sym typeface="Muli Black"/>
+              </a:rPr>
+              <a:t>.1. Scatter Plot between Properties </a:t>
+            </a:r>
+            <a:r>
+              <a:rPr lang="en-US" altLang="ko-KR" kern="1200" dirty="0">
+                <a:ln>
+                  <a:solidFill>
+                    <a:srgbClr val="4472C4">
+                      <a:alpha val="0"/>
+                    </a:srgbClr>
+                  </a:solidFill>
+                </a:ln>
+                <a:solidFill>
+                  <a:srgbClr val="FF0000"/>
+                </a:solidFill>
+                <a:latin typeface="Arial" panose="020B0604020202020204" pitchFamily="34" charset="0"/>
+                <a:ea typeface="나눔바른고딕" panose="020B0603020101020101" pitchFamily="50" charset="-127"/>
+                <a:cs typeface="Arial" panose="020B0604020202020204" pitchFamily="34" charset="0"/>
+                <a:sym typeface="Muli Black"/>
+              </a:rPr>
+              <a:t>(</a:t>
+            </a:r>
+            <a:r>
+              <a:rPr lang="en-US" altLang="ko-KR" dirty="0">
+                <a:ln>
+                  <a:solidFill>
+                    <a:srgbClr val="4472C4">
+                      <a:alpha val="0"/>
+                    </a:srgbClr>
+                  </a:solidFill>
+                </a:ln>
+                <a:solidFill>
+                  <a:srgbClr val="FF0000"/>
+                </a:solidFill>
+                <a:latin typeface="Arial" panose="020B0604020202020204" pitchFamily="34" charset="0"/>
+                <a:ea typeface="나눔바른고딕" panose="020B0603020101020101" pitchFamily="50" charset="-127"/>
+                <a:cs typeface="Arial" panose="020B0604020202020204" pitchFamily="34" charset="0"/>
+                <a:sym typeface="Muli Black"/>
+              </a:rPr>
+              <a:t>Cubic</a:t>
+            </a:r>
+            <a:r>
+              <a:rPr lang="en-US" altLang="ko-KR" kern="1200" dirty="0">
+                <a:ln>
+                  <a:solidFill>
+                    <a:srgbClr val="4472C4">
+                      <a:alpha val="0"/>
+                    </a:srgbClr>
+                  </a:solidFill>
+                </a:ln>
+                <a:solidFill>
+                  <a:srgbClr val="FF0000"/>
+                </a:solidFill>
+                <a:latin typeface="Arial" panose="020B0604020202020204" pitchFamily="34" charset="0"/>
+                <a:ea typeface="나눔바른고딕" panose="020B0603020101020101" pitchFamily="50" charset="-127"/>
+                <a:cs typeface="Arial" panose="020B0604020202020204" pitchFamily="34" charset="0"/>
+                <a:sym typeface="Muli Black"/>
+              </a:rPr>
+              <a:t> vs Quadratic vs  Correlation)</a:t>
+            </a:r>
+          </a:p>
+        </p:txBody>
+      </p:sp>
+      <p:pic>
+        <p:nvPicPr>
+          <p:cNvPr id="14" name="Picture 13" descr="A graph of a line with orange dots&#10;&#10;Description automatically generated">
+            <a:extLst>
+              <a:ext uri="{FF2B5EF4-FFF2-40B4-BE49-F238E27FC236}">
+                <a16:creationId xmlns:a16="http://schemas.microsoft.com/office/drawing/2014/main" id="{01814248-1665-B9C1-A8EA-EC76C04E8B89}"/>
+              </a:ext>
+            </a:extLst>
+          </p:cNvPr>
+          <p:cNvPicPr>
+            <a:picLocks noChangeAspect="1"/>
+          </p:cNvPicPr>
+          <p:nvPr/>
+        </p:nvPicPr>
+        <p:blipFill>
+          <a:blip r:embed="rId4"/>
+          <a:stretch>
+            <a:fillRect/>
+          </a:stretch>
+        </p:blipFill>
+        <p:spPr>
+          <a:xfrm>
+            <a:off x="4267200" y="1183326"/>
+            <a:ext cx="3657600" cy="2743200"/>
+          </a:xfrm>
+          <a:prstGeom prst="rect">
+            <a:avLst/>
+          </a:prstGeom>
+        </p:spPr>
+      </p:pic>
+      <p:pic>
+        <p:nvPicPr>
+          <p:cNvPr id="16" name="Picture 15" descr="A graph with orange dots and a blue line&#10;&#10;Description automatically generated">
+            <a:extLst>
+              <a:ext uri="{FF2B5EF4-FFF2-40B4-BE49-F238E27FC236}">
+                <a16:creationId xmlns:a16="http://schemas.microsoft.com/office/drawing/2014/main" id="{BF62E4A6-048B-51CE-E557-B591B0520372}"/>
+              </a:ext>
+            </a:extLst>
+          </p:cNvPr>
+          <p:cNvPicPr>
+            <a:picLocks noChangeAspect="1"/>
+          </p:cNvPicPr>
+          <p:nvPr/>
+        </p:nvPicPr>
+        <p:blipFill>
+          <a:blip r:embed="rId5"/>
+          <a:stretch>
+            <a:fillRect/>
+          </a:stretch>
+        </p:blipFill>
+        <p:spPr>
+          <a:xfrm>
+            <a:off x="8186670" y="1183326"/>
+            <a:ext cx="3657600" cy="2743200"/>
+          </a:xfrm>
+          <a:prstGeom prst="rect">
+            <a:avLst/>
+          </a:prstGeom>
+        </p:spPr>
+      </p:pic>
+      <p:sp>
+        <p:nvSpPr>
+          <p:cNvPr id="17" name="Right Arrow 16">
+            <a:extLst>
+              <a:ext uri="{FF2B5EF4-FFF2-40B4-BE49-F238E27FC236}">
+                <a16:creationId xmlns:a16="http://schemas.microsoft.com/office/drawing/2014/main" id="{38BBD153-D938-3B2A-92B1-D963BB0C2BE5}"/>
+              </a:ext>
+            </a:extLst>
+          </p:cNvPr>
+          <p:cNvSpPr/>
+          <p:nvPr/>
+        </p:nvSpPr>
+        <p:spPr>
+          <a:xfrm>
+            <a:off x="3955573" y="2369089"/>
+            <a:ext cx="361384" cy="371673"/>
+          </a:xfrm>
+          <a:prstGeom prst="rightArrow">
+            <a:avLst/>
+          </a:prstGeom>
+          <a:solidFill>
+            <a:srgbClr val="FF0000"/>
+          </a:solidFill>
+          <a:ln>
+            <a:noFill/>
+          </a:ln>
+        </p:spPr>
+        <p:style>
+          <a:lnRef idx="2">
+            <a:schemeClr val="accent1">
+              <a:shade val="15000"/>
+            </a:schemeClr>
+          </a:lnRef>
+          <a:fillRef idx="1">
+            <a:schemeClr val="accent1"/>
+          </a:fillRef>
+          <a:effectRef idx="0">
+            <a:schemeClr val="accent1"/>
+          </a:effectRef>
+          <a:fontRef idx="minor">
+            <a:schemeClr val="lt1"/>
+          </a:fontRef>
+        </p:style>
+        <p:txBody>
+          <a:bodyPr rtlCol="0" anchor="ctr"/>
+          <a:lstStyle/>
+          <a:p>
+            <a:pPr algn="ctr"/>
+            <a:endParaRPr lang="en-US"/>
+          </a:p>
+        </p:txBody>
+      </p:sp>
+      <p:sp>
+        <p:nvSpPr>
+          <p:cNvPr id="33" name="Left-Right Arrow 32">
+            <a:extLst>
+              <a:ext uri="{FF2B5EF4-FFF2-40B4-BE49-F238E27FC236}">
+                <a16:creationId xmlns:a16="http://schemas.microsoft.com/office/drawing/2014/main" id="{16A7CB72-CD37-1EDE-EF36-0662A4C072CE}"/>
+              </a:ext>
+            </a:extLst>
+          </p:cNvPr>
+          <p:cNvSpPr/>
+          <p:nvPr/>
+        </p:nvSpPr>
+        <p:spPr>
+          <a:xfrm>
+            <a:off x="7901714" y="2458913"/>
+            <a:ext cx="308043" cy="192024"/>
+          </a:xfrm>
+          <a:prstGeom prst="leftRightArrow">
+            <a:avLst/>
+          </a:prstGeom>
+          <a:solidFill>
+            <a:srgbClr val="143F21"/>
+          </a:solidFill>
+          <a:ln>
+            <a:solidFill>
+              <a:srgbClr val="143F21"/>
+            </a:solidFill>
+          </a:ln>
+        </p:spPr>
+        <p:style>
+          <a:lnRef idx="2">
+            <a:schemeClr val="accent1">
+              <a:shade val="15000"/>
+            </a:schemeClr>
+          </a:lnRef>
+          <a:fillRef idx="1">
+            <a:schemeClr val="accent1"/>
+          </a:fillRef>
+          <a:effectRef idx="0">
+            <a:schemeClr val="accent1"/>
+          </a:effectRef>
+          <a:fontRef idx="minor">
+            <a:schemeClr val="lt1"/>
+          </a:fontRef>
+        </p:style>
+        <p:txBody>
+          <a:bodyPr rtlCol="0" anchor="ctr"/>
+          <a:lstStyle/>
+          <a:p>
+            <a:pPr algn="ctr"/>
+            <a:endParaRPr lang="en-US"/>
+          </a:p>
+        </p:txBody>
+      </p:sp>
+      <p:sp>
+        <p:nvSpPr>
+          <p:cNvPr id="37" name="Rectangle 36">
+            <a:extLst>
+              <a:ext uri="{FF2B5EF4-FFF2-40B4-BE49-F238E27FC236}">
+                <a16:creationId xmlns:a16="http://schemas.microsoft.com/office/drawing/2014/main" id="{CEFD7E62-862E-B076-725B-AED8F4AB3196}"/>
+              </a:ext>
+            </a:extLst>
+          </p:cNvPr>
+          <p:cNvSpPr/>
+          <p:nvPr/>
+        </p:nvSpPr>
+        <p:spPr>
+          <a:xfrm>
+            <a:off x="2269789" y="1717464"/>
+            <a:ext cx="324255" cy="138691"/>
+          </a:xfrm>
+          <a:prstGeom prst="rect">
+            <a:avLst/>
+          </a:prstGeom>
+          <a:noFill/>
+          <a:ln>
+            <a:solidFill>
+              <a:srgbClr val="FF0000"/>
+            </a:solidFill>
+          </a:ln>
+        </p:spPr>
+        <p:style>
+          <a:lnRef idx="2">
+            <a:schemeClr val="accent1">
+              <a:shade val="15000"/>
+            </a:schemeClr>
+          </a:lnRef>
+          <a:fillRef idx="1">
+            <a:schemeClr val="accent1"/>
+          </a:fillRef>
+          <a:effectRef idx="0">
+            <a:schemeClr val="accent1"/>
+          </a:effectRef>
+          <a:fontRef idx="minor">
+            <a:schemeClr val="lt1"/>
+          </a:fontRef>
+        </p:style>
+        <p:txBody>
+          <a:bodyPr rtlCol="0" anchor="ctr"/>
+          <a:lstStyle/>
+          <a:p>
+            <a:pPr algn="ctr"/>
+            <a:endParaRPr lang="en-US" dirty="0"/>
+          </a:p>
+        </p:txBody>
+      </p:sp>
+      <p:sp>
+        <p:nvSpPr>
+          <p:cNvPr id="43" name="Rectangle 42">
+            <a:extLst>
+              <a:ext uri="{FF2B5EF4-FFF2-40B4-BE49-F238E27FC236}">
+                <a16:creationId xmlns:a16="http://schemas.microsoft.com/office/drawing/2014/main" id="{F273A880-B55A-1BD5-8349-8BEBBA2AFDC8}"/>
+              </a:ext>
+            </a:extLst>
+          </p:cNvPr>
+          <p:cNvSpPr/>
+          <p:nvPr/>
+        </p:nvSpPr>
+        <p:spPr>
+          <a:xfrm>
+            <a:off x="2260120" y="4456545"/>
+            <a:ext cx="324255" cy="138691"/>
+          </a:xfrm>
+          <a:prstGeom prst="rect">
+            <a:avLst/>
+          </a:prstGeom>
+          <a:noFill/>
+          <a:ln>
+            <a:solidFill>
+              <a:srgbClr val="FF0000"/>
+            </a:solidFill>
+          </a:ln>
+        </p:spPr>
+        <p:style>
+          <a:lnRef idx="2">
+            <a:schemeClr val="accent1">
+              <a:shade val="15000"/>
+            </a:schemeClr>
+          </a:lnRef>
+          <a:fillRef idx="1">
+            <a:schemeClr val="accent1"/>
+          </a:fillRef>
+          <a:effectRef idx="0">
+            <a:schemeClr val="accent1"/>
+          </a:effectRef>
+          <a:fontRef idx="minor">
+            <a:schemeClr val="lt1"/>
+          </a:fontRef>
+        </p:style>
+        <p:txBody>
+          <a:bodyPr rtlCol="0" anchor="ctr"/>
+          <a:lstStyle/>
+          <a:p>
+            <a:pPr algn="ctr"/>
+            <a:endParaRPr lang="en-US" dirty="0"/>
+          </a:p>
+        </p:txBody>
+      </p:sp>
+      <p:pic>
+        <p:nvPicPr>
+          <p:cNvPr id="45" name="Picture 44" descr="A graph with a line and numbers&#10;&#10;Description automatically generated with medium confidence">
+            <a:extLst>
+              <a:ext uri="{FF2B5EF4-FFF2-40B4-BE49-F238E27FC236}">
+                <a16:creationId xmlns:a16="http://schemas.microsoft.com/office/drawing/2014/main" id="{92FBEF90-F873-A69C-DE0F-A5EC04F777E6}"/>
+              </a:ext>
+            </a:extLst>
+          </p:cNvPr>
+          <p:cNvPicPr>
+            <a:picLocks noChangeAspect="1"/>
+          </p:cNvPicPr>
+          <p:nvPr/>
+        </p:nvPicPr>
+        <p:blipFill>
+          <a:blip r:embed="rId6"/>
+          <a:stretch>
+            <a:fillRect/>
+          </a:stretch>
+        </p:blipFill>
+        <p:spPr>
+          <a:xfrm>
+            <a:off x="4267200" y="3926521"/>
+            <a:ext cx="3657600" cy="2743200"/>
+          </a:xfrm>
+          <a:prstGeom prst="rect">
+            <a:avLst/>
+          </a:prstGeom>
+        </p:spPr>
+      </p:pic>
+      <p:pic>
+        <p:nvPicPr>
+          <p:cNvPr id="47" name="Picture 46" descr="A graph of a line&#10;&#10;Description automatically generated">
+            <a:extLst>
+              <a:ext uri="{FF2B5EF4-FFF2-40B4-BE49-F238E27FC236}">
+                <a16:creationId xmlns:a16="http://schemas.microsoft.com/office/drawing/2014/main" id="{31B4734D-446A-CCD6-6572-8CA9561B1131}"/>
+              </a:ext>
+            </a:extLst>
+          </p:cNvPr>
+          <p:cNvPicPr>
+            <a:picLocks noChangeAspect="1"/>
+          </p:cNvPicPr>
+          <p:nvPr/>
+        </p:nvPicPr>
+        <p:blipFill>
+          <a:blip r:embed="rId7"/>
+          <a:stretch>
+            <a:fillRect/>
+          </a:stretch>
+        </p:blipFill>
+        <p:spPr>
+          <a:xfrm>
+            <a:off x="8209757" y="3926521"/>
+            <a:ext cx="3657600" cy="2743200"/>
+          </a:xfrm>
+          <a:prstGeom prst="rect">
+            <a:avLst/>
+          </a:prstGeom>
+        </p:spPr>
+      </p:pic>
+      <p:sp>
+        <p:nvSpPr>
+          <p:cNvPr id="34" name="TextBox 33">
+            <a:extLst>
+              <a:ext uri="{FF2B5EF4-FFF2-40B4-BE49-F238E27FC236}">
+                <a16:creationId xmlns:a16="http://schemas.microsoft.com/office/drawing/2014/main" id="{3A6B94F6-7156-A8DF-5FE0-6355D0DEFE2F}"/>
+              </a:ext>
+            </a:extLst>
+          </p:cNvPr>
+          <p:cNvSpPr txBox="1"/>
+          <p:nvPr/>
+        </p:nvSpPr>
+        <p:spPr>
+          <a:xfrm>
+            <a:off x="7248463" y="3772635"/>
+            <a:ext cx="1614545" cy="307777"/>
+          </a:xfrm>
+          <a:prstGeom prst="rect">
+            <a:avLst/>
+          </a:prstGeom>
+          <a:noFill/>
+          <a:ln>
+            <a:solidFill>
+              <a:srgbClr val="143F21"/>
+            </a:solidFill>
+          </a:ln>
+        </p:spPr>
+        <p:txBody>
+          <a:bodyPr wrap="none" rtlCol="0">
+            <a:spAutoFit/>
+          </a:bodyPr>
+          <a:lstStyle/>
+          <a:p>
+            <a:r>
+              <a:rPr lang="en-US" sz="1400" b="1" dirty="0">
+                <a:solidFill>
+                  <a:srgbClr val="143F21"/>
+                </a:solidFill>
+                <a:latin typeface="Arial" panose="020B0604020202020204" pitchFamily="34" charset="0"/>
+                <a:cs typeface="Arial" panose="020B0604020202020204" pitchFamily="34" charset="0"/>
+              </a:rPr>
+              <a:t>Inverse Function</a:t>
+            </a:r>
+          </a:p>
+        </p:txBody>
+      </p:sp>
+      <p:sp>
+        <p:nvSpPr>
+          <p:cNvPr id="48" name="Left-Right Arrow 47">
+            <a:extLst>
+              <a:ext uri="{FF2B5EF4-FFF2-40B4-BE49-F238E27FC236}">
+                <a16:creationId xmlns:a16="http://schemas.microsoft.com/office/drawing/2014/main" id="{2D19F519-A4AB-6862-7DD7-2498C60BDCAF}"/>
+              </a:ext>
+            </a:extLst>
+          </p:cNvPr>
+          <p:cNvSpPr/>
+          <p:nvPr/>
+        </p:nvSpPr>
+        <p:spPr>
+          <a:xfrm>
+            <a:off x="7901714" y="5202108"/>
+            <a:ext cx="308043" cy="192024"/>
+          </a:xfrm>
+          <a:prstGeom prst="leftRightArrow">
+            <a:avLst/>
+          </a:prstGeom>
+          <a:solidFill>
+            <a:srgbClr val="143F21"/>
+          </a:solidFill>
+          <a:ln>
+            <a:solidFill>
+              <a:srgbClr val="143F21"/>
+            </a:solidFill>
+          </a:ln>
+        </p:spPr>
+        <p:style>
+          <a:lnRef idx="2">
+            <a:schemeClr val="accent1">
+              <a:shade val="15000"/>
+            </a:schemeClr>
+          </a:lnRef>
+          <a:fillRef idx="1">
+            <a:schemeClr val="accent1"/>
+          </a:fillRef>
+          <a:effectRef idx="0">
+            <a:schemeClr val="accent1"/>
+          </a:effectRef>
+          <a:fontRef idx="minor">
+            <a:schemeClr val="lt1"/>
+          </a:fontRef>
+        </p:style>
+        <p:txBody>
+          <a:bodyPr rtlCol="0" anchor="ctr"/>
+          <a:lstStyle/>
+          <a:p>
+            <a:pPr algn="ctr"/>
+            <a:endParaRPr lang="en-US"/>
+          </a:p>
+        </p:txBody>
+      </p:sp>
+      <p:sp>
+        <p:nvSpPr>
+          <p:cNvPr id="41" name="Right Arrow 40">
+            <a:extLst>
+              <a:ext uri="{FF2B5EF4-FFF2-40B4-BE49-F238E27FC236}">
+                <a16:creationId xmlns:a16="http://schemas.microsoft.com/office/drawing/2014/main" id="{AE19A000-3FE2-0C2D-600B-1996860E7728}"/>
+              </a:ext>
+            </a:extLst>
+          </p:cNvPr>
+          <p:cNvSpPr/>
+          <p:nvPr/>
+        </p:nvSpPr>
+        <p:spPr>
+          <a:xfrm>
+            <a:off x="3955573" y="5112286"/>
+            <a:ext cx="361384" cy="371673"/>
+          </a:xfrm>
+          <a:prstGeom prst="rightArrow">
+            <a:avLst/>
+          </a:prstGeom>
+          <a:solidFill>
+            <a:srgbClr val="FF0000"/>
+          </a:solidFill>
+          <a:ln>
+            <a:noFill/>
+          </a:ln>
+        </p:spPr>
+        <p:style>
+          <a:lnRef idx="2">
+            <a:schemeClr val="accent1">
+              <a:shade val="15000"/>
+            </a:schemeClr>
+          </a:lnRef>
+          <a:fillRef idx="1">
+            <a:schemeClr val="accent1"/>
+          </a:fillRef>
+          <a:effectRef idx="0">
+            <a:schemeClr val="accent1"/>
+          </a:effectRef>
+          <a:fontRef idx="minor">
+            <a:schemeClr val="lt1"/>
+          </a:fontRef>
+        </p:style>
+        <p:txBody>
+          <a:bodyPr rtlCol="0" anchor="ctr"/>
+          <a:lstStyle/>
+          <a:p>
+            <a:pPr algn="ctr"/>
+            <a:endParaRPr lang="en-US"/>
+          </a:p>
+        </p:txBody>
+      </p:sp>
+    </p:spTree>
+    <p:extLst>
+      <p:ext uri="{BB962C8B-B14F-4D97-AF65-F5344CB8AC3E}">
+        <p14:creationId xmlns:p14="http://schemas.microsoft.com/office/powerpoint/2010/main" val="4136878292"/>
+      </p:ext>
+    </p:extLst>
+  </p:cSld>
+  <p:clrMapOvr>
+    <a:masterClrMapping/>
+  </p:clrMapOvr>
+</p:sld>
+</file>
+
+<file path=ppt/slides/slide13.xml><?xml version="1.0" encoding="utf-8"?>
+<p:sld xmlns:a="http://schemas.openxmlformats.org/drawingml/2006/main" xmlns:r="http://schemas.openxmlformats.org/officeDocument/2006/relationships" xmlns:p="http://schemas.openxmlformats.org/presentationml/2006/main">
+  <p:cSld>
+    <p:spTree>
+      <p:nvGrpSpPr>
+        <p:cNvPr id="1" name=""/>
+        <p:cNvGrpSpPr/>
+        <p:nvPr/>
+      </p:nvGrpSpPr>
+      <p:grpSpPr>
+        <a:xfrm>
+          <a:off x="0" y="0"/>
+          <a:ext cx="0" cy="0"/>
+          <a:chOff x="0" y="0"/>
+          <a:chExt cx="0" cy="0"/>
+        </a:xfrm>
+      </p:grpSpPr>
+      <p:pic>
+        <p:nvPicPr>
+          <p:cNvPr id="4" name="Picture 3" descr="A graph of an orange line&#10;&#10;Description automatically generated">
+            <a:extLst>
+              <a:ext uri="{FF2B5EF4-FFF2-40B4-BE49-F238E27FC236}">
+                <a16:creationId xmlns:a16="http://schemas.microsoft.com/office/drawing/2014/main" id="{D623E4F0-A3B7-1964-D9C9-BE31CC58C9F5}"/>
+              </a:ext>
+            </a:extLst>
+          </p:cNvPr>
+          <p:cNvPicPr>
+            <a:picLocks noChangeAspect="1"/>
+          </p:cNvPicPr>
+          <p:nvPr/>
+        </p:nvPicPr>
+        <p:blipFill>
+          <a:blip r:embed="rId2"/>
+          <a:stretch>
+            <a:fillRect/>
+          </a:stretch>
+        </p:blipFill>
+        <p:spPr>
+          <a:xfrm>
+            <a:off x="347730" y="2057399"/>
+            <a:ext cx="3657600" cy="2743200"/>
+          </a:xfrm>
+          <a:prstGeom prst="rect">
+            <a:avLst/>
+          </a:prstGeom>
+        </p:spPr>
+      </p:pic>
+      <p:pic>
+        <p:nvPicPr>
+          <p:cNvPr id="8" name="Picture 7" descr="A graph with orange dots&#10;&#10;Description automatically generated">
+            <a:extLst>
+              <a:ext uri="{FF2B5EF4-FFF2-40B4-BE49-F238E27FC236}">
+                <a16:creationId xmlns:a16="http://schemas.microsoft.com/office/drawing/2014/main" id="{E72B2AD2-4450-56FF-39C7-6FDE3B06E043}"/>
+              </a:ext>
+            </a:extLst>
+          </p:cNvPr>
+          <p:cNvPicPr>
+            <a:picLocks noChangeAspect="1"/>
+          </p:cNvPicPr>
+          <p:nvPr/>
+        </p:nvPicPr>
+        <p:blipFill>
+          <a:blip r:embed="rId3"/>
+          <a:stretch>
+            <a:fillRect/>
+          </a:stretch>
+        </p:blipFill>
+        <p:spPr>
+          <a:xfrm>
+            <a:off x="8186670" y="2057399"/>
+            <a:ext cx="3657600" cy="2743200"/>
+          </a:xfrm>
+          <a:prstGeom prst="rect">
+            <a:avLst/>
+          </a:prstGeom>
+        </p:spPr>
+      </p:pic>
+      <p:pic>
+        <p:nvPicPr>
+          <p:cNvPr id="5" name="Picture 4" descr="A graph with orange dots and blue line&#10;&#10;Description automatically generated">
+            <a:extLst>
+              <a:ext uri="{FF2B5EF4-FFF2-40B4-BE49-F238E27FC236}">
+                <a16:creationId xmlns:a16="http://schemas.microsoft.com/office/drawing/2014/main" id="{C9FC7D82-3BDC-507A-B709-6AA90B158291}"/>
+              </a:ext>
+            </a:extLst>
+          </p:cNvPr>
+          <p:cNvPicPr>
+            <a:picLocks noChangeAspect="1"/>
+          </p:cNvPicPr>
+          <p:nvPr/>
+        </p:nvPicPr>
+        <p:blipFill>
+          <a:blip r:embed="rId4"/>
+          <a:stretch>
+            <a:fillRect/>
+          </a:stretch>
+        </p:blipFill>
+        <p:spPr>
+          <a:xfrm>
+            <a:off x="4262165" y="2057399"/>
+            <a:ext cx="3657600" cy="2743200"/>
+          </a:xfrm>
+          <a:prstGeom prst="rect">
+            <a:avLst/>
+          </a:prstGeom>
+        </p:spPr>
+      </p:pic>
+      <p:cxnSp>
+        <p:nvCxnSpPr>
+          <p:cNvPr id="36" name="Straight Connector 35">
+            <a:extLst>
+              <a:ext uri="{FF2B5EF4-FFF2-40B4-BE49-F238E27FC236}">
+                <a16:creationId xmlns:a16="http://schemas.microsoft.com/office/drawing/2014/main" id="{61C83F14-96C4-3845-C6E5-5FF6F61A1463}"/>
+              </a:ext>
+            </a:extLst>
+          </p:cNvPr>
+          <p:cNvCxnSpPr/>
+          <p:nvPr/>
+        </p:nvCxnSpPr>
+        <p:spPr>
+          <a:xfrm>
+            <a:off x="4143985" y="1446175"/>
+            <a:ext cx="0" cy="4961107"/>
+          </a:xfrm>
+          <a:prstGeom prst="line">
+            <a:avLst/>
+          </a:prstGeom>
+          <a:ln>
+            <a:solidFill>
+              <a:schemeClr val="tx1">
+                <a:lumMod val="50000"/>
+                <a:lumOff val="50000"/>
+              </a:schemeClr>
+            </a:solidFill>
+            <a:prstDash val="sysDash"/>
+          </a:ln>
+        </p:spPr>
+        <p:style>
+          <a:lnRef idx="2">
+            <a:schemeClr val="accent1"/>
+          </a:lnRef>
+          <a:fillRef idx="0">
+            <a:schemeClr val="accent1"/>
+          </a:fillRef>
+          <a:effectRef idx="1">
+            <a:schemeClr val="accent1"/>
+          </a:effectRef>
+          <a:fontRef idx="minor">
+            <a:schemeClr val="tx1"/>
+          </a:fontRef>
+        </p:style>
+      </p:cxnSp>
+      <p:cxnSp>
+        <p:nvCxnSpPr>
+          <p:cNvPr id="6" name="직선 연결선 4">
+            <a:extLst>
+              <a:ext uri="{FF2B5EF4-FFF2-40B4-BE49-F238E27FC236}">
+                <a16:creationId xmlns:a16="http://schemas.microsoft.com/office/drawing/2014/main" id="{A0C669A3-83AD-2BE1-9887-195754D117A4}"/>
+              </a:ext>
+            </a:extLst>
+          </p:cNvPr>
+          <p:cNvCxnSpPr>
+            <a:cxnSpLocks/>
+          </p:cNvCxnSpPr>
+          <p:nvPr/>
+        </p:nvCxnSpPr>
+        <p:spPr>
+          <a:xfrm>
+            <a:off x="347730" y="987361"/>
+            <a:ext cx="11514069" cy="0"/>
+          </a:xfrm>
+          <a:prstGeom prst="line">
+            <a:avLst/>
+          </a:prstGeom>
+          <a:ln w="28575">
+            <a:solidFill>
+              <a:srgbClr val="143F21"/>
+            </a:solidFill>
+          </a:ln>
+        </p:spPr>
+        <p:style>
+          <a:lnRef idx="1">
+            <a:schemeClr val="accent1"/>
+          </a:lnRef>
+          <a:fillRef idx="0">
+            <a:schemeClr val="accent1"/>
+          </a:fillRef>
+          <a:effectRef idx="0">
+            <a:schemeClr val="accent1"/>
+          </a:effectRef>
+          <a:fontRef idx="minor">
+            <a:schemeClr val="tx1"/>
+          </a:fontRef>
+        </p:style>
+      </p:cxnSp>
+      <p:sp>
+        <p:nvSpPr>
+          <p:cNvPr id="42" name="Business Branding…">
+            <a:extLst>
+              <a:ext uri="{FF2B5EF4-FFF2-40B4-BE49-F238E27FC236}">
+                <a16:creationId xmlns:a16="http://schemas.microsoft.com/office/drawing/2014/main" id="{4B18A028-15B3-A06D-8FEA-1AB2232EC108}"/>
+              </a:ext>
+            </a:extLst>
+          </p:cNvPr>
+          <p:cNvSpPr txBox="1"/>
+          <p:nvPr/>
+        </p:nvSpPr>
+        <p:spPr>
+          <a:xfrm>
+            <a:off x="347730" y="404966"/>
+            <a:ext cx="10993322" cy="553998"/>
+          </a:xfrm>
+          <a:prstGeom prst="rect">
+            <a:avLst/>
+          </a:prstGeom>
+          <a:ln w="3175">
+            <a:miter lim="400000"/>
+          </a:ln>
+          <a:extLst>
+            <a:ext uri="{C572A759-6A51-4108-AA02-DFA0A04FC94B}">
+              <ma14:wrappingTextBoxFlag xmlns="" xmlns:m="http://schemas.openxmlformats.org/officeDocument/2006/math" xmlns:a14="http://schemas.microsoft.com/office/drawing/2010/main" xmlns:ma14="http://schemas.microsoft.com/office/mac/drawingml/2011/main" val="1"/>
+            </a:ext>
+          </a:extLst>
+        </p:spPr>
+        <p:txBody>
+          <a:bodyPr wrap="square" lIns="0" tIns="0" rIns="0" bIns="0">
+            <a:spAutoFit/>
+          </a:bodyPr>
+          <a:lstStyle>
+            <a:defPPr>
+              <a:defRPr lang="en-US"/>
+            </a:defPPr>
+            <a:lvl1pPr marR="0" lvl="0" fontAlgn="auto">
+              <a:lnSpc>
+                <a:spcPct val="100000"/>
+              </a:lnSpc>
+              <a:spcBef>
+                <a:spcPts val="0"/>
+              </a:spcBef>
+              <a:spcAft>
+                <a:spcPts val="0"/>
+              </a:spcAft>
+              <a:buClrTx/>
+              <a:buSzTx/>
+              <a:tabLst/>
+              <a:defRPr sz="2000" b="1">
+                <a:solidFill>
+                  <a:srgbClr val="3E67CE"/>
+                </a:solidFill>
+                <a:latin typeface="+mj-ea"/>
+                <a:ea typeface="+mj-ea"/>
+                <a:cs typeface="Muli Black"/>
+              </a:defRPr>
+            </a:lvl1pPr>
+          </a:lstStyle>
+          <a:p>
+            <a:pPr defTabSz="457211">
+              <a:defRPr/>
+            </a:pPr>
+            <a:r>
+              <a:rPr lang="en-US" altLang="ko-KR" sz="1600" kern="1200" dirty="0">
+                <a:ln>
+                  <a:solidFill>
+                    <a:srgbClr val="4472C4">
+                      <a:alpha val="0"/>
+                    </a:srgbClr>
+                  </a:solidFill>
+                </a:ln>
+                <a:solidFill>
+                  <a:schemeClr val="tx1">
+                    <a:lumMod val="50000"/>
+                    <a:lumOff val="50000"/>
+                  </a:schemeClr>
+                </a:solidFill>
+                <a:latin typeface="Arial" panose="020B0604020202020204" pitchFamily="34" charset="0"/>
+                <a:ea typeface="나눔바른고딕" panose="020B0603020101020101" pitchFamily="50" charset="-127"/>
+                <a:cs typeface="Arial" panose="020B0604020202020204" pitchFamily="34" charset="0"/>
+                <a:sym typeface="Muli Black"/>
+              </a:rPr>
+              <a:t>1. Linear Correlation</a:t>
+            </a:r>
+            <a:endParaRPr lang="en-US" altLang="ko-KR" sz="1600" kern="1200" dirty="0">
+              <a:ln>
+                <a:solidFill>
+                  <a:srgbClr val="4472C4">
+                    <a:alpha val="0"/>
+                  </a:srgbClr>
+                </a:solidFill>
+              </a:ln>
+              <a:solidFill>
+                <a:schemeClr val="tx1"/>
+              </a:solidFill>
+              <a:latin typeface="Arial" panose="020B0604020202020204" pitchFamily="34" charset="0"/>
+              <a:ea typeface="나눔바른고딕" panose="020B0603020101020101" pitchFamily="50" charset="-127"/>
+              <a:cs typeface="Arial" panose="020B0604020202020204" pitchFamily="34" charset="0"/>
+              <a:sym typeface="Muli Black"/>
+            </a:endParaRPr>
+          </a:p>
+          <a:p>
+            <a:pPr defTabSz="457211">
+              <a:defRPr/>
+            </a:pPr>
+            <a:r>
+              <a:rPr lang="en-US" altLang="ko-KR" kern="1200" dirty="0">
+                <a:ln>
+                  <a:solidFill>
+                    <a:srgbClr val="4472C4">
+                      <a:alpha val="0"/>
+                    </a:srgbClr>
+                  </a:solidFill>
+                </a:ln>
+                <a:solidFill>
+                  <a:srgbClr val="143F21"/>
+                </a:solidFill>
+                <a:latin typeface="Arial" panose="020B0604020202020204" pitchFamily="34" charset="0"/>
+                <a:ea typeface="나눔바른고딕" panose="020B0603020101020101" pitchFamily="50" charset="-127"/>
+                <a:cs typeface="Arial" panose="020B0604020202020204" pitchFamily="34" charset="0"/>
+                <a:sym typeface="Muli Black"/>
+              </a:rPr>
+              <a:t>1.4. Scatter Plot between Properties </a:t>
+            </a:r>
+            <a:r>
+              <a:rPr lang="en-US" altLang="ko-KR" kern="1200" dirty="0">
+                <a:ln>
+                  <a:solidFill>
+                    <a:srgbClr val="4472C4">
+                      <a:alpha val="0"/>
+                    </a:srgbClr>
+                  </a:solidFill>
+                </a:ln>
+                <a:solidFill>
+                  <a:srgbClr val="FF0000"/>
+                </a:solidFill>
+                <a:latin typeface="Arial" panose="020B0604020202020204" pitchFamily="34" charset="0"/>
+                <a:ea typeface="나눔바른고딕" panose="020B0603020101020101" pitchFamily="50" charset="-127"/>
+                <a:cs typeface="Arial" panose="020B0604020202020204" pitchFamily="34" charset="0"/>
+                <a:sym typeface="Muli Black"/>
+              </a:rPr>
+              <a:t>(Quadratic vs Linear Correlation)</a:t>
+            </a:r>
+          </a:p>
+        </p:txBody>
+      </p:sp>
+      <p:sp>
+        <p:nvSpPr>
+          <p:cNvPr id="17" name="Right Arrow 16">
+            <a:extLst>
+              <a:ext uri="{FF2B5EF4-FFF2-40B4-BE49-F238E27FC236}">
+                <a16:creationId xmlns:a16="http://schemas.microsoft.com/office/drawing/2014/main" id="{38BBD153-D938-3B2A-92B1-D963BB0C2BE5}"/>
+              </a:ext>
+            </a:extLst>
+          </p:cNvPr>
+          <p:cNvSpPr/>
+          <p:nvPr/>
+        </p:nvSpPr>
+        <p:spPr>
+          <a:xfrm>
+            <a:off x="3955573" y="3243163"/>
+            <a:ext cx="361384" cy="371673"/>
+          </a:xfrm>
+          <a:prstGeom prst="rightArrow">
+            <a:avLst/>
+          </a:prstGeom>
+          <a:solidFill>
+            <a:srgbClr val="FF0000"/>
+          </a:solidFill>
+          <a:ln>
+            <a:noFill/>
+          </a:ln>
+        </p:spPr>
+        <p:style>
+          <a:lnRef idx="2">
+            <a:schemeClr val="accent1">
+              <a:shade val="15000"/>
+            </a:schemeClr>
+          </a:lnRef>
+          <a:fillRef idx="1">
+            <a:schemeClr val="accent1"/>
+          </a:fillRef>
+          <a:effectRef idx="0">
+            <a:schemeClr val="accent1"/>
+          </a:effectRef>
+          <a:fontRef idx="minor">
+            <a:schemeClr val="lt1"/>
+          </a:fontRef>
+        </p:style>
+        <p:txBody>
+          <a:bodyPr rtlCol="0" anchor="ctr"/>
+          <a:lstStyle/>
+          <a:p>
+            <a:pPr algn="ctr"/>
+            <a:endParaRPr lang="en-US"/>
+          </a:p>
+        </p:txBody>
+      </p:sp>
+      <p:sp>
+        <p:nvSpPr>
+          <p:cNvPr id="33" name="Left-Right Arrow 32">
+            <a:extLst>
+              <a:ext uri="{FF2B5EF4-FFF2-40B4-BE49-F238E27FC236}">
+                <a16:creationId xmlns:a16="http://schemas.microsoft.com/office/drawing/2014/main" id="{16A7CB72-CD37-1EDE-EF36-0662A4C072CE}"/>
+              </a:ext>
+            </a:extLst>
+          </p:cNvPr>
+          <p:cNvSpPr/>
+          <p:nvPr/>
+        </p:nvSpPr>
+        <p:spPr>
+          <a:xfrm>
+            <a:off x="7901714" y="3332987"/>
+            <a:ext cx="308043" cy="192024"/>
+          </a:xfrm>
+          <a:prstGeom prst="leftRightArrow">
+            <a:avLst/>
+          </a:prstGeom>
+          <a:solidFill>
+            <a:srgbClr val="143F21"/>
+          </a:solidFill>
+          <a:ln>
+            <a:solidFill>
+              <a:srgbClr val="143F21"/>
+            </a:solidFill>
+          </a:ln>
+        </p:spPr>
+        <p:style>
+          <a:lnRef idx="2">
+            <a:schemeClr val="accent1">
+              <a:shade val="15000"/>
+            </a:schemeClr>
+          </a:lnRef>
+          <a:fillRef idx="1">
+            <a:schemeClr val="accent1"/>
+          </a:fillRef>
+          <a:effectRef idx="0">
+            <a:schemeClr val="accent1"/>
+          </a:effectRef>
+          <a:fontRef idx="minor">
+            <a:schemeClr val="lt1"/>
+          </a:fontRef>
+        </p:style>
+        <p:txBody>
+          <a:bodyPr rtlCol="0" anchor="ctr"/>
+          <a:lstStyle/>
+          <a:p>
+            <a:pPr algn="ctr"/>
+            <a:endParaRPr lang="en-US"/>
+          </a:p>
+        </p:txBody>
+      </p:sp>
+      <p:sp>
+        <p:nvSpPr>
+          <p:cNvPr id="34" name="TextBox 33">
+            <a:extLst>
+              <a:ext uri="{FF2B5EF4-FFF2-40B4-BE49-F238E27FC236}">
+                <a16:creationId xmlns:a16="http://schemas.microsoft.com/office/drawing/2014/main" id="{3A6B94F6-7156-A8DF-5FE0-6355D0DEFE2F}"/>
+              </a:ext>
+            </a:extLst>
+          </p:cNvPr>
+          <p:cNvSpPr txBox="1"/>
+          <p:nvPr/>
+        </p:nvSpPr>
+        <p:spPr>
+          <a:xfrm>
+            <a:off x="7247226" y="1903511"/>
+            <a:ext cx="1614545" cy="307777"/>
+          </a:xfrm>
+          <a:prstGeom prst="rect">
+            <a:avLst/>
+          </a:prstGeom>
+          <a:noFill/>
+          <a:ln>
+            <a:solidFill>
+              <a:srgbClr val="143F21"/>
+            </a:solidFill>
+          </a:ln>
+        </p:spPr>
+        <p:txBody>
+          <a:bodyPr wrap="none" rtlCol="0">
+            <a:spAutoFit/>
+          </a:bodyPr>
+          <a:lstStyle/>
+          <a:p>
+            <a:r>
+              <a:rPr lang="en-US" sz="1400" b="1" dirty="0">
+                <a:solidFill>
+                  <a:srgbClr val="143F21"/>
+                </a:solidFill>
+                <a:latin typeface="Arial" panose="020B0604020202020204" pitchFamily="34" charset="0"/>
+                <a:cs typeface="Arial" panose="020B0604020202020204" pitchFamily="34" charset="0"/>
+              </a:rPr>
+              <a:t>Inverse Function</a:t>
+            </a:r>
+          </a:p>
+        </p:txBody>
+      </p:sp>
+      <p:sp>
+        <p:nvSpPr>
+          <p:cNvPr id="37" name="Rectangle 36">
+            <a:extLst>
+              <a:ext uri="{FF2B5EF4-FFF2-40B4-BE49-F238E27FC236}">
+                <a16:creationId xmlns:a16="http://schemas.microsoft.com/office/drawing/2014/main" id="{CEFD7E62-862E-B076-725B-AED8F4AB3196}"/>
+              </a:ext>
+            </a:extLst>
+          </p:cNvPr>
+          <p:cNvSpPr/>
+          <p:nvPr/>
+        </p:nvSpPr>
+        <p:spPr>
+          <a:xfrm>
+            <a:off x="2267738" y="2591299"/>
+            <a:ext cx="324255" cy="138691"/>
+          </a:xfrm>
+          <a:prstGeom prst="rect">
+            <a:avLst/>
+          </a:prstGeom>
+          <a:noFill/>
+          <a:ln>
+            <a:solidFill>
+              <a:srgbClr val="FF0000"/>
+            </a:solidFill>
+          </a:ln>
+        </p:spPr>
+        <p:style>
+          <a:lnRef idx="2">
+            <a:schemeClr val="accent1">
+              <a:shade val="15000"/>
+            </a:schemeClr>
+          </a:lnRef>
+          <a:fillRef idx="1">
+            <a:schemeClr val="accent1"/>
+          </a:fillRef>
+          <a:effectRef idx="0">
+            <a:schemeClr val="accent1"/>
+          </a:effectRef>
+          <a:fontRef idx="minor">
+            <a:schemeClr val="lt1"/>
+          </a:fontRef>
+        </p:style>
+        <p:txBody>
+          <a:bodyPr rtlCol="0" anchor="ctr"/>
+          <a:lstStyle/>
+          <a:p>
+            <a:pPr algn="ctr"/>
+            <a:endParaRPr lang="en-US" dirty="0"/>
+          </a:p>
+        </p:txBody>
+      </p:sp>
+    </p:spTree>
+    <p:extLst>
+      <p:ext uri="{BB962C8B-B14F-4D97-AF65-F5344CB8AC3E}">
+        <p14:creationId xmlns:p14="http://schemas.microsoft.com/office/powerpoint/2010/main" val="971996846"/>
       </p:ext>
     </p:extLst>
   </p:cSld>
@@ -8979,36 +11279,6 @@
           </a:fontRef>
         </p:style>
       </p:cxnSp>
-      <p:pic>
-        <p:nvPicPr>
-          <p:cNvPr id="31" name="Picture 30" descr="A screenshot of a computer&#10;&#10;Description automatically generated">
-            <a:extLst>
-              <a:ext uri="{FF2B5EF4-FFF2-40B4-BE49-F238E27FC236}">
-                <a16:creationId xmlns:a16="http://schemas.microsoft.com/office/drawing/2014/main" id="{A29B3B4E-8ED8-FA9D-56F6-2BEFCE16B860}"/>
-              </a:ext>
-            </a:extLst>
-          </p:cNvPr>
-          <p:cNvPicPr>
-            <a:picLocks noChangeAspect="1"/>
-          </p:cNvPicPr>
-          <p:nvPr/>
-        </p:nvPicPr>
-        <p:blipFill>
-          <a:blip r:embed="rId2"/>
-          <a:stretch>
-            <a:fillRect/>
-          </a:stretch>
-        </p:blipFill>
-        <p:spPr>
-          <a:xfrm>
-            <a:off x="419737" y="2020293"/>
-            <a:ext cx="11352526" cy="2817414"/>
-          </a:xfrm>
-          <a:prstGeom prst="rect">
-            <a:avLst/>
-          </a:prstGeom>
-        </p:spPr>
-      </p:pic>
       <p:sp>
         <p:nvSpPr>
           <p:cNvPr id="42" name="Business Branding…">
@@ -9034,7 +11304,7 @@
           </a:ln>
           <a:extLst>
             <a:ext uri="{C572A759-6A51-4108-AA02-DFA0A04FC94B}">
-              <ma14:wrappingTextBoxFlag xmlns:ma14="http://schemas.microsoft.com/office/mac/drawingml/2011/main" xmlns:a14="http://schemas.microsoft.com/office/drawing/2010/main" xmlns:m="http://schemas.openxmlformats.org/officeDocument/2006/math" xmlns="" val="1"/>
+              <ma14:wrappingTextBoxFlag xmlns="" xmlns:m="http://schemas.openxmlformats.org/officeDocument/2006/math" xmlns:a14="http://schemas.microsoft.com/office/drawing/2010/main" xmlns:ma14="http://schemas.microsoft.com/office/mac/drawingml/2011/main" val="1"/>
             </a:ext>
           </a:extLst>
         </p:spPr>
@@ -9225,8 +11495,8 @@
         </p:nvSpPr>
         <p:spPr>
           <a:xfrm>
-            <a:off x="347730" y="4837707"/>
-            <a:ext cx="2247603" cy="338554"/>
+            <a:off x="55901" y="4210508"/>
+            <a:ext cx="1734321" cy="276999"/>
           </a:xfrm>
           <a:prstGeom prst="rect">
             <a:avLst/>
@@ -9240,7 +11510,7 @@
           <a:lstStyle/>
           <a:p>
             <a:r>
-              <a:rPr lang="en-US" sz="1600" b="1" dirty="0">
+              <a:rPr lang="en-US" sz="1200" b="1" dirty="0">
                 <a:solidFill>
                   <a:srgbClr val="143F21"/>
                 </a:solidFill>
@@ -9266,7 +11536,7 @@
         </p:nvSpPr>
         <p:spPr>
           <a:xfrm>
-            <a:off x="5052348" y="1653341"/>
+            <a:off x="5052347" y="2280539"/>
             <a:ext cx="2087303" cy="338554"/>
           </a:xfrm>
           <a:prstGeom prst="rect">
@@ -9293,6 +11563,36 @@
           </a:p>
         </p:txBody>
       </p:sp>
+      <p:pic>
+        <p:nvPicPr>
+          <p:cNvPr id="5" name="Picture 4" descr="A screenshot of a computer&#10;&#10;Description automatically generated">
+            <a:extLst>
+              <a:ext uri="{FF2B5EF4-FFF2-40B4-BE49-F238E27FC236}">
+                <a16:creationId xmlns:a16="http://schemas.microsoft.com/office/drawing/2014/main" id="{FB70EDE8-8FDF-5D29-2205-2BA0373E3D04}"/>
+              </a:ext>
+            </a:extLst>
+          </p:cNvPr>
+          <p:cNvPicPr>
+            <a:picLocks noChangeAspect="1"/>
+          </p:cNvPicPr>
+          <p:nvPr/>
+        </p:nvPicPr>
+        <p:blipFill>
+          <a:blip r:embed="rId2"/>
+          <a:stretch>
+            <a:fillRect/>
+          </a:stretch>
+        </p:blipFill>
+        <p:spPr>
+          <a:xfrm>
+            <a:off x="338965" y="2647491"/>
+            <a:ext cx="11514069" cy="1563017"/>
+          </a:xfrm>
+          <a:prstGeom prst="rect">
+            <a:avLst/>
+          </a:prstGeom>
+        </p:spPr>
+      </p:pic>
     </p:spTree>
     <p:extLst>
       <p:ext uri="{BB962C8B-B14F-4D97-AF65-F5344CB8AC3E}">
@@ -9391,7 +11691,7 @@
           </a:ln>
           <a:extLst>
             <a:ext uri="{C572A759-6A51-4108-AA02-DFA0A04FC94B}">
-              <ma14:wrappingTextBoxFlag xmlns:ma14="http://schemas.microsoft.com/office/mac/drawingml/2011/main" xmlns:a14="http://schemas.microsoft.com/office/drawing/2010/main" xmlns:m="http://schemas.openxmlformats.org/officeDocument/2006/math" xmlns="" val="1"/>
+              <ma14:wrappingTextBoxFlag xmlns="" xmlns:m="http://schemas.openxmlformats.org/officeDocument/2006/math" xmlns:a14="http://schemas.microsoft.com/office/drawing/2010/main" xmlns:ma14="http://schemas.microsoft.com/office/mac/drawingml/2011/main" val="1"/>
             </a:ext>
           </a:extLst>
         </p:spPr>
@@ -9924,7 +12224,7 @@
           </a:ln>
           <a:extLst>
             <a:ext uri="{C572A759-6A51-4108-AA02-DFA0A04FC94B}">
-              <ma14:wrappingTextBoxFlag xmlns:ma14="http://schemas.microsoft.com/office/mac/drawingml/2011/main" xmlns:a14="http://schemas.microsoft.com/office/drawing/2010/main" xmlns:m="http://schemas.openxmlformats.org/officeDocument/2006/math" xmlns="" val="1"/>
+              <ma14:wrappingTextBoxFlag xmlns="" xmlns:m="http://schemas.openxmlformats.org/officeDocument/2006/math" xmlns:a14="http://schemas.microsoft.com/office/drawing/2010/main" xmlns:ma14="http://schemas.microsoft.com/office/mac/drawingml/2011/main" val="1"/>
             </a:ext>
           </a:extLst>
         </p:spPr>
@@ -10512,7 +12812,7 @@
           </a:ln>
           <a:extLst>
             <a:ext uri="{C572A759-6A51-4108-AA02-DFA0A04FC94B}">
-              <ma14:wrappingTextBoxFlag xmlns:ma14="http://schemas.microsoft.com/office/mac/drawingml/2011/main" xmlns:a14="http://schemas.microsoft.com/office/drawing/2010/main" xmlns:m="http://schemas.openxmlformats.org/officeDocument/2006/math" xmlns="" val="1"/>
+              <ma14:wrappingTextBoxFlag xmlns="" xmlns:m="http://schemas.openxmlformats.org/officeDocument/2006/math" xmlns:a14="http://schemas.microsoft.com/office/drawing/2010/main" xmlns:ma14="http://schemas.microsoft.com/office/mac/drawingml/2011/main" val="1"/>
             </a:ext>
           </a:extLst>
         </p:spPr>
@@ -11209,10 +13509,10 @@
       </p:grpSpPr>
       <p:pic>
         <p:nvPicPr>
-          <p:cNvPr id="8" name="Picture 7" descr="A graph with orange dots&#10;&#10;Description automatically generated">
-            <a:extLst>
-              <a:ext uri="{FF2B5EF4-FFF2-40B4-BE49-F238E27FC236}">
-                <a16:creationId xmlns:a16="http://schemas.microsoft.com/office/drawing/2014/main" id="{E72B2AD2-4450-56FF-39C7-6FDE3B06E043}"/>
+          <p:cNvPr id="11" name="Picture 10" descr="A graph with orange dots&#10;&#10;Description automatically generated">
+            <a:extLst>
+              <a:ext uri="{FF2B5EF4-FFF2-40B4-BE49-F238E27FC236}">
+                <a16:creationId xmlns:a16="http://schemas.microsoft.com/office/drawing/2014/main" id="{DCF381C7-23D4-69A4-2F41-B273BA3ED542}"/>
               </a:ext>
             </a:extLst>
           </p:cNvPr>
@@ -11229,7 +13529,7 @@
         </p:blipFill>
         <p:spPr>
           <a:xfrm>
-            <a:off x="8186670" y="2057399"/>
+            <a:off x="8176600" y="1183319"/>
             <a:ext cx="3657600" cy="2743200"/>
           </a:xfrm>
           <a:prstGeom prst="rect">
@@ -11239,10 +13539,10 @@
       </p:pic>
       <p:pic>
         <p:nvPicPr>
-          <p:cNvPr id="5" name="Picture 4" descr="A graph with orange dots and blue line&#10;&#10;Description automatically generated">
-            <a:extLst>
-              <a:ext uri="{FF2B5EF4-FFF2-40B4-BE49-F238E27FC236}">
-                <a16:creationId xmlns:a16="http://schemas.microsoft.com/office/drawing/2014/main" id="{C9FC7D82-3BDC-507A-B709-6AA90B158291}"/>
+          <p:cNvPr id="9" name="Picture 8" descr="A graph of orange dots&#10;&#10;Description automatically generated">
+            <a:extLst>
+              <a:ext uri="{FF2B5EF4-FFF2-40B4-BE49-F238E27FC236}">
+                <a16:creationId xmlns:a16="http://schemas.microsoft.com/office/drawing/2014/main" id="{63D3FF5B-37C6-72FC-4175-E9858E8C28FF}"/>
               </a:ext>
             </a:extLst>
           </p:cNvPr>
@@ -11259,7 +13559,7 @@
         </p:blipFill>
         <p:spPr>
           <a:xfrm>
-            <a:off x="4262165" y="2057399"/>
+            <a:off x="4244114" y="1183319"/>
             <a:ext cx="3657600" cy="2743200"/>
           </a:xfrm>
           <a:prstGeom prst="rect">
@@ -11269,10 +13569,10 @@
       </p:pic>
       <p:pic>
         <p:nvPicPr>
-          <p:cNvPr id="3" name="Picture 2" descr="A graph with orange dots&#10;&#10;Description automatically generated">
-            <a:extLst>
-              <a:ext uri="{FF2B5EF4-FFF2-40B4-BE49-F238E27FC236}">
-                <a16:creationId xmlns:a16="http://schemas.microsoft.com/office/drawing/2014/main" id="{ACBCB831-D41D-BB72-40F0-68E6BBD6D490}"/>
+          <p:cNvPr id="7" name="Picture 6" descr="A graph with orange dots and blue lines&#10;&#10;Description automatically generated">
+            <a:extLst>
+              <a:ext uri="{FF2B5EF4-FFF2-40B4-BE49-F238E27FC236}">
+                <a16:creationId xmlns:a16="http://schemas.microsoft.com/office/drawing/2014/main" id="{B4DE558E-738F-D59F-94E5-0AD49FA472B6}"/>
               </a:ext>
             </a:extLst>
           </p:cNvPr>
@@ -11289,7 +13589,97 @@
         </p:blipFill>
         <p:spPr>
           <a:xfrm>
-            <a:off x="347730" y="2057399"/>
+            <a:off x="347730" y="1183324"/>
+            <a:ext cx="3657600" cy="2743200"/>
+          </a:xfrm>
+          <a:prstGeom prst="rect">
+            <a:avLst/>
+          </a:prstGeom>
+        </p:spPr>
+      </p:pic>
+      <p:pic>
+        <p:nvPicPr>
+          <p:cNvPr id="2" name="Picture 1" descr="A graph with orange dots&#10;&#10;Description automatically generated">
+            <a:extLst>
+              <a:ext uri="{FF2B5EF4-FFF2-40B4-BE49-F238E27FC236}">
+                <a16:creationId xmlns:a16="http://schemas.microsoft.com/office/drawing/2014/main" id="{347B92FD-CE2A-B86C-C571-94D63FA5FB09}"/>
+              </a:ext>
+            </a:extLst>
+          </p:cNvPr>
+          <p:cNvPicPr>
+            <a:picLocks noChangeAspect="1"/>
+          </p:cNvPicPr>
+          <p:nvPr/>
+        </p:nvPicPr>
+        <p:blipFill>
+          <a:blip r:embed="rId5"/>
+          <a:stretch>
+            <a:fillRect/>
+          </a:stretch>
+        </p:blipFill>
+        <p:spPr>
+          <a:xfrm>
+            <a:off x="8186670" y="3926521"/>
+            <a:ext cx="3657600" cy="2743200"/>
+          </a:xfrm>
+          <a:prstGeom prst="rect">
+            <a:avLst/>
+          </a:prstGeom>
+        </p:spPr>
+      </p:pic>
+      <p:pic>
+        <p:nvPicPr>
+          <p:cNvPr id="3" name="Picture 2" descr="A graph with orange dots and blue line&#10;&#10;Description automatically generated">
+            <a:extLst>
+              <a:ext uri="{FF2B5EF4-FFF2-40B4-BE49-F238E27FC236}">
+                <a16:creationId xmlns:a16="http://schemas.microsoft.com/office/drawing/2014/main" id="{491EF405-E9A0-A987-AC02-654E2E0C6158}"/>
+              </a:ext>
+            </a:extLst>
+          </p:cNvPr>
+          <p:cNvPicPr>
+            <a:picLocks noChangeAspect="1"/>
+          </p:cNvPicPr>
+          <p:nvPr/>
+        </p:nvPicPr>
+        <p:blipFill>
+          <a:blip r:embed="rId6"/>
+          <a:stretch>
+            <a:fillRect/>
+          </a:stretch>
+        </p:blipFill>
+        <p:spPr>
+          <a:xfrm>
+            <a:off x="4262165" y="3926521"/>
+            <a:ext cx="3657600" cy="2743200"/>
+          </a:xfrm>
+          <a:prstGeom prst="rect">
+            <a:avLst/>
+          </a:prstGeom>
+        </p:spPr>
+      </p:pic>
+      <p:pic>
+        <p:nvPicPr>
+          <p:cNvPr id="4" name="Picture 3" descr="A graph with orange dots&#10;&#10;Description automatically generated">
+            <a:extLst>
+              <a:ext uri="{FF2B5EF4-FFF2-40B4-BE49-F238E27FC236}">
+                <a16:creationId xmlns:a16="http://schemas.microsoft.com/office/drawing/2014/main" id="{9254B12D-B68F-73CE-267B-E32E3744154E}"/>
+              </a:ext>
+            </a:extLst>
+          </p:cNvPr>
+          <p:cNvPicPr>
+            <a:picLocks noChangeAspect="1"/>
+          </p:cNvPicPr>
+          <p:nvPr/>
+        </p:nvPicPr>
+        <p:blipFill>
+          <a:blip r:embed="rId7"/>
+          <a:stretch>
+            <a:fillRect/>
+          </a:stretch>
+        </p:blipFill>
+        <p:spPr>
+          <a:xfrm>
+            <a:off x="347730" y="3926521"/>
             <a:ext cx="3657600" cy="2743200"/>
           </a:xfrm>
           <a:prstGeom prst="rect">
@@ -11410,7 +13800,7 @@
           </a:ln>
           <a:extLst>
             <a:ext uri="{C572A759-6A51-4108-AA02-DFA0A04FC94B}">
-              <ma14:wrappingTextBoxFlag xmlns:ma14="http://schemas.microsoft.com/office/mac/drawingml/2011/main" xmlns:a14="http://schemas.microsoft.com/office/drawing/2010/main" xmlns:m="http://schemas.openxmlformats.org/officeDocument/2006/math" xmlns="" val="1"/>
+              <ma14:wrappingTextBoxFlag xmlns="" xmlns:m="http://schemas.openxmlformats.org/officeDocument/2006/math" xmlns:a14="http://schemas.microsoft.com/office/drawing/2010/main" xmlns:ma14="http://schemas.microsoft.com/office/mac/drawingml/2011/main" val="1"/>
             </a:ext>
           </a:extLst>
         </p:spPr>
@@ -11547,7 +13937,7 @@
         </p:nvSpPr>
         <p:spPr>
           <a:xfrm>
-            <a:off x="3955573" y="3243163"/>
+            <a:off x="3955573" y="2369089"/>
             <a:ext cx="361384" cy="371673"/>
           </a:xfrm>
           <a:prstGeom prst="rightArrow">
@@ -11599,7 +13989,7 @@
         </p:nvSpPr>
         <p:spPr>
           <a:xfrm>
-            <a:off x="7901714" y="3332987"/>
+            <a:off x="7901714" y="2458913"/>
             <a:ext cx="308043" cy="192024"/>
           </a:xfrm>
           <a:prstGeom prst="leftRightArrow">
@@ -11641,52 +14031,6 @@
       </p:sp>
       <p:sp>
         <p:nvSpPr>
-          <p:cNvPr id="34" name="TextBox 33">
-            <a:extLst>
-              <a:ext uri="{FF2B5EF4-FFF2-40B4-BE49-F238E27FC236}">
-                <a16:creationId xmlns:a16="http://schemas.microsoft.com/office/drawing/2014/main" id="{3A6B94F6-7156-A8DF-5FE0-6355D0DEFE2F}"/>
-              </a:ext>
-            </a:extLst>
-          </p:cNvPr>
-          <p:cNvSpPr txBox="1"/>
-          <p:nvPr/>
-        </p:nvSpPr>
-        <p:spPr>
-          <a:xfrm>
-            <a:off x="7247226" y="1903511"/>
-            <a:ext cx="1614545" cy="307777"/>
-          </a:xfrm>
-          <a:prstGeom prst="rect">
-            <a:avLst/>
-          </a:prstGeom>
-          <a:noFill/>
-          <a:ln>
-            <a:solidFill>
-              <a:srgbClr val="143F21"/>
-            </a:solidFill>
-          </a:ln>
-        </p:spPr>
-        <p:txBody>
-          <a:bodyPr wrap="none" rtlCol="0">
-            <a:spAutoFit/>
-          </a:bodyPr>
-          <a:lstStyle/>
-          <a:p>
-            <a:r>
-              <a:rPr lang="en-US" sz="1400" b="1" dirty="0">
-                <a:solidFill>
-                  <a:srgbClr val="143F21"/>
-                </a:solidFill>
-                <a:latin typeface="Arial" panose="020B0604020202020204" pitchFamily="34" charset="0"/>
-                <a:cs typeface="Arial" panose="020B0604020202020204" pitchFamily="34" charset="0"/>
-              </a:rPr>
-              <a:t>Inverse Function</a:t>
-            </a:r>
-          </a:p>
-        </p:txBody>
-      </p:sp>
-      <p:sp>
-        <p:nvSpPr>
           <p:cNvPr id="37" name="Rectangle 36">
             <a:extLst>
               <a:ext uri="{FF2B5EF4-FFF2-40B4-BE49-F238E27FC236}">
@@ -11699,7 +14043,7 @@
         </p:nvSpPr>
         <p:spPr>
           <a:xfrm>
-            <a:off x="1833235" y="2591299"/>
+            <a:off x="1835286" y="1717464"/>
             <a:ext cx="324255" cy="138691"/>
           </a:xfrm>
           <a:prstGeom prst="rect">
@@ -11737,10 +14081,214 @@
           </a:p>
         </p:txBody>
       </p:sp>
+      <p:sp>
+        <p:nvSpPr>
+          <p:cNvPr id="43" name="Rectangle 42">
+            <a:extLst>
+              <a:ext uri="{FF2B5EF4-FFF2-40B4-BE49-F238E27FC236}">
+                <a16:creationId xmlns:a16="http://schemas.microsoft.com/office/drawing/2014/main" id="{F273A880-B55A-1BD5-8349-8BEBBA2AFDC8}"/>
+              </a:ext>
+            </a:extLst>
+          </p:cNvPr>
+          <p:cNvSpPr/>
+          <p:nvPr/>
+        </p:nvSpPr>
+        <p:spPr>
+          <a:xfrm>
+            <a:off x="1832103" y="4450060"/>
+            <a:ext cx="324255" cy="138691"/>
+          </a:xfrm>
+          <a:prstGeom prst="rect">
+            <a:avLst/>
+          </a:prstGeom>
+          <a:noFill/>
+          <a:ln>
+            <a:solidFill>
+              <a:srgbClr val="FF0000"/>
+            </a:solidFill>
+          </a:ln>
+        </p:spPr>
+        <p:style>
+          <a:lnRef idx="2">
+            <a:schemeClr val="accent1">
+              <a:shade val="15000"/>
+            </a:schemeClr>
+          </a:lnRef>
+          <a:fillRef idx="1">
+            <a:schemeClr val="accent1"/>
+          </a:fillRef>
+          <a:effectRef idx="0">
+            <a:schemeClr val="accent1"/>
+          </a:effectRef>
+          <a:fontRef idx="minor">
+            <a:schemeClr val="lt1"/>
+          </a:fontRef>
+        </p:style>
+        <p:txBody>
+          <a:bodyPr rtlCol="0" anchor="ctr"/>
+          <a:lstStyle/>
+          <a:p>
+            <a:pPr algn="ctr"/>
+            <a:endParaRPr lang="en-US" dirty="0"/>
+          </a:p>
+        </p:txBody>
+      </p:sp>
+      <p:sp>
+        <p:nvSpPr>
+          <p:cNvPr id="34" name="TextBox 33">
+            <a:extLst>
+              <a:ext uri="{FF2B5EF4-FFF2-40B4-BE49-F238E27FC236}">
+                <a16:creationId xmlns:a16="http://schemas.microsoft.com/office/drawing/2014/main" id="{3A6B94F6-7156-A8DF-5FE0-6355D0DEFE2F}"/>
+              </a:ext>
+            </a:extLst>
+          </p:cNvPr>
+          <p:cNvSpPr txBox="1"/>
+          <p:nvPr/>
+        </p:nvSpPr>
+        <p:spPr>
+          <a:xfrm>
+            <a:off x="7248463" y="3772635"/>
+            <a:ext cx="1614545" cy="307777"/>
+          </a:xfrm>
+          <a:prstGeom prst="rect">
+            <a:avLst/>
+          </a:prstGeom>
+          <a:noFill/>
+          <a:ln>
+            <a:solidFill>
+              <a:srgbClr val="143F21"/>
+            </a:solidFill>
+          </a:ln>
+        </p:spPr>
+        <p:txBody>
+          <a:bodyPr wrap="none" rtlCol="0">
+            <a:spAutoFit/>
+          </a:bodyPr>
+          <a:lstStyle/>
+          <a:p>
+            <a:r>
+              <a:rPr lang="en-US" sz="1400" b="1" dirty="0">
+                <a:solidFill>
+                  <a:srgbClr val="143F21"/>
+                </a:solidFill>
+                <a:latin typeface="Arial" panose="020B0604020202020204" pitchFamily="34" charset="0"/>
+                <a:cs typeface="Arial" panose="020B0604020202020204" pitchFamily="34" charset="0"/>
+              </a:rPr>
+              <a:t>Inverse Function</a:t>
+            </a:r>
+          </a:p>
+        </p:txBody>
+      </p:sp>
+      <p:sp>
+        <p:nvSpPr>
+          <p:cNvPr id="48" name="Left-Right Arrow 47">
+            <a:extLst>
+              <a:ext uri="{FF2B5EF4-FFF2-40B4-BE49-F238E27FC236}">
+                <a16:creationId xmlns:a16="http://schemas.microsoft.com/office/drawing/2014/main" id="{2D19F519-A4AB-6862-7DD7-2498C60BDCAF}"/>
+              </a:ext>
+            </a:extLst>
+          </p:cNvPr>
+          <p:cNvSpPr/>
+          <p:nvPr/>
+        </p:nvSpPr>
+        <p:spPr>
+          <a:xfrm>
+            <a:off x="7901714" y="5202108"/>
+            <a:ext cx="308043" cy="192024"/>
+          </a:xfrm>
+          <a:prstGeom prst="leftRightArrow">
+            <a:avLst/>
+          </a:prstGeom>
+          <a:solidFill>
+            <a:srgbClr val="143F21"/>
+          </a:solidFill>
+          <a:ln>
+            <a:solidFill>
+              <a:srgbClr val="143F21"/>
+            </a:solidFill>
+          </a:ln>
+        </p:spPr>
+        <p:style>
+          <a:lnRef idx="2">
+            <a:schemeClr val="accent1">
+              <a:shade val="15000"/>
+            </a:schemeClr>
+          </a:lnRef>
+          <a:fillRef idx="1">
+            <a:schemeClr val="accent1"/>
+          </a:fillRef>
+          <a:effectRef idx="0">
+            <a:schemeClr val="accent1"/>
+          </a:effectRef>
+          <a:fontRef idx="minor">
+            <a:schemeClr val="lt1"/>
+          </a:fontRef>
+        </p:style>
+        <p:txBody>
+          <a:bodyPr rtlCol="0" anchor="ctr"/>
+          <a:lstStyle/>
+          <a:p>
+            <a:pPr algn="ctr"/>
+            <a:endParaRPr lang="en-US"/>
+          </a:p>
+        </p:txBody>
+      </p:sp>
+      <p:sp>
+        <p:nvSpPr>
+          <p:cNvPr id="41" name="Right Arrow 40">
+            <a:extLst>
+              <a:ext uri="{FF2B5EF4-FFF2-40B4-BE49-F238E27FC236}">
+                <a16:creationId xmlns:a16="http://schemas.microsoft.com/office/drawing/2014/main" id="{AE19A000-3FE2-0C2D-600B-1996860E7728}"/>
+              </a:ext>
+            </a:extLst>
+          </p:cNvPr>
+          <p:cNvSpPr/>
+          <p:nvPr/>
+        </p:nvSpPr>
+        <p:spPr>
+          <a:xfrm>
+            <a:off x="3955573" y="5112286"/>
+            <a:ext cx="361384" cy="371673"/>
+          </a:xfrm>
+          <a:prstGeom prst="rightArrow">
+            <a:avLst/>
+          </a:prstGeom>
+          <a:solidFill>
+            <a:srgbClr val="FF0000"/>
+          </a:solidFill>
+          <a:ln>
+            <a:noFill/>
+          </a:ln>
+        </p:spPr>
+        <p:style>
+          <a:lnRef idx="2">
+            <a:schemeClr val="accent1">
+              <a:shade val="15000"/>
+            </a:schemeClr>
+          </a:lnRef>
+          <a:fillRef idx="1">
+            <a:schemeClr val="accent1"/>
+          </a:fillRef>
+          <a:effectRef idx="0">
+            <a:schemeClr val="accent1"/>
+          </a:effectRef>
+          <a:fontRef idx="minor">
+            <a:schemeClr val="lt1"/>
+          </a:fontRef>
+        </p:style>
+        <p:txBody>
+          <a:bodyPr rtlCol="0" anchor="ctr"/>
+          <a:lstStyle/>
+          <a:p>
+            <a:pPr algn="ctr"/>
+            <a:endParaRPr lang="en-US"/>
+          </a:p>
+        </p:txBody>
+      </p:sp>
     </p:spTree>
     <p:extLst>
       <p:ext uri="{BB962C8B-B14F-4D97-AF65-F5344CB8AC3E}">
-        <p14:creationId xmlns:p14="http://schemas.microsoft.com/office/powerpoint/2010/main" val="2900963733"/>
+        <p14:creationId xmlns:p14="http://schemas.microsoft.com/office/powerpoint/2010/main" val="4218394105"/>
       </p:ext>
     </p:extLst>
   </p:cSld>
@@ -11955,7 +14503,7 @@
           </a:ln>
           <a:extLst>
             <a:ext uri="{C572A759-6A51-4108-AA02-DFA0A04FC94B}">
-              <ma14:wrappingTextBoxFlag xmlns:ma14="http://schemas.microsoft.com/office/mac/drawingml/2011/main" xmlns:a14="http://schemas.microsoft.com/office/drawing/2010/main" xmlns:m="http://schemas.openxmlformats.org/officeDocument/2006/math" xmlns="" val="1"/>
+              <ma14:wrappingTextBoxFlag xmlns="" xmlns:m="http://schemas.openxmlformats.org/officeDocument/2006/math" xmlns:a14="http://schemas.microsoft.com/office/drawing/2010/main" xmlns:ma14="http://schemas.microsoft.com/office/mac/drawingml/2011/main" val="1"/>
             </a:ext>
           </a:extLst>
         </p:spPr>
@@ -12274,10 +14822,10 @@
       </p:grpSpPr>
       <p:pic>
         <p:nvPicPr>
-          <p:cNvPr id="14" name="Picture 13" descr="A red dotted line with black lines&#10;&#10;Description automatically generated">
-            <a:extLst>
-              <a:ext uri="{FF2B5EF4-FFF2-40B4-BE49-F238E27FC236}">
-                <a16:creationId xmlns:a16="http://schemas.microsoft.com/office/drawing/2014/main" id="{E212DF14-397F-4F5B-AC00-ADCA7173264F}"/>
+          <p:cNvPr id="14" name="Picture 13" descr="A graph of red dots&#10;&#10;Description automatically generated">
+            <a:extLst>
+              <a:ext uri="{FF2B5EF4-FFF2-40B4-BE49-F238E27FC236}">
+                <a16:creationId xmlns:a16="http://schemas.microsoft.com/office/drawing/2014/main" id="{3EDD09AB-01AA-4757-5D18-2D7DBB722871}"/>
               </a:ext>
             </a:extLst>
           </p:cNvPr>
@@ -12294,37 +14842,7 @@
         </p:blipFill>
         <p:spPr>
           <a:xfrm>
-            <a:off x="7341140" y="2057399"/>
-            <a:ext cx="3657600" cy="2743200"/>
-          </a:xfrm>
-          <a:prstGeom prst="rect">
-            <a:avLst/>
-          </a:prstGeom>
-        </p:spPr>
-      </p:pic>
-      <p:pic>
-        <p:nvPicPr>
-          <p:cNvPr id="11" name="Picture 10" descr="A graph with red dots&#10;&#10;Description automatically generated">
-            <a:extLst>
-              <a:ext uri="{FF2B5EF4-FFF2-40B4-BE49-F238E27FC236}">
-                <a16:creationId xmlns:a16="http://schemas.microsoft.com/office/drawing/2014/main" id="{07DEECF2-ABD1-C85E-9FDA-A726F7D853DB}"/>
-              </a:ext>
-            </a:extLst>
-          </p:cNvPr>
-          <p:cNvPicPr>
-            <a:picLocks noChangeAspect="1"/>
-          </p:cNvPicPr>
-          <p:nvPr/>
-        </p:nvPicPr>
-        <p:blipFill>
-          <a:blip r:embed="rId3"/>
-          <a:stretch>
-            <a:fillRect/>
-          </a:stretch>
-        </p:blipFill>
-        <p:spPr>
-          <a:xfrm>
-            <a:off x="1190556" y="2057399"/>
+            <a:off x="7338435" y="1183524"/>
             <a:ext cx="3657600" cy="2743200"/>
           </a:xfrm>
           <a:prstGeom prst="rect">
@@ -12400,7 +14918,7 @@
           </a:ln>
           <a:extLst>
             <a:ext uri="{C572A759-6A51-4108-AA02-DFA0A04FC94B}">
-              <ma14:wrappingTextBoxFlag xmlns:ma14="http://schemas.microsoft.com/office/mac/drawingml/2011/main" xmlns:a14="http://schemas.microsoft.com/office/drawing/2010/main" xmlns:m="http://schemas.openxmlformats.org/officeDocument/2006/math" xmlns="" val="1"/>
+              <ma14:wrappingTextBoxFlag xmlns="" xmlns:m="http://schemas.openxmlformats.org/officeDocument/2006/math" xmlns:a14="http://schemas.microsoft.com/office/drawing/2010/main" xmlns:ma14="http://schemas.microsoft.com/office/mac/drawingml/2011/main" val="1"/>
             </a:ext>
           </a:extLst>
         </p:spPr>
@@ -12525,10 +15043,10 @@
       </p:sp>
       <p:sp>
         <p:nvSpPr>
-          <p:cNvPr id="71" name="TextBox 70">
-            <a:extLst>
-              <a:ext uri="{FF2B5EF4-FFF2-40B4-BE49-F238E27FC236}">
-                <a16:creationId xmlns:a16="http://schemas.microsoft.com/office/drawing/2014/main" id="{0563C7F8-04AD-7567-6107-E201A6A8E93D}"/>
+          <p:cNvPr id="72" name="TextBox 71">
+            <a:extLst>
+              <a:ext uri="{FF2B5EF4-FFF2-40B4-BE49-F238E27FC236}">
+                <a16:creationId xmlns:a16="http://schemas.microsoft.com/office/drawing/2014/main" id="{197D3489-3FE8-BA14-11C2-5C5E8E12CBD6}"/>
               </a:ext>
             </a:extLst>
           </p:cNvPr>
@@ -12537,8 +15055,8 @@
         </p:nvSpPr>
         <p:spPr>
           <a:xfrm>
-            <a:off x="4670672" y="3305888"/>
-            <a:ext cx="1173719" cy="246221"/>
+            <a:off x="10633560" y="2315380"/>
+            <a:ext cx="1558440" cy="246221"/>
           </a:xfrm>
           <a:prstGeom prst="rect">
             <a:avLst/>
@@ -12559,17 +15077,77 @@
                 <a:latin typeface="Arial" panose="020B0604020202020204" pitchFamily="34" charset="0"/>
                 <a:cs typeface="Arial" panose="020B0604020202020204" pitchFamily="34" charset="0"/>
               </a:rPr>
-              <a:t>S.E. = 3.8493 (D)</a:t>
+              <a:t>S.D. = 9.5477 (kcal/mol)</a:t>
             </a:r>
           </a:p>
         </p:txBody>
       </p:sp>
+      <p:pic>
+        <p:nvPicPr>
+          <p:cNvPr id="2" name="Picture 1" descr="A red dotted line with black lines&#10;&#10;Description automatically generated">
+            <a:extLst>
+              <a:ext uri="{FF2B5EF4-FFF2-40B4-BE49-F238E27FC236}">
+                <a16:creationId xmlns:a16="http://schemas.microsoft.com/office/drawing/2014/main" id="{34EE767E-8FCF-7B8B-A740-F69CEDFBA8F6}"/>
+              </a:ext>
+            </a:extLst>
+          </p:cNvPr>
+          <p:cNvPicPr>
+            <a:picLocks noChangeAspect="1"/>
+          </p:cNvPicPr>
+          <p:nvPr/>
+        </p:nvPicPr>
+        <p:blipFill>
+          <a:blip r:embed="rId3"/>
+          <a:stretch>
+            <a:fillRect/>
+          </a:stretch>
+        </p:blipFill>
+        <p:spPr>
+          <a:xfrm>
+            <a:off x="7341140" y="3926727"/>
+            <a:ext cx="3657600" cy="2743200"/>
+          </a:xfrm>
+          <a:prstGeom prst="rect">
+            <a:avLst/>
+          </a:prstGeom>
+        </p:spPr>
+      </p:pic>
+      <p:pic>
+        <p:nvPicPr>
+          <p:cNvPr id="4" name="Picture 3" descr="A graph with red dots&#10;&#10;Description automatically generated">
+            <a:extLst>
+              <a:ext uri="{FF2B5EF4-FFF2-40B4-BE49-F238E27FC236}">
+                <a16:creationId xmlns:a16="http://schemas.microsoft.com/office/drawing/2014/main" id="{B92861AD-1361-7679-33C9-7740744382D8}"/>
+              </a:ext>
+            </a:extLst>
+          </p:cNvPr>
+          <p:cNvPicPr>
+            <a:picLocks noChangeAspect="1"/>
+          </p:cNvPicPr>
+          <p:nvPr/>
+        </p:nvPicPr>
+        <p:blipFill>
+          <a:blip r:embed="rId4"/>
+          <a:stretch>
+            <a:fillRect/>
+          </a:stretch>
+        </p:blipFill>
+        <p:spPr>
+          <a:xfrm>
+            <a:off x="1190556" y="3926727"/>
+            <a:ext cx="3657600" cy="2743200"/>
+          </a:xfrm>
+          <a:prstGeom prst="rect">
+            <a:avLst/>
+          </a:prstGeom>
+        </p:spPr>
+      </p:pic>
       <p:sp>
         <p:nvSpPr>
-          <p:cNvPr id="72" name="TextBox 71">
-            <a:extLst>
-              <a:ext uri="{FF2B5EF4-FFF2-40B4-BE49-F238E27FC236}">
-                <a16:creationId xmlns:a16="http://schemas.microsoft.com/office/drawing/2014/main" id="{197D3489-3FE8-BA14-11C2-5C5E8E12CBD6}"/>
+          <p:cNvPr id="7" name="TextBox 6">
+            <a:extLst>
+              <a:ext uri="{FF2B5EF4-FFF2-40B4-BE49-F238E27FC236}">
+                <a16:creationId xmlns:a16="http://schemas.microsoft.com/office/drawing/2014/main" id="{0C9E328B-E2C9-2F8C-A2DC-2185EBD46CB3}"/>
               </a:ext>
             </a:extLst>
           </p:cNvPr>
@@ -12578,8 +15156,8 @@
         </p:nvSpPr>
         <p:spPr>
           <a:xfrm>
-            <a:off x="10814704" y="3305887"/>
-            <a:ext cx="1173719" cy="246221"/>
+            <a:off x="4536208" y="5175215"/>
+            <a:ext cx="1181734" cy="246221"/>
           </a:xfrm>
           <a:prstGeom prst="rect">
             <a:avLst/>
@@ -12600,7 +15178,119 @@
                 <a:latin typeface="Arial" panose="020B0604020202020204" pitchFamily="34" charset="0"/>
                 <a:cs typeface="Arial" panose="020B0604020202020204" pitchFamily="34" charset="0"/>
               </a:rPr>
-              <a:t>S.E. = 3.7831 (D)</a:t>
+              <a:t>S.D. = 3.8493 (D)</a:t>
+            </a:r>
+          </a:p>
+        </p:txBody>
+      </p:sp>
+      <p:sp>
+        <p:nvSpPr>
+          <p:cNvPr id="9" name="TextBox 8">
+            <a:extLst>
+              <a:ext uri="{FF2B5EF4-FFF2-40B4-BE49-F238E27FC236}">
+                <a16:creationId xmlns:a16="http://schemas.microsoft.com/office/drawing/2014/main" id="{F582C78B-B3F1-7942-3223-5F2CA0971133}"/>
+              </a:ext>
+            </a:extLst>
+          </p:cNvPr>
+          <p:cNvSpPr txBox="1"/>
+          <p:nvPr/>
+        </p:nvSpPr>
+        <p:spPr>
+          <a:xfrm>
+            <a:off x="10633560" y="5175215"/>
+            <a:ext cx="1181734" cy="246221"/>
+          </a:xfrm>
+          <a:prstGeom prst="rect">
+            <a:avLst/>
+          </a:prstGeom>
+          <a:noFill/>
+        </p:spPr>
+        <p:txBody>
+          <a:bodyPr wrap="none" rtlCol="0">
+            <a:spAutoFit/>
+          </a:bodyPr>
+          <a:lstStyle/>
+          <a:p>
+            <a:r>
+              <a:rPr lang="en-US" sz="1000" dirty="0">
+                <a:solidFill>
+                  <a:srgbClr val="143F21"/>
+                </a:solidFill>
+                <a:latin typeface="Arial" panose="020B0604020202020204" pitchFamily="34" charset="0"/>
+                <a:cs typeface="Arial" panose="020B0604020202020204" pitchFamily="34" charset="0"/>
+              </a:rPr>
+              <a:t>S.D. = 3.7831 (D)</a:t>
+            </a:r>
+          </a:p>
+        </p:txBody>
+      </p:sp>
+      <p:pic>
+        <p:nvPicPr>
+          <p:cNvPr id="12" name="Picture 11" descr="A graph of red dots&#10;&#10;Description automatically generated">
+            <a:extLst>
+              <a:ext uri="{FF2B5EF4-FFF2-40B4-BE49-F238E27FC236}">
+                <a16:creationId xmlns:a16="http://schemas.microsoft.com/office/drawing/2014/main" id="{5BEC4D9E-D1CD-4D8A-C3C5-780F81278F3B}"/>
+              </a:ext>
+            </a:extLst>
+          </p:cNvPr>
+          <p:cNvPicPr>
+            <a:picLocks noChangeAspect="1"/>
+          </p:cNvPicPr>
+          <p:nvPr/>
+        </p:nvPicPr>
+        <p:blipFill>
+          <a:blip r:embed="rId5"/>
+          <a:stretch>
+            <a:fillRect/>
+          </a:stretch>
+        </p:blipFill>
+        <p:spPr>
+          <a:xfrm>
+            <a:off x="1193261" y="1183528"/>
+            <a:ext cx="3657600" cy="2743200"/>
+          </a:xfrm>
+          <a:prstGeom prst="rect">
+            <a:avLst/>
+          </a:prstGeom>
+        </p:spPr>
+      </p:pic>
+      <p:sp>
+        <p:nvSpPr>
+          <p:cNvPr id="71" name="TextBox 70">
+            <a:extLst>
+              <a:ext uri="{FF2B5EF4-FFF2-40B4-BE49-F238E27FC236}">
+                <a16:creationId xmlns:a16="http://schemas.microsoft.com/office/drawing/2014/main" id="{0563C7F8-04AD-7567-6107-E201A6A8E93D}"/>
+              </a:ext>
+            </a:extLst>
+          </p:cNvPr>
+          <p:cNvSpPr txBox="1"/>
+          <p:nvPr/>
+        </p:nvSpPr>
+        <p:spPr>
+          <a:xfrm>
+            <a:off x="4536208" y="2315380"/>
+            <a:ext cx="1558440" cy="246221"/>
+          </a:xfrm>
+          <a:prstGeom prst="rect">
+            <a:avLst/>
+          </a:prstGeom>
+          <a:noFill/>
+        </p:spPr>
+        <p:txBody>
+          <a:bodyPr wrap="none" rtlCol="0">
+            <a:spAutoFit/>
+          </a:bodyPr>
+          <a:lstStyle/>
+          <a:p>
+            <a:r>
+              <a:rPr lang="en-US" sz="1000" dirty="0">
+                <a:solidFill>
+                  <a:srgbClr val="143F21"/>
+                </a:solidFill>
+                <a:latin typeface="Arial" panose="020B0604020202020204" pitchFamily="34" charset="0"/>
+                <a:cs typeface="Arial" panose="020B0604020202020204" pitchFamily="34" charset="0"/>
+              </a:rPr>
+              <a:t>S.D. = 9.6476 (kcal/mol)</a:t>
             </a:r>
           </a:p>
         </p:txBody>
@@ -12608,7 +15298,7 @@
     </p:spTree>
     <p:extLst>
       <p:ext uri="{BB962C8B-B14F-4D97-AF65-F5344CB8AC3E}">
-        <p14:creationId xmlns:p14="http://schemas.microsoft.com/office/powerpoint/2010/main" val="4076329594"/>
+        <p14:creationId xmlns:p14="http://schemas.microsoft.com/office/powerpoint/2010/main" val="476819911"/>
       </p:ext>
     </p:extLst>
   </p:cSld>

--- a/presentation/240801_KimGroup.pptx
+++ b/presentation/240801_KimGroup.pptx
@@ -201,7 +201,7 @@
           <a:p>
             <a:fld id="{5E75EF4A-3EBB-E84A-B283-FE0B0D208C79}" type="datetimeFigureOut">
               <a:rPr lang="en-US" smtClean="0"/>
-              <a:t>7/31/24</a:t>
+              <a:t>8/1/2024</a:t>
             </a:fld>
             <a:endParaRPr lang="en-US"/>
           </a:p>
@@ -1035,7 +1035,7 @@
           <a:p>
             <a:fld id="{27EF1FD6-E52C-674B-8BA1-BB2FBDB78E96}" type="datetimeFigureOut">
               <a:rPr lang="en-US" smtClean="0"/>
-              <a:t>7/31/24</a:t>
+              <a:t>8/1/2024</a:t>
             </a:fld>
             <a:endParaRPr lang="en-US"/>
           </a:p>
@@ -1233,7 +1233,7 @@
           <a:p>
             <a:fld id="{27EF1FD6-E52C-674B-8BA1-BB2FBDB78E96}" type="datetimeFigureOut">
               <a:rPr lang="en-US" smtClean="0"/>
-              <a:t>7/31/24</a:t>
+              <a:t>8/1/2024</a:t>
             </a:fld>
             <a:endParaRPr lang="en-US"/>
           </a:p>
@@ -1441,7 +1441,7 @@
           <a:p>
             <a:fld id="{27EF1FD6-E52C-674B-8BA1-BB2FBDB78E96}" type="datetimeFigureOut">
               <a:rPr lang="en-US" smtClean="0"/>
-              <a:t>7/31/24</a:t>
+              <a:t>8/1/2024</a:t>
             </a:fld>
             <a:endParaRPr lang="en-US"/>
           </a:p>
@@ -1941,7 +1941,7 @@
           <a:p>
             <a:fld id="{27EF1FD6-E52C-674B-8BA1-BB2FBDB78E96}" type="datetimeFigureOut">
               <a:rPr lang="en-US" smtClean="0"/>
-              <a:t>7/31/24</a:t>
+              <a:t>8/1/2024</a:t>
             </a:fld>
             <a:endParaRPr lang="en-US"/>
           </a:p>
@@ -2216,7 +2216,7 @@
           <a:p>
             <a:fld id="{27EF1FD6-E52C-674B-8BA1-BB2FBDB78E96}" type="datetimeFigureOut">
               <a:rPr lang="en-US" smtClean="0"/>
-              <a:t>7/31/24</a:t>
+              <a:t>8/1/2024</a:t>
             </a:fld>
             <a:endParaRPr lang="en-US"/>
           </a:p>
@@ -2481,7 +2481,7 @@
           <a:p>
             <a:fld id="{27EF1FD6-E52C-674B-8BA1-BB2FBDB78E96}" type="datetimeFigureOut">
               <a:rPr lang="en-US" smtClean="0"/>
-              <a:t>7/31/24</a:t>
+              <a:t>8/1/2024</a:t>
             </a:fld>
             <a:endParaRPr lang="en-US"/>
           </a:p>
@@ -2893,7 +2893,7 @@
           <a:p>
             <a:fld id="{27EF1FD6-E52C-674B-8BA1-BB2FBDB78E96}" type="datetimeFigureOut">
               <a:rPr lang="en-US" smtClean="0"/>
-              <a:t>7/31/24</a:t>
+              <a:t>8/1/2024</a:t>
             </a:fld>
             <a:endParaRPr lang="en-US"/>
           </a:p>
@@ -3034,7 +3034,7 @@
           <a:p>
             <a:fld id="{27EF1FD6-E52C-674B-8BA1-BB2FBDB78E96}" type="datetimeFigureOut">
               <a:rPr lang="en-US" smtClean="0"/>
-              <a:t>7/31/24</a:t>
+              <a:t>8/1/2024</a:t>
             </a:fld>
             <a:endParaRPr lang="en-US"/>
           </a:p>
@@ -3147,7 +3147,7 @@
           <a:p>
             <a:fld id="{27EF1FD6-E52C-674B-8BA1-BB2FBDB78E96}" type="datetimeFigureOut">
               <a:rPr lang="en-US" smtClean="0"/>
-              <a:t>7/31/24</a:t>
+              <a:t>8/1/2024</a:t>
             </a:fld>
             <a:endParaRPr lang="en-US"/>
           </a:p>
@@ -3458,7 +3458,7 @@
           <a:p>
             <a:fld id="{27EF1FD6-E52C-674B-8BA1-BB2FBDB78E96}" type="datetimeFigureOut">
               <a:rPr lang="en-US" smtClean="0"/>
-              <a:t>7/31/24</a:t>
+              <a:t>8/1/2024</a:t>
             </a:fld>
             <a:endParaRPr lang="en-US"/>
           </a:p>
@@ -3746,7 +3746,7 @@
           <a:p>
             <a:fld id="{27EF1FD6-E52C-674B-8BA1-BB2FBDB78E96}" type="datetimeFigureOut">
               <a:rPr lang="en-US" smtClean="0"/>
-              <a:t>7/31/24</a:t>
+              <a:t>8/1/2024</a:t>
             </a:fld>
             <a:endParaRPr lang="en-US"/>
           </a:p>
@@ -3987,7 +3987,7 @@
           <a:p>
             <a:fld id="{27EF1FD6-E52C-674B-8BA1-BB2FBDB78E96}" type="datetimeFigureOut">
               <a:rPr lang="en-US" smtClean="0"/>
-              <a:t>7/31/24</a:t>
+              <a:t>8/1/2024</a:t>
             </a:fld>
             <a:endParaRPr lang="en-US"/>
           </a:p>
@@ -4898,7 +4898,7 @@
           </a:ln>
           <a:extLst>
             <a:ext uri="{C572A759-6A51-4108-AA02-DFA0A04FC94B}">
-              <ma14:wrappingTextBoxFlag xmlns:ma14="http://schemas.microsoft.com/office/mac/drawingml/2011/main" xmlns:a14="http://schemas.microsoft.com/office/drawing/2010/main" xmlns:m="http://schemas.openxmlformats.org/officeDocument/2006/math" xmlns="" val="1"/>
+              <ma14:wrappingTextBoxFlag xmlns="" xmlns:m="http://schemas.openxmlformats.org/officeDocument/2006/math" xmlns:a14="http://schemas.microsoft.com/office/drawing/2010/main" xmlns:ma14="http://schemas.microsoft.com/office/mac/drawingml/2011/main" val="1"/>
             </a:ext>
           </a:extLst>
         </p:spPr>
@@ -5733,8 +5733,8 @@
         </p:nvSpPr>
         <p:spPr>
           <a:xfrm>
-            <a:off x="6229384" y="1570696"/>
-            <a:ext cx="5096182" cy="276999"/>
+            <a:off x="6229384" y="1593219"/>
+            <a:ext cx="5096182" cy="461665"/>
           </a:xfrm>
           <a:prstGeom prst="rect">
             <a:avLst/>
@@ -5757,6 +5757,40 @@
                 <a:cs typeface="Arial" panose="020B0604020202020204" pitchFamily="34" charset="0"/>
               </a:rPr>
               <a:t>Apply </a:t>
+            </a:r>
+            <a:r>
+              <a:rPr lang="en-US" sz="1200" dirty="0">
+                <a:solidFill>
+                  <a:srgbClr val="0432FF"/>
+                </a:solidFill>
+                <a:latin typeface="Arial" panose="020B0604020202020204" pitchFamily="34" charset="0"/>
+                <a:cs typeface="Arial" panose="020B0604020202020204" pitchFamily="34" charset="0"/>
+              </a:rPr>
+              <a:t>Symbolic Regressor</a:t>
+            </a:r>
+            <a:r>
+              <a:rPr lang="en-US" sz="1200" dirty="0">
+                <a:latin typeface="Arial" panose="020B0604020202020204" pitchFamily="34" charset="0"/>
+                <a:cs typeface="Arial" panose="020B0604020202020204" pitchFamily="34" charset="0"/>
+              </a:rPr>
+              <a:t> function from </a:t>
+            </a:r>
+            <a:r>
+              <a:rPr lang="en-US" sz="1200" dirty="0" err="1">
+                <a:solidFill>
+                  <a:srgbClr val="FF0000"/>
+                </a:solidFill>
+                <a:latin typeface="Arial" panose="020B0604020202020204" pitchFamily="34" charset="0"/>
+                <a:cs typeface="Arial" panose="020B0604020202020204" pitchFamily="34" charset="0"/>
+              </a:rPr>
+              <a:t>gplearn</a:t>
+            </a:r>
+            <a:r>
+              <a:rPr lang="en-US" sz="1200" dirty="0">
+                <a:latin typeface="Arial" panose="020B0604020202020204" pitchFamily="34" charset="0"/>
+                <a:cs typeface="Arial" panose="020B0604020202020204" pitchFamily="34" charset="0"/>
+              </a:rPr>
+              <a:t> to optimize the multi-variable correlation between properties </a:t>
             </a:r>
             <a:endParaRPr lang="en-US" altLang="ko-KR" sz="1200" dirty="0">
               <a:latin typeface="Arial" panose="020B0604020202020204" pitchFamily="34" charset="0"/>
@@ -5998,7 +6032,7 @@
           </a:ln>
           <a:extLst>
             <a:ext uri="{C572A759-6A51-4108-AA02-DFA0A04FC94B}">
-              <ma14:wrappingTextBoxFlag xmlns:ma14="http://schemas.microsoft.com/office/mac/drawingml/2011/main" xmlns:a14="http://schemas.microsoft.com/office/drawing/2010/main" xmlns:m="http://schemas.openxmlformats.org/officeDocument/2006/math" xmlns="" val="1"/>
+              <ma14:wrappingTextBoxFlag xmlns="" xmlns:m="http://schemas.openxmlformats.org/officeDocument/2006/math" xmlns:a14="http://schemas.microsoft.com/office/drawing/2010/main" xmlns:ma14="http://schemas.microsoft.com/office/mac/drawingml/2011/main" val="1"/>
             </a:ext>
           </a:extLst>
         </p:spPr>
@@ -6651,7 +6685,7 @@
           </a:ln>
           <a:extLst>
             <a:ext uri="{C572A759-6A51-4108-AA02-DFA0A04FC94B}">
-              <ma14:wrappingTextBoxFlag xmlns:ma14="http://schemas.microsoft.com/office/mac/drawingml/2011/main" xmlns:a14="http://schemas.microsoft.com/office/drawing/2010/main" xmlns:m="http://schemas.openxmlformats.org/officeDocument/2006/math" xmlns="" val="1"/>
+              <ma14:wrappingTextBoxFlag xmlns="" xmlns:m="http://schemas.openxmlformats.org/officeDocument/2006/math" xmlns:a14="http://schemas.microsoft.com/office/drawing/2010/main" xmlns:ma14="http://schemas.microsoft.com/office/mac/drawingml/2011/main" val="1"/>
             </a:ext>
           </a:extLst>
         </p:spPr>
@@ -7637,7 +7671,7 @@
           </a:ln>
           <a:extLst>
             <a:ext uri="{C572A759-6A51-4108-AA02-DFA0A04FC94B}">
-              <ma14:wrappingTextBoxFlag xmlns:ma14="http://schemas.microsoft.com/office/mac/drawingml/2011/main" xmlns:a14="http://schemas.microsoft.com/office/drawing/2010/main" xmlns:m="http://schemas.openxmlformats.org/officeDocument/2006/math" xmlns="" val="1"/>
+              <ma14:wrappingTextBoxFlag xmlns="" xmlns:m="http://schemas.openxmlformats.org/officeDocument/2006/math" xmlns:a14="http://schemas.microsoft.com/office/drawing/2010/main" xmlns:ma14="http://schemas.microsoft.com/office/mac/drawingml/2011/main" val="1"/>
             </a:ext>
           </a:extLst>
         </p:spPr>

--- a/presentation/240801_KimGroup.pptx
+++ b/presentation/240801_KimGroup.pptx
@@ -5,14 +5,13 @@
     <p:sldMasterId id="2147483648" r:id="rId1"/>
   </p:sldMasterIdLst>
   <p:notesMasterIdLst>
-    <p:notesMasterId r:id="rId7"/>
+    <p:notesMasterId r:id="rId6"/>
   </p:notesMasterIdLst>
   <p:sldIdLst>
     <p:sldId id="1508" r:id="rId2"/>
     <p:sldId id="1506" r:id="rId3"/>
     <p:sldId id="1521" r:id="rId4"/>
     <p:sldId id="1531" r:id="rId5"/>
-    <p:sldId id="1530" r:id="rId6"/>
   </p:sldIdLst>
   <p:sldSz cx="12192000" cy="6858000"/>
   <p:notesSz cx="6858000" cy="9144000"/>
@@ -795,90 +794,6 @@
     <p:extLst>
       <p:ext uri="{BB962C8B-B14F-4D97-AF65-F5344CB8AC3E}">
         <p14:creationId xmlns:p14="http://schemas.microsoft.com/office/powerpoint/2010/main" val="3745287689"/>
-      </p:ext>
-    </p:extLst>
-  </p:cSld>
-  <p:clrMapOvr>
-    <a:masterClrMapping/>
-  </p:clrMapOvr>
-</p:notes>
-</file>
-
-<file path=ppt/notesSlides/notesSlide5.xml><?xml version="1.0" encoding="utf-8"?>
-<p:notes xmlns:a="http://schemas.openxmlformats.org/drawingml/2006/main" xmlns:r="http://schemas.openxmlformats.org/officeDocument/2006/relationships" xmlns:p="http://schemas.openxmlformats.org/presentationml/2006/main">
-  <p:cSld>
-    <p:spTree>
-      <p:nvGrpSpPr>
-        <p:cNvPr id="1" name=""/>
-        <p:cNvGrpSpPr/>
-        <p:nvPr/>
-      </p:nvGrpSpPr>
-      <p:grpSpPr>
-        <a:xfrm>
-          <a:off x="0" y="0"/>
-          <a:ext cx="0" cy="0"/>
-          <a:chOff x="0" y="0"/>
-          <a:chExt cx="0" cy="0"/>
-        </a:xfrm>
-      </p:grpSpPr>
-      <p:sp>
-        <p:nvSpPr>
-          <p:cNvPr id="2" name="Slide Image Placeholder 1"/>
-          <p:cNvSpPr>
-            <a:spLocks noGrp="1" noRot="1" noChangeAspect="1"/>
-          </p:cNvSpPr>
-          <p:nvPr>
-            <p:ph type="sldImg"/>
-          </p:nvPr>
-        </p:nvSpPr>
-        <p:spPr/>
-      </p:sp>
-      <p:sp>
-        <p:nvSpPr>
-          <p:cNvPr id="3" name="Notes Placeholder 2"/>
-          <p:cNvSpPr>
-            <a:spLocks noGrp="1"/>
-          </p:cNvSpPr>
-          <p:nvPr>
-            <p:ph type="body" idx="1"/>
-          </p:nvPr>
-        </p:nvSpPr>
-        <p:spPr/>
-        <p:txBody>
-          <a:bodyPr/>
-          <a:lstStyle/>
-          <a:p>
-            <a:endParaRPr lang="en-US" dirty="0"/>
-          </a:p>
-        </p:txBody>
-      </p:sp>
-      <p:sp>
-        <p:nvSpPr>
-          <p:cNvPr id="4" name="Slide Number Placeholder 3"/>
-          <p:cNvSpPr>
-            <a:spLocks noGrp="1"/>
-          </p:cNvSpPr>
-          <p:nvPr>
-            <p:ph type="sldNum" sz="quarter" idx="5"/>
-          </p:nvPr>
-        </p:nvSpPr>
-        <p:spPr/>
-        <p:txBody>
-          <a:bodyPr/>
-          <a:lstStyle/>
-          <a:p>
-            <a:fld id="{7C07F7CC-8415-874D-8288-8107EB832B52}" type="slidenum">
-              <a:rPr lang="en-US" smtClean="0"/>
-              <a:t>5</a:t>
-            </a:fld>
-            <a:endParaRPr lang="en-US"/>
-          </a:p>
-        </p:txBody>
-      </p:sp>
-    </p:spTree>
-    <p:extLst>
-      <p:ext uri="{BB962C8B-B14F-4D97-AF65-F5344CB8AC3E}">
-        <p14:creationId xmlns:p14="http://schemas.microsoft.com/office/powerpoint/2010/main" val="4017797441"/>
       </p:ext>
     </p:extLst>
   </p:cSld>
@@ -5063,7 +4978,7 @@
               <a:t>   Finding correlation between </a:t>
             </a:r>
             <a:r>
-              <a:rPr lang="en-US" altLang="ko-KR" sz="1801" kern="1200" dirty="0" err="1">
+              <a:rPr lang="en-US" altLang="ko-KR" sz="1801" dirty="0">
                 <a:ln>
                   <a:solidFill>
                     <a:srgbClr val="4472C4">
@@ -5079,7 +4994,7 @@
                 <a:cs typeface="Arial" panose="020B0604020202020204" pitchFamily="34" charset="0"/>
                 <a:sym typeface="Muli Black"/>
               </a:rPr>
-              <a:t>photoredox</a:t>
+              <a:t>the</a:t>
             </a:r>
             <a:r>
               <a:rPr lang="en-US" altLang="ko-KR" sz="1801" kern="1200" dirty="0">
@@ -6783,58 +6698,6 @@
           </a:p>
         </p:txBody>
       </p:sp>
-      <p:sp>
-        <p:nvSpPr>
-          <p:cNvPr id="17" name="Right Arrow 16">
-            <a:extLst>
-              <a:ext uri="{FF2B5EF4-FFF2-40B4-BE49-F238E27FC236}">
-                <a16:creationId xmlns:a16="http://schemas.microsoft.com/office/drawing/2014/main" id="{38BBD153-D938-3B2A-92B1-D963BB0C2BE5}"/>
-              </a:ext>
-            </a:extLst>
-          </p:cNvPr>
-          <p:cNvSpPr/>
-          <p:nvPr/>
-        </p:nvSpPr>
-        <p:spPr>
-          <a:xfrm>
-            <a:off x="3929632" y="3243163"/>
-            <a:ext cx="361384" cy="371673"/>
-          </a:xfrm>
-          <a:prstGeom prst="rightArrow">
-            <a:avLst/>
-          </a:prstGeom>
-          <a:solidFill>
-            <a:srgbClr val="FF0000"/>
-          </a:solidFill>
-          <a:ln>
-            <a:noFill/>
-          </a:ln>
-        </p:spPr>
-        <p:style>
-          <a:lnRef idx="2">
-            <a:schemeClr val="accent1">
-              <a:shade val="15000"/>
-            </a:schemeClr>
-          </a:lnRef>
-          <a:fillRef idx="1">
-            <a:schemeClr val="accent1"/>
-          </a:fillRef>
-          <a:effectRef idx="0">
-            <a:schemeClr val="accent1"/>
-          </a:effectRef>
-          <a:fontRef idx="minor">
-            <a:schemeClr val="lt1"/>
-          </a:fontRef>
-        </p:style>
-        <p:txBody>
-          <a:bodyPr rtlCol="0" anchor="ctr"/>
-          <a:lstStyle/>
-          <a:p>
-            <a:pPr algn="ctr"/>
-            <a:endParaRPr lang="en-US"/>
-          </a:p>
-        </p:txBody>
-      </p:sp>
       <p:cxnSp>
         <p:nvCxnSpPr>
           <p:cNvPr id="12" name="Straight Connector 11">
@@ -7517,7 +7380,7 @@
         <p:spPr>
           <a:xfrm>
             <a:off x="8662548" y="6322573"/>
-            <a:ext cx="768159" cy="338554"/>
+            <a:ext cx="3513206" cy="276999"/>
           </a:xfrm>
           <a:prstGeom prst="rect">
             <a:avLst/>
@@ -7531,1385 +7394,74 @@
           <a:lstStyle/>
           <a:p>
             <a:r>
-              <a:rPr lang="en-US" sz="1600" dirty="0">
+              <a:rPr lang="en-US" sz="1200" dirty="0">
                 <a:solidFill>
                   <a:srgbClr val="FF0000"/>
                 </a:solidFill>
                 <a:latin typeface="Arial" panose="020B0604020202020204" pitchFamily="34" charset="0"/>
                 <a:cs typeface="Arial" panose="020B0604020202020204" pitchFamily="34" charset="0"/>
               </a:rPr>
-              <a:t>Iterate</a:t>
-            </a:r>
-          </a:p>
-        </p:txBody>
-      </p:sp>
-    </p:spTree>
-    <p:extLst>
-      <p:ext uri="{BB962C8B-B14F-4D97-AF65-F5344CB8AC3E}">
-        <p14:creationId xmlns:p14="http://schemas.microsoft.com/office/powerpoint/2010/main" val="3923456026"/>
-      </p:ext>
-    </p:extLst>
-  </p:cSld>
-  <p:clrMapOvr>
-    <a:masterClrMapping/>
-  </p:clrMapOvr>
-</p:sld>
-</file>
-
-<file path=ppt/slides/slide5.xml><?xml version="1.0" encoding="utf-8"?>
-<p:sld xmlns:a="http://schemas.openxmlformats.org/drawingml/2006/main" xmlns:r="http://schemas.openxmlformats.org/officeDocument/2006/relationships" xmlns:p="http://schemas.openxmlformats.org/presentationml/2006/main">
-  <p:cSld>
-    <p:spTree>
-      <p:nvGrpSpPr>
-        <p:cNvPr id="1" name=""/>
-        <p:cNvGrpSpPr/>
-        <p:nvPr/>
-      </p:nvGrpSpPr>
-      <p:grpSpPr>
-        <a:xfrm>
-          <a:off x="0" y="0"/>
-          <a:ext cx="0" cy="0"/>
-          <a:chOff x="0" y="0"/>
-          <a:chExt cx="0" cy="0"/>
-        </a:xfrm>
-      </p:grpSpPr>
-      <p:pic>
-        <p:nvPicPr>
-          <p:cNvPr id="8" name="Picture 7" descr="A red line with black lines&#10;&#10;Description automatically generated">
-            <a:extLst>
-              <a:ext uri="{FF2B5EF4-FFF2-40B4-BE49-F238E27FC236}">
-                <a16:creationId xmlns:a16="http://schemas.microsoft.com/office/drawing/2014/main" id="{9269CBBE-3EC6-F66B-9E83-520EB991CF93}"/>
-              </a:ext>
-            </a:extLst>
-          </p:cNvPr>
-          <p:cNvPicPr>
-            <a:picLocks noChangeAspect="1"/>
-          </p:cNvPicPr>
+              <a:t>Iterate until when all variables’ VIFs are below 10</a:t>
+            </a:r>
+          </a:p>
+        </p:txBody>
+      </p:sp>
+      <p:sp>
+        <p:nvSpPr>
+          <p:cNvPr id="17" name="Right Arrow 16">
+            <a:extLst>
+              <a:ext uri="{FF2B5EF4-FFF2-40B4-BE49-F238E27FC236}">
+                <a16:creationId xmlns:a16="http://schemas.microsoft.com/office/drawing/2014/main" id="{38BBD153-D938-3B2A-92B1-D963BB0C2BE5}"/>
+              </a:ext>
+            </a:extLst>
+          </p:cNvPr>
+          <p:cNvSpPr/>
           <p:nvPr/>
-        </p:nvPicPr>
-        <p:blipFill>
-          <a:blip r:embed="rId3"/>
-          <a:stretch>
-            <a:fillRect/>
-          </a:stretch>
-        </p:blipFill>
+        </p:nvSpPr>
         <p:spPr>
           <a:xfrm>
-            <a:off x="7359285" y="2057400"/>
-            <a:ext cx="3657600" cy="2743200"/>
-          </a:xfrm>
-          <a:prstGeom prst="rect">
+            <a:off x="3929632" y="3243163"/>
+            <a:ext cx="361384" cy="371673"/>
+          </a:xfrm>
+          <a:prstGeom prst="rightArrow">
             <a:avLst/>
           </a:prstGeom>
-        </p:spPr>
-      </p:pic>
-      <p:cxnSp>
-        <p:nvCxnSpPr>
-          <p:cNvPr id="6" name="직선 연결선 4">
-            <a:extLst>
-              <a:ext uri="{FF2B5EF4-FFF2-40B4-BE49-F238E27FC236}">
-                <a16:creationId xmlns:a16="http://schemas.microsoft.com/office/drawing/2014/main" id="{A0C669A3-83AD-2BE1-9887-195754D117A4}"/>
-              </a:ext>
-            </a:extLst>
-          </p:cNvPr>
-          <p:cNvCxnSpPr>
-            <a:cxnSpLocks/>
-          </p:cNvCxnSpPr>
-          <p:nvPr/>
-        </p:nvCxnSpPr>
-        <p:spPr>
-          <a:xfrm>
-            <a:off x="347730" y="987361"/>
-            <a:ext cx="11514069" cy="0"/>
-          </a:xfrm>
-          <a:prstGeom prst="line">
-            <a:avLst/>
-          </a:prstGeom>
-          <a:ln w="28575">
-            <a:solidFill>
-              <a:srgbClr val="143F21"/>
-            </a:solidFill>
+          <a:solidFill>
+            <a:srgbClr val="FF0000"/>
+          </a:solidFill>
+          <a:ln>
+            <a:noFill/>
           </a:ln>
         </p:spPr>
         <p:style>
-          <a:lnRef idx="1">
-            <a:schemeClr val="accent1"/>
+          <a:lnRef idx="2">
+            <a:schemeClr val="accent1">
+              <a:shade val="15000"/>
+            </a:schemeClr>
           </a:lnRef>
-          <a:fillRef idx="0">
+          <a:fillRef idx="1">
             <a:schemeClr val="accent1"/>
           </a:fillRef>
           <a:effectRef idx="0">
             <a:schemeClr val="accent1"/>
           </a:effectRef>
           <a:fontRef idx="minor">
-            <a:schemeClr val="tx1"/>
+            <a:schemeClr val="lt1"/>
           </a:fontRef>
         </p:style>
-      </p:cxnSp>
-      <p:sp>
-        <p:nvSpPr>
-          <p:cNvPr id="42" name="Business Branding…">
-            <a:extLst>
-              <a:ext uri="{FF2B5EF4-FFF2-40B4-BE49-F238E27FC236}">
-                <a16:creationId xmlns:a16="http://schemas.microsoft.com/office/drawing/2014/main" id="{4B18A028-15B3-A06D-8FEA-1AB2232EC108}"/>
-              </a:ext>
-            </a:extLst>
-          </p:cNvPr>
-          <p:cNvSpPr txBox="1"/>
-          <p:nvPr/>
-        </p:nvSpPr>
-        <p:spPr>
-          <a:xfrm>
-            <a:off x="347730" y="404966"/>
-            <a:ext cx="10993322" cy="553998"/>
-          </a:xfrm>
-          <a:prstGeom prst="rect">
-            <a:avLst/>
-          </a:prstGeom>
-          <a:ln w="3175">
-            <a:miter lim="400000"/>
-          </a:ln>
-          <a:extLst>
-            <a:ext uri="{C572A759-6A51-4108-AA02-DFA0A04FC94B}">
-              <ma14:wrappingTextBoxFlag xmlns="" xmlns:m="http://schemas.openxmlformats.org/officeDocument/2006/math" xmlns:a14="http://schemas.microsoft.com/office/drawing/2010/main" xmlns:ma14="http://schemas.microsoft.com/office/mac/drawingml/2011/main" val="1"/>
-            </a:ext>
-          </a:extLst>
-        </p:spPr>
-        <p:txBody>
-          <a:bodyPr wrap="square" lIns="0" tIns="0" rIns="0" bIns="0">
-            <a:spAutoFit/>
-          </a:bodyPr>
-          <a:lstStyle>
-            <a:defPPr>
-              <a:defRPr lang="en-US"/>
-            </a:defPPr>
-            <a:lvl1pPr marR="0" lvl="0" fontAlgn="auto">
-              <a:lnSpc>
-                <a:spcPct val="100000"/>
-              </a:lnSpc>
-              <a:spcBef>
-                <a:spcPts val="0"/>
-              </a:spcBef>
-              <a:spcAft>
-                <a:spcPts val="0"/>
-              </a:spcAft>
-              <a:buClrTx/>
-              <a:buSzTx/>
-              <a:tabLst/>
-              <a:defRPr sz="2000" b="1">
-                <a:solidFill>
-                  <a:srgbClr val="3E67CE"/>
-                </a:solidFill>
-                <a:latin typeface="+mj-ea"/>
-                <a:ea typeface="+mj-ea"/>
-                <a:cs typeface="Muli Black"/>
-              </a:defRPr>
-            </a:lvl1pPr>
-          </a:lstStyle>
-          <a:p>
-            <a:pPr defTabSz="457211">
-              <a:defRPr/>
-            </a:pPr>
-            <a:endParaRPr lang="en-US" altLang="ko-KR" sz="1600" kern="1200" dirty="0">
-              <a:ln>
-                <a:solidFill>
-                  <a:srgbClr val="4472C4">
-                    <a:alpha val="0"/>
-                  </a:srgbClr>
-                </a:solidFill>
-              </a:ln>
-              <a:solidFill>
-                <a:schemeClr val="tx1"/>
-              </a:solidFill>
-              <a:latin typeface="Arial" panose="020B0604020202020204" pitchFamily="34" charset="0"/>
-              <a:ea typeface="나눔바른고딕" panose="020B0603020101020101" pitchFamily="50" charset="-127"/>
-              <a:cs typeface="Arial" panose="020B0604020202020204" pitchFamily="34" charset="0"/>
-              <a:sym typeface="Muli Black"/>
-            </a:endParaRPr>
-          </a:p>
-          <a:p>
-            <a:pPr defTabSz="457211">
-              <a:defRPr/>
-            </a:pPr>
-            <a:r>
-              <a:rPr lang="en-US" altLang="ko-KR" dirty="0">
-                <a:ln>
-                  <a:solidFill>
-                    <a:srgbClr val="4472C4">
-                      <a:alpha val="0"/>
-                    </a:srgbClr>
-                  </a:solidFill>
-                </a:ln>
-                <a:solidFill>
-                  <a:srgbClr val="143F21"/>
-                </a:solidFill>
-                <a:latin typeface="Arial" panose="020B0604020202020204" pitchFamily="34" charset="0"/>
-                <a:ea typeface="나눔바른고딕" panose="020B0603020101020101" pitchFamily="50" charset="-127"/>
-                <a:cs typeface="Arial" panose="020B0604020202020204" pitchFamily="34" charset="0"/>
-                <a:sym typeface="Muli Black"/>
-              </a:rPr>
-              <a:t>Multiple Regression</a:t>
-            </a:r>
-            <a:r>
-              <a:rPr lang="en-US" altLang="ko-KR" kern="1200" dirty="0">
-                <a:ln>
-                  <a:solidFill>
-                    <a:srgbClr val="4472C4">
-                      <a:alpha val="0"/>
-                    </a:srgbClr>
-                  </a:solidFill>
-                </a:ln>
-                <a:solidFill>
-                  <a:srgbClr val="143F21"/>
-                </a:solidFill>
-                <a:latin typeface="Arial" panose="020B0604020202020204" pitchFamily="34" charset="0"/>
-                <a:ea typeface="나눔바른고딕" panose="020B0603020101020101" pitchFamily="50" charset="-127"/>
-                <a:cs typeface="Arial" panose="020B0604020202020204" pitchFamily="34" charset="0"/>
-                <a:sym typeface="Muli Black"/>
-              </a:rPr>
-              <a:t> Model of Adiabatic_S1-S0 (kcal/mol)</a:t>
-            </a:r>
-            <a:endParaRPr lang="en-US" altLang="ko-KR" kern="1200" dirty="0">
-              <a:ln>
-                <a:solidFill>
-                  <a:srgbClr val="4472C4">
-                    <a:alpha val="0"/>
-                  </a:srgbClr>
-                </a:solidFill>
-              </a:ln>
-              <a:solidFill>
-                <a:srgbClr val="FF0000"/>
-              </a:solidFill>
-              <a:latin typeface="Arial" panose="020B0604020202020204" pitchFamily="34" charset="0"/>
-              <a:ea typeface="나눔바른고딕" panose="020B0603020101020101" pitchFamily="50" charset="-127"/>
-              <a:cs typeface="Arial" panose="020B0604020202020204" pitchFamily="34" charset="0"/>
-              <a:sym typeface="Muli Black"/>
-            </a:endParaRPr>
-          </a:p>
-        </p:txBody>
-      </p:sp>
-      <p:sp>
-        <p:nvSpPr>
-          <p:cNvPr id="5" name="TextBox 4">
-            <a:extLst>
-              <a:ext uri="{FF2B5EF4-FFF2-40B4-BE49-F238E27FC236}">
-                <a16:creationId xmlns:a16="http://schemas.microsoft.com/office/drawing/2014/main" id="{41C27FBC-F747-F640-B731-B77D7AA76AB1}"/>
-              </a:ext>
-            </a:extLst>
-          </p:cNvPr>
-          <p:cNvSpPr txBox="1"/>
-          <p:nvPr/>
-        </p:nvSpPr>
-        <p:spPr>
-          <a:xfrm>
-            <a:off x="0" y="5058658"/>
-            <a:ext cx="7577202" cy="1169551"/>
-          </a:xfrm>
-          <a:prstGeom prst="rect">
-            <a:avLst/>
-          </a:prstGeom>
-          <a:noFill/>
-        </p:spPr>
-        <p:txBody>
-          <a:bodyPr wrap="none" rtlCol="0">
-            <a:spAutoFit/>
-          </a:bodyPr>
-          <a:lstStyle/>
-          <a:p>
-            <a:pPr marL="285750" indent="-285750">
-              <a:buFont typeface="Arial" panose="020B0604020202020204" pitchFamily="34" charset="0"/>
-              <a:buChar char="•"/>
-            </a:pPr>
-            <a:r>
-              <a:rPr lang="en-US" altLang="ko-KR" sz="1400" dirty="0">
-                <a:latin typeface="Arial" panose="020B0604020202020204" pitchFamily="34" charset="0"/>
-                <a:cs typeface="Arial" panose="020B0604020202020204" pitchFamily="34" charset="0"/>
-              </a:rPr>
-              <a:t>When </a:t>
-            </a:r>
-            <a:r>
-              <a:rPr lang="en-US" altLang="ko-KR" sz="1400" b="1" dirty="0" err="1">
-                <a:latin typeface="Arial" panose="020B0604020202020204" pitchFamily="34" charset="0"/>
-                <a:cs typeface="Arial" panose="020B0604020202020204" pitchFamily="34" charset="0"/>
-              </a:rPr>
-              <a:t>Vertical_excitation_energy</a:t>
-            </a:r>
-            <a:r>
-              <a:rPr lang="en-US" altLang="ko-KR" sz="1400" b="1" dirty="0">
-                <a:latin typeface="Arial" panose="020B0604020202020204" pitchFamily="34" charset="0"/>
-                <a:cs typeface="Arial" panose="020B0604020202020204" pitchFamily="34" charset="0"/>
-              </a:rPr>
-              <a:t> (eV)</a:t>
-            </a:r>
-            <a:r>
-              <a:rPr lang="en-US" altLang="ko-KR" sz="1400" dirty="0">
-                <a:latin typeface="Arial" panose="020B0604020202020204" pitchFamily="34" charset="0"/>
-                <a:cs typeface="Arial" panose="020B0604020202020204" pitchFamily="34" charset="0"/>
-              </a:rPr>
-              <a:t> increases, Adiabatic_S1-S0 (kcal/mol) </a:t>
-            </a:r>
-            <a:r>
-              <a:rPr lang="en-US" altLang="ko-KR" sz="1400" dirty="0">
-                <a:solidFill>
-                  <a:srgbClr val="FF0000"/>
-                </a:solidFill>
-                <a:latin typeface="Arial" panose="020B0604020202020204" pitchFamily="34" charset="0"/>
-                <a:cs typeface="Arial" panose="020B0604020202020204" pitchFamily="34" charset="0"/>
-              </a:rPr>
-              <a:t>increases</a:t>
-            </a:r>
-          </a:p>
-          <a:p>
-            <a:pPr marL="285750" indent="-285750">
-              <a:buFont typeface="Arial" panose="020B0604020202020204" pitchFamily="34" charset="0"/>
-              <a:buChar char="•"/>
-            </a:pPr>
-            <a:r>
-              <a:rPr lang="en-US" altLang="ko-KR" sz="1400" dirty="0">
-                <a:latin typeface="Arial" panose="020B0604020202020204" pitchFamily="34" charset="0"/>
-                <a:cs typeface="Arial" panose="020B0604020202020204" pitchFamily="34" charset="0"/>
-              </a:rPr>
-              <a:t>When </a:t>
-            </a:r>
-            <a:r>
-              <a:rPr lang="en-US" altLang="ko-KR" sz="1400" b="1" dirty="0">
-                <a:latin typeface="Arial" panose="020B0604020202020204" pitchFamily="34" charset="0"/>
-                <a:cs typeface="Arial" panose="020B0604020202020204" pitchFamily="34" charset="0"/>
-              </a:rPr>
-              <a:t>Dipole_moment_norm_S1 (D)</a:t>
-            </a:r>
-            <a:r>
-              <a:rPr lang="en-US" altLang="ko-KR" sz="1400" dirty="0">
-                <a:latin typeface="Arial" panose="020B0604020202020204" pitchFamily="34" charset="0"/>
-                <a:cs typeface="Arial" panose="020B0604020202020204" pitchFamily="34" charset="0"/>
-              </a:rPr>
-              <a:t> increases, Adiabatic_S1-S0 (kcal/mol) </a:t>
-            </a:r>
-            <a:r>
-              <a:rPr lang="en-US" altLang="ko-KR" sz="1400" dirty="0">
-                <a:solidFill>
-                  <a:srgbClr val="FF0000"/>
-                </a:solidFill>
-                <a:latin typeface="Arial" panose="020B0604020202020204" pitchFamily="34" charset="0"/>
-                <a:cs typeface="Arial" panose="020B0604020202020204" pitchFamily="34" charset="0"/>
-              </a:rPr>
-              <a:t>increases</a:t>
-            </a:r>
-          </a:p>
-          <a:p>
-            <a:pPr marL="285750" indent="-285750">
-              <a:buFont typeface="Arial" panose="020B0604020202020204" pitchFamily="34" charset="0"/>
-              <a:buChar char="•"/>
-            </a:pPr>
-            <a:r>
-              <a:rPr lang="en-US" altLang="ko-KR" sz="1400" dirty="0">
-                <a:latin typeface="Arial" panose="020B0604020202020204" pitchFamily="34" charset="0"/>
-                <a:cs typeface="Arial" panose="020B0604020202020204" pitchFamily="34" charset="0"/>
-              </a:rPr>
-              <a:t>When </a:t>
-            </a:r>
-            <a:r>
-              <a:rPr lang="en-US" altLang="ko-KR" sz="1400" b="1" dirty="0">
-                <a:latin typeface="Arial" panose="020B0604020202020204" pitchFamily="34" charset="0"/>
-                <a:cs typeface="Arial" panose="020B0604020202020204" pitchFamily="34" charset="0"/>
-              </a:rPr>
-              <a:t>Dipole_moment_norm_T1 (D)</a:t>
-            </a:r>
-            <a:r>
-              <a:rPr lang="en-US" altLang="ko-KR" sz="1400" dirty="0">
-                <a:latin typeface="Arial" panose="020B0604020202020204" pitchFamily="34" charset="0"/>
-                <a:cs typeface="Arial" panose="020B0604020202020204" pitchFamily="34" charset="0"/>
-              </a:rPr>
-              <a:t> increases, Adiabatic_S1-S0 (kcal/mol) </a:t>
-            </a:r>
-            <a:r>
-              <a:rPr lang="en-US" altLang="ko-KR" sz="1400" dirty="0">
-                <a:solidFill>
-                  <a:srgbClr val="0432FF"/>
-                </a:solidFill>
-                <a:latin typeface="Arial" panose="020B0604020202020204" pitchFamily="34" charset="0"/>
-                <a:cs typeface="Arial" panose="020B0604020202020204" pitchFamily="34" charset="0"/>
-              </a:rPr>
-              <a:t>decreases</a:t>
-            </a:r>
-          </a:p>
-          <a:p>
-            <a:pPr marL="285750" indent="-285750">
-              <a:buFont typeface="Arial" panose="020B0604020202020204" pitchFamily="34" charset="0"/>
-              <a:buChar char="•"/>
-            </a:pPr>
-            <a:r>
-              <a:rPr lang="en-US" altLang="ko-KR" sz="1400" dirty="0">
-                <a:latin typeface="Arial" panose="020B0604020202020204" pitchFamily="34" charset="0"/>
-                <a:cs typeface="Arial" panose="020B0604020202020204" pitchFamily="34" charset="0"/>
-              </a:rPr>
-              <a:t>When </a:t>
-            </a:r>
-            <a:r>
-              <a:rPr lang="en-US" altLang="ko-KR" sz="1400" b="1" dirty="0">
-                <a:latin typeface="Arial" panose="020B0604020202020204" pitchFamily="34" charset="0"/>
-                <a:cs typeface="Arial" panose="020B0604020202020204" pitchFamily="34" charset="0"/>
-              </a:rPr>
-              <a:t>0-0_T1 (eV)</a:t>
-            </a:r>
-            <a:r>
-              <a:rPr lang="en-US" altLang="ko-KR" sz="1400" dirty="0">
-                <a:latin typeface="Arial" panose="020B0604020202020204" pitchFamily="34" charset="0"/>
-                <a:cs typeface="Arial" panose="020B0604020202020204" pitchFamily="34" charset="0"/>
-              </a:rPr>
-              <a:t> increases, Adiabatic_S1-S0 (kcal/mol) </a:t>
-            </a:r>
-            <a:r>
-              <a:rPr lang="en-US" altLang="ko-KR" sz="1400" dirty="0">
-                <a:solidFill>
-                  <a:srgbClr val="0432FF"/>
-                </a:solidFill>
-                <a:latin typeface="Arial" panose="020B0604020202020204" pitchFamily="34" charset="0"/>
-                <a:cs typeface="Arial" panose="020B0604020202020204" pitchFamily="34" charset="0"/>
-              </a:rPr>
-              <a:t>decreases</a:t>
-            </a:r>
-          </a:p>
-          <a:p>
-            <a:pPr marL="285750" indent="-285750">
-              <a:buFont typeface="Arial" panose="020B0604020202020204" pitchFamily="34" charset="0"/>
-              <a:buChar char="•"/>
-            </a:pPr>
-            <a:r>
-              <a:rPr lang="en-US" altLang="ko-KR" sz="1400" dirty="0">
-                <a:latin typeface="Arial" panose="020B0604020202020204" pitchFamily="34" charset="0"/>
-                <a:cs typeface="Arial" panose="020B0604020202020204" pitchFamily="34" charset="0"/>
-              </a:rPr>
-              <a:t>When </a:t>
-            </a:r>
-            <a:r>
-              <a:rPr lang="en-US" altLang="ko-KR" sz="1400" b="1" dirty="0">
-                <a:latin typeface="Arial" panose="020B0604020202020204" pitchFamily="34" charset="0"/>
-                <a:cs typeface="Arial" panose="020B0604020202020204" pitchFamily="34" charset="0"/>
-              </a:rPr>
-              <a:t>Reduction_S0 (kcal/mol)</a:t>
-            </a:r>
-            <a:r>
-              <a:rPr lang="en-US" altLang="ko-KR" sz="1400" dirty="0">
-                <a:latin typeface="Arial" panose="020B0604020202020204" pitchFamily="34" charset="0"/>
-                <a:cs typeface="Arial" panose="020B0604020202020204" pitchFamily="34" charset="0"/>
-              </a:rPr>
-              <a:t> increases, Adiabatic_S1-S0 (kcal/mol) </a:t>
-            </a:r>
-            <a:r>
-              <a:rPr lang="en-US" altLang="ko-KR" sz="1400" dirty="0">
-                <a:solidFill>
-                  <a:srgbClr val="FF0000"/>
-                </a:solidFill>
-                <a:latin typeface="Arial" panose="020B0604020202020204" pitchFamily="34" charset="0"/>
-                <a:cs typeface="Arial" panose="020B0604020202020204" pitchFamily="34" charset="0"/>
-              </a:rPr>
-              <a:t>increases</a:t>
-            </a:r>
-            <a:endParaRPr lang="ko-KR" altLang="en-US" sz="1400" dirty="0">
-              <a:solidFill>
-                <a:srgbClr val="FF0000"/>
-              </a:solidFill>
-              <a:latin typeface="Arial" panose="020B0604020202020204" pitchFamily="34" charset="0"/>
-              <a:cs typeface="Arial" panose="020B0604020202020204" pitchFamily="34" charset="0"/>
-            </a:endParaRPr>
-          </a:p>
-        </p:txBody>
-      </p:sp>
-      <mc:AlternateContent xmlns:mc="http://schemas.openxmlformats.org/markup-compatibility/2006" xmlns:a14="http://schemas.microsoft.com/office/drawing/2010/main">
-        <mc:Choice Requires="a14">
-          <p:sp>
-            <p:nvSpPr>
-              <p:cNvPr id="27" name="TextBox 26">
-                <a:extLst>
-                  <a:ext uri="{FF2B5EF4-FFF2-40B4-BE49-F238E27FC236}">
-                    <a16:creationId xmlns:a16="http://schemas.microsoft.com/office/drawing/2014/main" id="{6D3A1159-AA1B-3B3B-2B91-0EA8D2F31AC7}"/>
-                  </a:ext>
-                </a:extLst>
-              </p:cNvPr>
-              <p:cNvSpPr txBox="1"/>
-              <p:nvPr/>
-            </p:nvSpPr>
-            <p:spPr>
-              <a:xfrm>
-                <a:off x="325438" y="1046608"/>
-                <a:ext cx="6474196" cy="1144929"/>
-              </a:xfrm>
-              <a:prstGeom prst="rect">
-                <a:avLst/>
-              </a:prstGeom>
-              <a:noFill/>
-            </p:spPr>
-            <p:txBody>
-              <a:bodyPr wrap="square">
-                <a:spAutoFit/>
-              </a:bodyPr>
-              <a:lstStyle/>
-              <a:p>
-                <a:pPr algn="just" latinLnBrk="1">
-                  <a:spcAft>
-                    <a:spcPts val="800"/>
-                  </a:spcAft>
-                </a:pPr>
-                <a14:m>
-                  <m:oMathPara xmlns:m="http://schemas.openxmlformats.org/officeDocument/2006/math">
-                    <m:oMathParaPr>
-                      <m:jc m:val="centerGroup"/>
-                    </m:oMathParaPr>
-                    <m:oMath xmlns:m="http://schemas.openxmlformats.org/officeDocument/2006/math">
-                      <m:r>
-                        <a:rPr lang="en-US" altLang="ko-KR" sz="1000" i="1" kern="100" smtClean="0">
-                          <a:effectLst/>
-                          <a:latin typeface="Cambria Math" panose="02040503050406030204" pitchFamily="18" charset="0"/>
-                          <a:ea typeface="맑은 고딕" panose="020B0503020000020004" pitchFamily="50" charset="-127"/>
-                          <a:cs typeface="Times New Roman" panose="02020603050405020304" pitchFamily="18" charset="0"/>
-                        </a:rPr>
-                        <m:t>𝑎𝑑𝑖𝑎𝑏𝑎𝑡𝑖𝑐</m:t>
-                      </m:r>
-                      <m:r>
-                        <a:rPr lang="en-US" altLang="ko-KR" sz="1000" i="1" kern="100" smtClean="0">
-                          <a:effectLst/>
-                          <a:latin typeface="Cambria Math" panose="02040503050406030204" pitchFamily="18" charset="0"/>
-                          <a:ea typeface="맑은 고딕" panose="020B0503020000020004" pitchFamily="50" charset="-127"/>
-                          <a:cs typeface="Times New Roman" panose="02020603050405020304" pitchFamily="18" charset="0"/>
-                        </a:rPr>
-                        <m:t> </m:t>
-                      </m:r>
-                      <m:r>
-                        <a:rPr lang="en-US" altLang="ko-KR" sz="1000" i="1" kern="100" smtClean="0">
-                          <a:effectLst/>
-                          <a:latin typeface="Cambria Math" panose="02040503050406030204" pitchFamily="18" charset="0"/>
-                          <a:ea typeface="맑은 고딕" panose="020B0503020000020004" pitchFamily="50" charset="-127"/>
-                          <a:cs typeface="Times New Roman" panose="02020603050405020304" pitchFamily="18" charset="0"/>
-                        </a:rPr>
-                        <m:t>𝑆</m:t>
-                      </m:r>
-                      <m:r>
-                        <a:rPr lang="en-US" altLang="ko-KR" sz="1000" i="1" kern="100" smtClean="0">
-                          <a:effectLst/>
-                          <a:latin typeface="Cambria Math" panose="02040503050406030204" pitchFamily="18" charset="0"/>
-                          <a:ea typeface="맑은 고딕" panose="020B0503020000020004" pitchFamily="50" charset="-127"/>
-                          <a:cs typeface="Times New Roman" panose="02020603050405020304" pitchFamily="18" charset="0"/>
-                        </a:rPr>
-                        <m:t>1−</m:t>
-                      </m:r>
-                      <m:r>
-                        <a:rPr lang="en-US" altLang="ko-KR" sz="1000" i="1" kern="100" smtClean="0">
-                          <a:effectLst/>
-                          <a:latin typeface="Cambria Math" panose="02040503050406030204" pitchFamily="18" charset="0"/>
-                          <a:ea typeface="맑은 고딕" panose="020B0503020000020004" pitchFamily="50" charset="-127"/>
-                          <a:cs typeface="Times New Roman" panose="02020603050405020304" pitchFamily="18" charset="0"/>
-                        </a:rPr>
-                        <m:t>𝑆</m:t>
-                      </m:r>
-                      <m:r>
-                        <a:rPr lang="en-US" altLang="ko-KR" sz="1000" i="1" kern="100" smtClean="0">
-                          <a:effectLst/>
-                          <a:latin typeface="Cambria Math" panose="02040503050406030204" pitchFamily="18" charset="0"/>
-                          <a:ea typeface="맑은 고딕" panose="020B0503020000020004" pitchFamily="50" charset="-127"/>
-                          <a:cs typeface="Times New Roman" panose="02020603050405020304" pitchFamily="18" charset="0"/>
-                        </a:rPr>
-                        <m:t>0 </m:t>
-                      </m:r>
-                      <m:d>
-                        <m:dPr>
-                          <m:ctrlPr>
-                            <a:rPr lang="ko-KR" altLang="ko-KR" sz="1000" i="1" kern="100">
-                              <a:effectLst/>
-                              <a:latin typeface="Cambria Math" panose="02040503050406030204" pitchFamily="18" charset="0"/>
-                              <a:ea typeface="Cambria Math" panose="02040503050406030204" pitchFamily="18" charset="0"/>
-                              <a:cs typeface="Times New Roman" panose="02020603050405020304" pitchFamily="18" charset="0"/>
-                            </a:rPr>
-                          </m:ctrlPr>
-                        </m:dPr>
-                        <m:e>
-                          <m:f>
-                            <m:fPr>
-                              <m:ctrlPr>
-                                <a:rPr lang="ko-KR" altLang="ko-KR" sz="1000" i="1" kern="100">
-                                  <a:effectLst/>
-                                  <a:latin typeface="Cambria Math" panose="02040503050406030204" pitchFamily="18" charset="0"/>
-                                  <a:ea typeface="Cambria Math" panose="02040503050406030204" pitchFamily="18" charset="0"/>
-                                  <a:cs typeface="Times New Roman" panose="02020603050405020304" pitchFamily="18" charset="0"/>
-                                </a:rPr>
-                              </m:ctrlPr>
-                            </m:fPr>
-                            <m:num>
-                              <m:r>
-                                <a:rPr lang="en-US" altLang="ko-KR" sz="1000" i="1" kern="100">
-                                  <a:effectLst/>
-                                  <a:latin typeface="Cambria Math" panose="02040503050406030204" pitchFamily="18" charset="0"/>
-                                  <a:ea typeface="맑은 고딕" panose="020B0503020000020004" pitchFamily="50" charset="-127"/>
-                                  <a:cs typeface="Times New Roman" panose="02020603050405020304" pitchFamily="18" charset="0"/>
-                                </a:rPr>
-                                <m:t>𝑘𝑐𝑎𝑙</m:t>
-                              </m:r>
-                            </m:num>
-                            <m:den>
-                              <m:r>
-                                <a:rPr lang="en-US" altLang="ko-KR" sz="1000" i="1" kern="100">
-                                  <a:effectLst/>
-                                  <a:latin typeface="Cambria Math" panose="02040503050406030204" pitchFamily="18" charset="0"/>
-                                  <a:ea typeface="맑은 고딕" panose="020B0503020000020004" pitchFamily="50" charset="-127"/>
-                                  <a:cs typeface="Times New Roman" panose="02020603050405020304" pitchFamily="18" charset="0"/>
-                                </a:rPr>
-                                <m:t>𝑚𝑜𝑙</m:t>
-                              </m:r>
-                            </m:den>
-                          </m:f>
-                        </m:e>
-                      </m:d>
-                      <m:r>
-                        <a:rPr lang="en-US" altLang="ko-KR" sz="1000" b="0" i="1" kern="100" smtClean="0">
-                          <a:effectLst/>
-                          <a:latin typeface="Cambria Math" panose="02040503050406030204" pitchFamily="18" charset="0"/>
-                          <a:ea typeface="맑은 고딕" panose="020B0503020000020004" pitchFamily="50" charset="-127"/>
-                          <a:cs typeface="Times New Roman" panose="02020603050405020304" pitchFamily="18" charset="0"/>
-                        </a:rPr>
-                        <m:t>=−3.176441+23.346868</m:t>
-                      </m:r>
-                      <m:r>
-                        <a:rPr lang="en-US" altLang="ko-KR" sz="1000" i="1" kern="100">
-                          <a:effectLst/>
-                          <a:latin typeface="Cambria Math" panose="02040503050406030204" pitchFamily="18" charset="0"/>
-                          <a:ea typeface="맑은 고딕" panose="020B0503020000020004" pitchFamily="50" charset="-127"/>
-                          <a:cs typeface="Times New Roman" panose="02020603050405020304" pitchFamily="18" charset="0"/>
-                        </a:rPr>
-                        <m:t>∗</m:t>
-                      </m:r>
-                      <m:r>
-                        <a:rPr lang="en-US" altLang="ko-KR" sz="1000" b="0" i="1" kern="100" smtClean="0">
-                          <a:effectLst/>
-                          <a:latin typeface="Cambria Math" panose="02040503050406030204" pitchFamily="18" charset="0"/>
-                          <a:ea typeface="맑은 고딕" panose="020B0503020000020004" pitchFamily="50" charset="-127"/>
-                          <a:cs typeface="Times New Roman" panose="02020603050405020304" pitchFamily="18" charset="0"/>
-                        </a:rPr>
-                        <m:t>𝑣𝑒𝑟𝑡𝑖𝑐𝑎𝑙</m:t>
-                      </m:r>
-                      <m:r>
-                        <a:rPr lang="en-US" altLang="ko-KR" sz="1000" b="0" i="1" kern="100" smtClean="0">
-                          <a:effectLst/>
-                          <a:latin typeface="Cambria Math" panose="02040503050406030204" pitchFamily="18" charset="0"/>
-                          <a:ea typeface="맑은 고딕" panose="020B0503020000020004" pitchFamily="50" charset="-127"/>
-                          <a:cs typeface="Times New Roman" panose="02020603050405020304" pitchFamily="18" charset="0"/>
-                        </a:rPr>
-                        <m:t> </m:t>
-                      </m:r>
-                      <m:r>
-                        <a:rPr lang="en-US" altLang="ko-KR" sz="1000" b="0" i="1" kern="100" smtClean="0">
-                          <a:effectLst/>
-                          <a:latin typeface="Cambria Math" panose="02040503050406030204" pitchFamily="18" charset="0"/>
-                          <a:ea typeface="맑은 고딕" panose="020B0503020000020004" pitchFamily="50" charset="-127"/>
-                          <a:cs typeface="Times New Roman" panose="02020603050405020304" pitchFamily="18" charset="0"/>
-                        </a:rPr>
-                        <m:t>𝑒𝑥𝑐𝑖𝑡𝑎𝑡𝑖𝑜𝑛</m:t>
-                      </m:r>
-                      <m:r>
-                        <a:rPr lang="en-US" altLang="ko-KR" sz="1000" b="0" i="1" kern="100" smtClean="0">
-                          <a:effectLst/>
-                          <a:latin typeface="Cambria Math" panose="02040503050406030204" pitchFamily="18" charset="0"/>
-                          <a:ea typeface="맑은 고딕" panose="020B0503020000020004" pitchFamily="50" charset="-127"/>
-                          <a:cs typeface="Times New Roman" panose="02020603050405020304" pitchFamily="18" charset="0"/>
-                        </a:rPr>
-                        <m:t> </m:t>
-                      </m:r>
-                      <m:r>
-                        <a:rPr lang="en-US" altLang="ko-KR" sz="1000" b="0" i="1" kern="100" smtClean="0">
-                          <a:effectLst/>
-                          <a:latin typeface="Cambria Math" panose="02040503050406030204" pitchFamily="18" charset="0"/>
-                          <a:ea typeface="맑은 고딕" panose="020B0503020000020004" pitchFamily="50" charset="-127"/>
-                          <a:cs typeface="Times New Roman" panose="02020603050405020304" pitchFamily="18" charset="0"/>
-                        </a:rPr>
-                        <m:t>𝑒𝑛𝑒𝑟𝑔𝑦</m:t>
-                      </m:r>
-                      <m:r>
-                        <a:rPr lang="en-US" altLang="ko-KR" sz="1000" i="1" kern="100">
-                          <a:effectLst/>
-                          <a:latin typeface="Cambria Math" panose="02040503050406030204" pitchFamily="18" charset="0"/>
-                          <a:ea typeface="맑은 고딕" panose="020B0503020000020004" pitchFamily="50" charset="-127"/>
-                          <a:cs typeface="Times New Roman" panose="02020603050405020304" pitchFamily="18" charset="0"/>
-                        </a:rPr>
-                        <m:t> </m:t>
-                      </m:r>
-                      <m:d>
-                        <m:dPr>
-                          <m:ctrlPr>
-                            <a:rPr lang="ko-KR" altLang="ko-KR" sz="1000" i="1" kern="100">
-                              <a:effectLst/>
-                              <a:latin typeface="Cambria Math" panose="02040503050406030204" pitchFamily="18" charset="0"/>
-                              <a:ea typeface="Cambria Math" panose="02040503050406030204" pitchFamily="18" charset="0"/>
-                              <a:cs typeface="Times New Roman" panose="02020603050405020304" pitchFamily="18" charset="0"/>
-                            </a:rPr>
-                          </m:ctrlPr>
-                        </m:dPr>
-                        <m:e>
-                          <m:r>
-                            <a:rPr lang="en-US" altLang="ko-KR" sz="1000" i="1" kern="100">
-                              <a:effectLst/>
-                              <a:latin typeface="Cambria Math" panose="02040503050406030204" pitchFamily="18" charset="0"/>
-                              <a:ea typeface="맑은 고딕" panose="020B0503020000020004" pitchFamily="50" charset="-127"/>
-                              <a:cs typeface="Times New Roman" panose="02020603050405020304" pitchFamily="18" charset="0"/>
-                            </a:rPr>
-                            <m:t>𝑒𝑉</m:t>
-                          </m:r>
-                        </m:e>
-                      </m:d>
-                      <m:r>
-                        <a:rPr lang="en-US" altLang="ko-KR" sz="1000" b="0" i="1" kern="100" smtClean="0">
-                          <a:effectLst/>
-                          <a:latin typeface="Cambria Math" panose="02040503050406030204" pitchFamily="18" charset="0"/>
-                          <a:ea typeface="맑은 고딕" panose="020B0503020000020004" pitchFamily="50" charset="-127"/>
-                          <a:cs typeface="Times New Roman" panose="02020603050405020304" pitchFamily="18" charset="0"/>
-                        </a:rPr>
-                        <m:t>   </m:t>
-                      </m:r>
-                      <m:r>
-                        <a:rPr lang="en-US" altLang="ko-KR" sz="1000" i="1" kern="100">
-                          <a:effectLst/>
-                          <a:latin typeface="Cambria Math" panose="02040503050406030204" pitchFamily="18" charset="0"/>
-                          <a:ea typeface="맑은 고딕" panose="020B0503020000020004" pitchFamily="50" charset="-127"/>
-                          <a:cs typeface="Times New Roman" panose="02020603050405020304" pitchFamily="18" charset="0"/>
-                        </a:rPr>
-                        <m:t>                                 </m:t>
-                      </m:r>
-                    </m:oMath>
-                  </m:oMathPara>
-                </a14:m>
-                <a:endParaRPr lang="ko-KR" altLang="ko-KR" sz="1000" kern="100" dirty="0">
-                  <a:effectLst/>
-                  <a:latin typeface="맑은 고딕" panose="020B0503020000020004" pitchFamily="50" charset="-127"/>
-                  <a:ea typeface="맑은 고딕" panose="020B0503020000020004" pitchFamily="50" charset="-127"/>
-                  <a:cs typeface="Times New Roman" panose="02020603050405020304" pitchFamily="18" charset="0"/>
-                </a:endParaRPr>
-              </a:p>
-              <a:p>
-                <a:pPr algn="just" latinLnBrk="1">
-                  <a:spcAft>
-                    <a:spcPts val="800"/>
-                  </a:spcAft>
-                </a:pPr>
-                <a14:m>
-                  <m:oMathPara xmlns:m="http://schemas.openxmlformats.org/officeDocument/2006/math">
-                    <m:oMathParaPr>
-                      <m:jc m:val="centerGroup"/>
-                    </m:oMathParaPr>
-                    <m:oMath xmlns:m="http://schemas.openxmlformats.org/officeDocument/2006/math">
-                      <m:r>
-                        <a:rPr lang="en-US" altLang="ko-KR" sz="1000" i="1" kern="100">
-                          <a:effectLst/>
-                          <a:latin typeface="Cambria Math" panose="02040503050406030204" pitchFamily="18" charset="0"/>
-                          <a:ea typeface="맑은 고딕" panose="020B0503020000020004" pitchFamily="50" charset="-127"/>
-                          <a:cs typeface="Times New Roman" panose="02020603050405020304" pitchFamily="18" charset="0"/>
-                        </a:rPr>
-                        <m:t>                                     </m:t>
-                      </m:r>
-                      <m:r>
-                        <a:rPr lang="en-US" altLang="ko-KR" sz="1000" b="0" i="1" kern="100" smtClean="0">
-                          <a:effectLst/>
-                          <a:latin typeface="Cambria Math" panose="02040503050406030204" pitchFamily="18" charset="0"/>
-                          <a:ea typeface="맑은 고딕" panose="020B0503020000020004" pitchFamily="50" charset="-127"/>
-                          <a:cs typeface="Times New Roman" panose="02020603050405020304" pitchFamily="18" charset="0"/>
-                        </a:rPr>
-                        <m:t>            </m:t>
-                      </m:r>
-                      <m:r>
-                        <a:rPr lang="en-US" altLang="ko-KR" sz="1000" i="1" kern="100">
-                          <a:effectLst/>
-                          <a:latin typeface="Cambria Math" panose="02040503050406030204" pitchFamily="18" charset="0"/>
-                          <a:ea typeface="맑은 고딕" panose="020B0503020000020004" pitchFamily="50" charset="-127"/>
-                          <a:cs typeface="Times New Roman" panose="02020603050405020304" pitchFamily="18" charset="0"/>
-                        </a:rPr>
-                        <m:t>+</m:t>
-                      </m:r>
-                      <m:r>
-                        <a:rPr lang="en-US" altLang="ko-KR" sz="1000" b="0" i="1" kern="100" smtClean="0">
-                          <a:effectLst/>
-                          <a:latin typeface="Cambria Math" panose="02040503050406030204" pitchFamily="18" charset="0"/>
-                          <a:ea typeface="맑은 고딕" panose="020B0503020000020004" pitchFamily="50" charset="-127"/>
-                          <a:cs typeface="Times New Roman" panose="02020603050405020304" pitchFamily="18" charset="0"/>
-                        </a:rPr>
-                        <m:t> </m:t>
-                      </m:r>
-                      <m:r>
-                        <a:rPr lang="en-US" altLang="ko-KR" sz="1000" i="1" kern="100">
-                          <a:effectLst/>
-                          <a:latin typeface="Cambria Math" panose="02040503050406030204" pitchFamily="18" charset="0"/>
-                          <a:ea typeface="맑은 고딕" panose="020B0503020000020004" pitchFamily="50" charset="-127"/>
-                          <a:cs typeface="Times New Roman" panose="02020603050405020304" pitchFamily="18" charset="0"/>
-                        </a:rPr>
-                        <m:t>0.</m:t>
-                      </m:r>
-                      <m:r>
-                        <a:rPr lang="en-US" altLang="ko-KR" sz="1000" b="0" i="1" kern="100" smtClean="0">
-                          <a:effectLst/>
-                          <a:latin typeface="Cambria Math" panose="02040503050406030204" pitchFamily="18" charset="0"/>
-                          <a:ea typeface="맑은 고딕" panose="020B0503020000020004" pitchFamily="50" charset="-127"/>
-                          <a:cs typeface="Times New Roman" panose="02020603050405020304" pitchFamily="18" charset="0"/>
-                        </a:rPr>
-                        <m:t>111848</m:t>
-                      </m:r>
-                      <m:r>
-                        <a:rPr lang="en-US" altLang="ko-KR" sz="1000" i="1" kern="100">
-                          <a:effectLst/>
-                          <a:latin typeface="Cambria Math" panose="02040503050406030204" pitchFamily="18" charset="0"/>
-                          <a:ea typeface="맑은 고딕" panose="020B0503020000020004" pitchFamily="50" charset="-127"/>
-                          <a:cs typeface="Times New Roman" panose="02020603050405020304" pitchFamily="18" charset="0"/>
-                        </a:rPr>
-                        <m:t>∗</m:t>
-                      </m:r>
-                      <m:r>
-                        <a:rPr lang="en-US" altLang="ko-KR" sz="1000" i="1" kern="100">
-                          <a:effectLst/>
-                          <a:latin typeface="Cambria Math" panose="02040503050406030204" pitchFamily="18" charset="0"/>
-                          <a:ea typeface="맑은 고딕" panose="020B0503020000020004" pitchFamily="50" charset="-127"/>
-                          <a:cs typeface="Times New Roman" panose="02020603050405020304" pitchFamily="18" charset="0"/>
-                        </a:rPr>
-                        <m:t>𝑑𝑖𝑝𝑜𝑙𝑒</m:t>
-                      </m:r>
-                      <m:r>
-                        <a:rPr lang="en-US" altLang="ko-KR" sz="1000" i="1" kern="100">
-                          <a:effectLst/>
-                          <a:latin typeface="Cambria Math" panose="02040503050406030204" pitchFamily="18" charset="0"/>
-                          <a:ea typeface="맑은 고딕" panose="020B0503020000020004" pitchFamily="50" charset="-127"/>
-                          <a:cs typeface="Times New Roman" panose="02020603050405020304" pitchFamily="18" charset="0"/>
-                        </a:rPr>
-                        <m:t> </m:t>
-                      </m:r>
-                      <m:r>
-                        <a:rPr lang="en-US" altLang="ko-KR" sz="1000" i="1" kern="100">
-                          <a:effectLst/>
-                          <a:latin typeface="Cambria Math" panose="02040503050406030204" pitchFamily="18" charset="0"/>
-                          <a:ea typeface="맑은 고딕" panose="020B0503020000020004" pitchFamily="50" charset="-127"/>
-                          <a:cs typeface="Times New Roman" panose="02020603050405020304" pitchFamily="18" charset="0"/>
-                        </a:rPr>
-                        <m:t>𝑚𝑜𝑚𝑒𝑛𝑡</m:t>
-                      </m:r>
-                      <m:r>
-                        <a:rPr lang="en-US" altLang="ko-KR" sz="1000" i="1" kern="100">
-                          <a:effectLst/>
-                          <a:latin typeface="Cambria Math" panose="02040503050406030204" pitchFamily="18" charset="0"/>
-                          <a:ea typeface="맑은 고딕" panose="020B0503020000020004" pitchFamily="50" charset="-127"/>
-                          <a:cs typeface="Times New Roman" panose="02020603050405020304" pitchFamily="18" charset="0"/>
-                        </a:rPr>
-                        <m:t> </m:t>
-                      </m:r>
-                      <m:r>
-                        <a:rPr lang="en-US" altLang="ko-KR" sz="1000" i="1" kern="100">
-                          <a:effectLst/>
-                          <a:latin typeface="Cambria Math" panose="02040503050406030204" pitchFamily="18" charset="0"/>
-                          <a:ea typeface="맑은 고딕" panose="020B0503020000020004" pitchFamily="50" charset="-127"/>
-                          <a:cs typeface="Times New Roman" panose="02020603050405020304" pitchFamily="18" charset="0"/>
-                        </a:rPr>
-                        <m:t>𝑛𝑜𝑟𝑚</m:t>
-                      </m:r>
-                      <m:r>
-                        <a:rPr lang="en-US" altLang="ko-KR" sz="1000" i="1" kern="100">
-                          <a:effectLst/>
-                          <a:latin typeface="Cambria Math" panose="02040503050406030204" pitchFamily="18" charset="0"/>
-                          <a:ea typeface="맑은 고딕" panose="020B0503020000020004" pitchFamily="50" charset="-127"/>
-                          <a:cs typeface="Times New Roman" panose="02020603050405020304" pitchFamily="18" charset="0"/>
-                        </a:rPr>
-                        <m:t> </m:t>
-                      </m:r>
-                      <m:r>
-                        <a:rPr lang="en-US" altLang="ko-KR" sz="1000" i="1" kern="100">
-                          <a:effectLst/>
-                          <a:latin typeface="Cambria Math" panose="02040503050406030204" pitchFamily="18" charset="0"/>
-                          <a:ea typeface="맑은 고딕" panose="020B0503020000020004" pitchFamily="50" charset="-127"/>
-                          <a:cs typeface="Times New Roman" panose="02020603050405020304" pitchFamily="18" charset="0"/>
-                        </a:rPr>
-                        <m:t>𝑆</m:t>
-                      </m:r>
-                      <m:r>
-                        <a:rPr lang="en-US" altLang="ko-KR" sz="1000" i="1" kern="100">
-                          <a:effectLst/>
-                          <a:latin typeface="Cambria Math" panose="02040503050406030204" pitchFamily="18" charset="0"/>
-                          <a:ea typeface="맑은 고딕" panose="020B0503020000020004" pitchFamily="50" charset="-127"/>
-                          <a:cs typeface="Times New Roman" panose="02020603050405020304" pitchFamily="18" charset="0"/>
-                        </a:rPr>
-                        <m:t>1 </m:t>
-                      </m:r>
-                      <m:d>
-                        <m:dPr>
-                          <m:ctrlPr>
-                            <a:rPr lang="ko-KR" altLang="ko-KR" sz="1000" i="1" kern="100">
-                              <a:effectLst/>
-                              <a:latin typeface="Cambria Math" panose="02040503050406030204" pitchFamily="18" charset="0"/>
-                              <a:ea typeface="Cambria Math" panose="02040503050406030204" pitchFamily="18" charset="0"/>
-                              <a:cs typeface="Times New Roman" panose="02020603050405020304" pitchFamily="18" charset="0"/>
-                            </a:rPr>
-                          </m:ctrlPr>
-                        </m:dPr>
-                        <m:e>
-                          <m:r>
-                            <a:rPr lang="en-US" altLang="ko-KR" sz="1000" i="1" kern="100">
-                              <a:effectLst/>
-                              <a:latin typeface="Cambria Math" panose="02040503050406030204" pitchFamily="18" charset="0"/>
-                              <a:ea typeface="맑은 고딕" panose="020B0503020000020004" pitchFamily="50" charset="-127"/>
-                              <a:cs typeface="Times New Roman" panose="02020603050405020304" pitchFamily="18" charset="0"/>
-                            </a:rPr>
-                            <m:t>𝐷</m:t>
-                          </m:r>
-                        </m:e>
-                      </m:d>
-                      <m:r>
-                        <a:rPr lang="en-US" altLang="ko-KR" sz="1000" i="1" kern="100">
-                          <a:effectLst/>
-                          <a:latin typeface="Cambria Math" panose="02040503050406030204" pitchFamily="18" charset="0"/>
-                          <a:ea typeface="맑은 고딕" panose="020B0503020000020004" pitchFamily="50" charset="-127"/>
-                          <a:cs typeface="Times New Roman" panose="02020603050405020304" pitchFamily="18" charset="0"/>
-                        </a:rPr>
-                        <m:t>−0.0</m:t>
-                      </m:r>
-                      <m:r>
-                        <a:rPr lang="en-US" altLang="ko-KR" sz="1000" b="0" i="1" kern="100" smtClean="0">
-                          <a:effectLst/>
-                          <a:latin typeface="Cambria Math" panose="02040503050406030204" pitchFamily="18" charset="0"/>
-                          <a:ea typeface="맑은 고딕" panose="020B0503020000020004" pitchFamily="50" charset="-127"/>
-                          <a:cs typeface="Times New Roman" panose="02020603050405020304" pitchFamily="18" charset="0"/>
-                        </a:rPr>
-                        <m:t>44554</m:t>
-                      </m:r>
-                      <m:r>
-                        <a:rPr lang="en-US" altLang="ko-KR" sz="1000" i="1" kern="100">
-                          <a:effectLst/>
-                          <a:latin typeface="Cambria Math" panose="02040503050406030204" pitchFamily="18" charset="0"/>
-                          <a:ea typeface="맑은 고딕" panose="020B0503020000020004" pitchFamily="50" charset="-127"/>
-                          <a:cs typeface="Times New Roman" panose="02020603050405020304" pitchFamily="18" charset="0"/>
-                        </a:rPr>
-                        <m:t>∗</m:t>
-                      </m:r>
-                      <m:r>
-                        <a:rPr lang="en-US" altLang="ko-KR" sz="1000" i="1" kern="100">
-                          <a:effectLst/>
-                          <a:latin typeface="Cambria Math" panose="02040503050406030204" pitchFamily="18" charset="0"/>
-                          <a:ea typeface="맑은 고딕" panose="020B0503020000020004" pitchFamily="50" charset="-127"/>
-                          <a:cs typeface="Times New Roman" panose="02020603050405020304" pitchFamily="18" charset="0"/>
-                        </a:rPr>
-                        <m:t>𝑑𝑖𝑝𝑜𝑙𝑒</m:t>
-                      </m:r>
-                      <m:r>
-                        <a:rPr lang="en-US" altLang="ko-KR" sz="1000" i="1" kern="100">
-                          <a:effectLst/>
-                          <a:latin typeface="Cambria Math" panose="02040503050406030204" pitchFamily="18" charset="0"/>
-                          <a:ea typeface="맑은 고딕" panose="020B0503020000020004" pitchFamily="50" charset="-127"/>
-                          <a:cs typeface="Times New Roman" panose="02020603050405020304" pitchFamily="18" charset="0"/>
-                        </a:rPr>
-                        <m:t> </m:t>
-                      </m:r>
-                      <m:r>
-                        <a:rPr lang="en-US" altLang="ko-KR" sz="1000" i="1" kern="100">
-                          <a:effectLst/>
-                          <a:latin typeface="Cambria Math" panose="02040503050406030204" pitchFamily="18" charset="0"/>
-                          <a:ea typeface="맑은 고딕" panose="020B0503020000020004" pitchFamily="50" charset="-127"/>
-                          <a:cs typeface="Times New Roman" panose="02020603050405020304" pitchFamily="18" charset="0"/>
-                        </a:rPr>
-                        <m:t>𝑚𝑜𝑚𝑒𝑛𝑡</m:t>
-                      </m:r>
-                      <m:r>
-                        <a:rPr lang="en-US" altLang="ko-KR" sz="1000" i="1" kern="100">
-                          <a:effectLst/>
-                          <a:latin typeface="Cambria Math" panose="02040503050406030204" pitchFamily="18" charset="0"/>
-                          <a:ea typeface="맑은 고딕" panose="020B0503020000020004" pitchFamily="50" charset="-127"/>
-                          <a:cs typeface="Times New Roman" panose="02020603050405020304" pitchFamily="18" charset="0"/>
-                        </a:rPr>
-                        <m:t> </m:t>
-                      </m:r>
-                      <m:r>
-                        <a:rPr lang="en-US" altLang="ko-KR" sz="1000" i="1" kern="100">
-                          <a:effectLst/>
-                          <a:latin typeface="Cambria Math" panose="02040503050406030204" pitchFamily="18" charset="0"/>
-                          <a:ea typeface="맑은 고딕" panose="020B0503020000020004" pitchFamily="50" charset="-127"/>
-                          <a:cs typeface="Times New Roman" panose="02020603050405020304" pitchFamily="18" charset="0"/>
-                        </a:rPr>
-                        <m:t>𝑛𝑜𝑟𝑚</m:t>
-                      </m:r>
-                      <m:r>
-                        <a:rPr lang="en-US" altLang="ko-KR" sz="1000" i="1" kern="100">
-                          <a:effectLst/>
-                          <a:latin typeface="Cambria Math" panose="02040503050406030204" pitchFamily="18" charset="0"/>
-                          <a:ea typeface="맑은 고딕" panose="020B0503020000020004" pitchFamily="50" charset="-127"/>
-                          <a:cs typeface="Times New Roman" panose="02020603050405020304" pitchFamily="18" charset="0"/>
-                        </a:rPr>
-                        <m:t> </m:t>
-                      </m:r>
-                      <m:r>
-                        <a:rPr lang="en-US" altLang="ko-KR" sz="1000" i="1" kern="100">
-                          <a:effectLst/>
-                          <a:latin typeface="Cambria Math" panose="02040503050406030204" pitchFamily="18" charset="0"/>
-                          <a:ea typeface="맑은 고딕" panose="020B0503020000020004" pitchFamily="50" charset="-127"/>
-                          <a:cs typeface="Times New Roman" panose="02020603050405020304" pitchFamily="18" charset="0"/>
-                        </a:rPr>
-                        <m:t>𝑇</m:t>
-                      </m:r>
-                      <m:r>
-                        <a:rPr lang="en-US" altLang="ko-KR" sz="1000" i="1" kern="100">
-                          <a:effectLst/>
-                          <a:latin typeface="Cambria Math" panose="02040503050406030204" pitchFamily="18" charset="0"/>
-                          <a:ea typeface="맑은 고딕" panose="020B0503020000020004" pitchFamily="50" charset="-127"/>
-                          <a:cs typeface="Times New Roman" panose="02020603050405020304" pitchFamily="18" charset="0"/>
-                        </a:rPr>
-                        <m:t>1 </m:t>
-                      </m:r>
-                      <m:d>
-                        <m:dPr>
-                          <m:ctrlPr>
-                            <a:rPr lang="ko-KR" altLang="ko-KR" sz="1000" i="1" kern="100">
-                              <a:effectLst/>
-                              <a:latin typeface="Cambria Math" panose="02040503050406030204" pitchFamily="18" charset="0"/>
-                              <a:ea typeface="Cambria Math" panose="02040503050406030204" pitchFamily="18" charset="0"/>
-                              <a:cs typeface="Times New Roman" panose="02020603050405020304" pitchFamily="18" charset="0"/>
-                            </a:rPr>
-                          </m:ctrlPr>
-                        </m:dPr>
-                        <m:e>
-                          <m:r>
-                            <a:rPr lang="en-US" altLang="ko-KR" sz="1000" i="1" kern="100">
-                              <a:effectLst/>
-                              <a:latin typeface="Cambria Math" panose="02040503050406030204" pitchFamily="18" charset="0"/>
-                              <a:ea typeface="맑은 고딕" panose="020B0503020000020004" pitchFamily="50" charset="-127"/>
-                              <a:cs typeface="Times New Roman" panose="02020603050405020304" pitchFamily="18" charset="0"/>
-                            </a:rPr>
-                            <m:t>𝐷</m:t>
-                          </m:r>
-                        </m:e>
-                      </m:d>
-                    </m:oMath>
-                  </m:oMathPara>
-                </a14:m>
-                <a:endParaRPr lang="ko-KR" altLang="ko-KR" sz="1000" kern="100" dirty="0">
-                  <a:effectLst/>
-                  <a:latin typeface="맑은 고딕" panose="020B0503020000020004" pitchFamily="50" charset="-127"/>
-                  <a:ea typeface="맑은 고딕" panose="020B0503020000020004" pitchFamily="50" charset="-127"/>
-                  <a:cs typeface="Times New Roman" panose="02020603050405020304" pitchFamily="18" charset="0"/>
-                </a:endParaRPr>
-              </a:p>
-              <a:p>
-                <a:pPr algn="just" latinLnBrk="1">
-                  <a:spcAft>
-                    <a:spcPts val="800"/>
-                  </a:spcAft>
-                </a:pPr>
-                <a14:m>
-                  <m:oMathPara xmlns:m="http://schemas.openxmlformats.org/officeDocument/2006/math">
-                    <m:oMathParaPr>
-                      <m:jc m:val="centerGroup"/>
-                    </m:oMathParaPr>
-                    <m:oMath xmlns:m="http://schemas.openxmlformats.org/officeDocument/2006/math">
-                      <m:r>
-                        <a:rPr lang="en-US" altLang="ko-KR" sz="1000" i="1" kern="100">
-                          <a:latin typeface="Cambria Math" panose="02040503050406030204" pitchFamily="18" charset="0"/>
-                          <a:ea typeface="맑은 고딕" panose="020B0503020000020004" pitchFamily="50" charset="-127"/>
-                          <a:cs typeface="Times New Roman" panose="02020603050405020304" pitchFamily="18" charset="0"/>
-                        </a:rPr>
-                        <m:t> </m:t>
-                      </m:r>
-                      <m:r>
-                        <a:rPr lang="en-US" altLang="ko-KR" sz="1000" i="1" kern="100" smtClean="0">
-                          <a:effectLst/>
-                          <a:latin typeface="Cambria Math" panose="02040503050406030204" pitchFamily="18" charset="0"/>
-                          <a:ea typeface="맑은 고딕" panose="020B0503020000020004" pitchFamily="50" charset="-127"/>
-                          <a:cs typeface="Times New Roman" panose="02020603050405020304" pitchFamily="18" charset="0"/>
-                        </a:rPr>
-                        <m:t> </m:t>
-                      </m:r>
-                      <m:r>
-                        <a:rPr lang="en-US" altLang="ko-KR" sz="1000" b="0" i="1" kern="100" smtClean="0">
-                          <a:effectLst/>
-                          <a:latin typeface="Cambria Math" panose="02040503050406030204" pitchFamily="18" charset="0"/>
-                          <a:ea typeface="맑은 고딕" panose="020B0503020000020004" pitchFamily="50" charset="-127"/>
-                          <a:cs typeface="Times New Roman" panose="02020603050405020304" pitchFamily="18" charset="0"/>
-                        </a:rPr>
-                        <m:t>− 1.79371</m:t>
-                      </m:r>
-                      <m:r>
-                        <a:rPr lang="en-US" altLang="ko-KR" sz="1000" i="1" kern="100">
-                          <a:effectLst/>
-                          <a:latin typeface="Cambria Math" panose="02040503050406030204" pitchFamily="18" charset="0"/>
-                          <a:ea typeface="맑은 고딕" panose="020B0503020000020004" pitchFamily="50" charset="-127"/>
-                          <a:cs typeface="Times New Roman" panose="02020603050405020304" pitchFamily="18" charset="0"/>
-                        </a:rPr>
-                        <m:t>∗0−0 </m:t>
-                      </m:r>
-                      <m:r>
-                        <a:rPr lang="en-US" altLang="ko-KR" sz="1000" b="0" i="1" kern="100" smtClean="0">
-                          <a:effectLst/>
-                          <a:latin typeface="Cambria Math" panose="02040503050406030204" pitchFamily="18" charset="0"/>
-                          <a:ea typeface="맑은 고딕" panose="020B0503020000020004" pitchFamily="50" charset="-127"/>
-                          <a:cs typeface="Times New Roman" panose="02020603050405020304" pitchFamily="18" charset="0"/>
-                        </a:rPr>
-                        <m:t>𝑇</m:t>
-                      </m:r>
-                      <m:r>
-                        <a:rPr lang="en-US" altLang="ko-KR" sz="1000" i="1" kern="100">
-                          <a:effectLst/>
-                          <a:latin typeface="Cambria Math" panose="02040503050406030204" pitchFamily="18" charset="0"/>
-                          <a:ea typeface="맑은 고딕" panose="020B0503020000020004" pitchFamily="50" charset="-127"/>
-                          <a:cs typeface="Times New Roman" panose="02020603050405020304" pitchFamily="18" charset="0"/>
-                        </a:rPr>
-                        <m:t>1 </m:t>
-                      </m:r>
-                      <m:d>
-                        <m:dPr>
-                          <m:ctrlPr>
-                            <a:rPr lang="ko-KR" altLang="ko-KR" sz="1000" i="1" kern="100">
-                              <a:effectLst/>
-                              <a:latin typeface="Cambria Math" panose="02040503050406030204" pitchFamily="18" charset="0"/>
-                              <a:ea typeface="Cambria Math" panose="02040503050406030204" pitchFamily="18" charset="0"/>
-                              <a:cs typeface="Times New Roman" panose="02020603050405020304" pitchFamily="18" charset="0"/>
-                            </a:rPr>
-                          </m:ctrlPr>
-                        </m:dPr>
-                        <m:e>
-                          <m:r>
-                            <a:rPr lang="en-US" altLang="ko-KR" sz="1000" i="1" kern="100">
-                              <a:effectLst/>
-                              <a:latin typeface="Cambria Math" panose="02040503050406030204" pitchFamily="18" charset="0"/>
-                              <a:ea typeface="맑은 고딕" panose="020B0503020000020004" pitchFamily="50" charset="-127"/>
-                              <a:cs typeface="Times New Roman" panose="02020603050405020304" pitchFamily="18" charset="0"/>
-                            </a:rPr>
-                            <m:t>𝑒𝑉</m:t>
-                          </m:r>
-                        </m:e>
-                      </m:d>
-                      <m:r>
-                        <a:rPr lang="en-US" altLang="ko-KR" sz="1000" i="1" kern="100">
-                          <a:effectLst/>
-                          <a:latin typeface="Cambria Math" panose="02040503050406030204" pitchFamily="18" charset="0"/>
-                          <a:ea typeface="맑은 고딕" panose="020B0503020000020004" pitchFamily="50" charset="-127"/>
-                          <a:cs typeface="Times New Roman" panose="02020603050405020304" pitchFamily="18" charset="0"/>
-                        </a:rPr>
-                        <m:t>+0.0</m:t>
-                      </m:r>
-                      <m:r>
-                        <a:rPr lang="en-US" altLang="ko-KR" sz="1000" b="0" i="1" kern="100" smtClean="0">
-                          <a:effectLst/>
-                          <a:latin typeface="Cambria Math" panose="02040503050406030204" pitchFamily="18" charset="0"/>
-                          <a:ea typeface="맑은 고딕" panose="020B0503020000020004" pitchFamily="50" charset="-127"/>
-                          <a:cs typeface="Times New Roman" panose="02020603050405020304" pitchFamily="18" charset="0"/>
-                        </a:rPr>
-                        <m:t>55679</m:t>
-                      </m:r>
-                      <m:r>
-                        <a:rPr lang="en-US" altLang="ko-KR" sz="1000" i="1" kern="100">
-                          <a:effectLst/>
-                          <a:latin typeface="Cambria Math" panose="02040503050406030204" pitchFamily="18" charset="0"/>
-                          <a:ea typeface="맑은 고딕" panose="020B0503020000020004" pitchFamily="50" charset="-127"/>
-                          <a:cs typeface="Times New Roman" panose="02020603050405020304" pitchFamily="18" charset="0"/>
-                        </a:rPr>
-                        <m:t>∗</m:t>
-                      </m:r>
-                      <m:r>
-                        <a:rPr lang="en-US" altLang="ko-KR" sz="1000" b="0" i="1" kern="100" smtClean="0">
-                          <a:effectLst/>
-                          <a:latin typeface="Cambria Math" panose="02040503050406030204" pitchFamily="18" charset="0"/>
-                          <a:ea typeface="맑은 고딕" panose="020B0503020000020004" pitchFamily="50" charset="-127"/>
-                          <a:cs typeface="Times New Roman" panose="02020603050405020304" pitchFamily="18" charset="0"/>
-                        </a:rPr>
-                        <m:t>𝑟𝑒𝑑𝑢𝑐𝑡𝑖𝑜𝑛</m:t>
-                      </m:r>
-                      <m:r>
-                        <a:rPr lang="en-US" altLang="ko-KR" sz="1000" b="0" i="1" kern="100" smtClean="0">
-                          <a:effectLst/>
-                          <a:latin typeface="Cambria Math" panose="02040503050406030204" pitchFamily="18" charset="0"/>
-                          <a:ea typeface="맑은 고딕" panose="020B0503020000020004" pitchFamily="50" charset="-127"/>
-                          <a:cs typeface="Times New Roman" panose="02020603050405020304" pitchFamily="18" charset="0"/>
-                        </a:rPr>
-                        <m:t> </m:t>
-                      </m:r>
-                      <m:r>
-                        <a:rPr lang="en-US" altLang="ko-KR" sz="1000" i="1" kern="100">
-                          <a:effectLst/>
-                          <a:latin typeface="Cambria Math" panose="02040503050406030204" pitchFamily="18" charset="0"/>
-                          <a:ea typeface="맑은 고딕" panose="020B0503020000020004" pitchFamily="50" charset="-127"/>
-                          <a:cs typeface="Times New Roman" panose="02020603050405020304" pitchFamily="18" charset="0"/>
-                        </a:rPr>
-                        <m:t>𝑆</m:t>
-                      </m:r>
-                      <m:r>
-                        <a:rPr lang="en-US" altLang="ko-KR" sz="1000" i="1" kern="100">
-                          <a:effectLst/>
-                          <a:latin typeface="Cambria Math" panose="02040503050406030204" pitchFamily="18" charset="0"/>
-                          <a:ea typeface="맑은 고딕" panose="020B0503020000020004" pitchFamily="50" charset="-127"/>
-                          <a:cs typeface="Times New Roman" panose="02020603050405020304" pitchFamily="18" charset="0"/>
-                        </a:rPr>
-                        <m:t>0 </m:t>
-                      </m:r>
-                      <m:d>
-                        <m:dPr>
-                          <m:ctrlPr>
-                            <a:rPr lang="ko-KR" altLang="ko-KR" sz="1000" i="1" kern="100">
-                              <a:latin typeface="Cambria Math" panose="02040503050406030204" pitchFamily="18" charset="0"/>
-                              <a:ea typeface="Cambria Math" panose="02040503050406030204" pitchFamily="18" charset="0"/>
-                              <a:cs typeface="Times New Roman" panose="02020603050405020304" pitchFamily="18" charset="0"/>
-                            </a:rPr>
-                          </m:ctrlPr>
-                        </m:dPr>
-                        <m:e>
-                          <m:f>
-                            <m:fPr>
-                              <m:ctrlPr>
-                                <a:rPr lang="ko-KR" altLang="ko-KR" sz="1000" i="1" kern="100">
-                                  <a:latin typeface="Cambria Math" panose="02040503050406030204" pitchFamily="18" charset="0"/>
-                                  <a:ea typeface="Cambria Math" panose="02040503050406030204" pitchFamily="18" charset="0"/>
-                                  <a:cs typeface="Times New Roman" panose="02020603050405020304" pitchFamily="18" charset="0"/>
-                                </a:rPr>
-                              </m:ctrlPr>
-                            </m:fPr>
-                            <m:num>
-                              <m:r>
-                                <a:rPr lang="en-US" altLang="ko-KR" sz="1000" i="1" kern="100">
-                                  <a:latin typeface="Cambria Math" panose="02040503050406030204" pitchFamily="18" charset="0"/>
-                                  <a:cs typeface="Times New Roman" panose="02020603050405020304" pitchFamily="18" charset="0"/>
-                                </a:rPr>
-                                <m:t>𝑘𝑐𝑎𝑙</m:t>
-                              </m:r>
-                            </m:num>
-                            <m:den>
-                              <m:r>
-                                <a:rPr lang="en-US" altLang="ko-KR" sz="1000" i="1" kern="100">
-                                  <a:latin typeface="Cambria Math" panose="02040503050406030204" pitchFamily="18" charset="0"/>
-                                  <a:cs typeface="Times New Roman" panose="02020603050405020304" pitchFamily="18" charset="0"/>
-                                </a:rPr>
-                                <m:t>𝑚𝑜𝑙</m:t>
-                              </m:r>
-                            </m:den>
-                          </m:f>
-                        </m:e>
-                      </m:d>
-                    </m:oMath>
-                  </m:oMathPara>
-                </a14:m>
-                <a:endParaRPr lang="ko-KR" altLang="ko-KR" sz="1000" kern="100" dirty="0">
-                  <a:effectLst/>
-                  <a:latin typeface="맑은 고딕" panose="020B0503020000020004" pitchFamily="50" charset="-127"/>
-                  <a:ea typeface="맑은 고딕" panose="020B0503020000020004" pitchFamily="50" charset="-127"/>
-                  <a:cs typeface="Times New Roman" panose="02020603050405020304" pitchFamily="18" charset="0"/>
-                </a:endParaRPr>
-              </a:p>
-            </p:txBody>
-          </p:sp>
-        </mc:Choice>
-        <mc:Fallback xmlns="">
-          <p:sp>
-            <p:nvSpPr>
-              <p:cNvPr id="27" name="TextBox 26">
-                <a:extLst>
-                  <a:ext uri="{FF2B5EF4-FFF2-40B4-BE49-F238E27FC236}">
-                    <a16:creationId xmlns:a16="http://schemas.microsoft.com/office/drawing/2014/main" id="{6D3A1159-AA1B-3B3B-2B91-0EA8D2F31AC7}"/>
-                  </a:ext>
-                </a:extLst>
-              </p:cNvPr>
-              <p:cNvSpPr txBox="1">
-                <a:spLocks noRot="1" noChangeAspect="1" noMove="1" noResize="1" noEditPoints="1" noAdjustHandles="1" noChangeArrowheads="1" noChangeShapeType="1" noTextEdit="1"/>
-              </p:cNvSpPr>
-              <p:nvPr/>
-            </p:nvSpPr>
-            <p:spPr>
-              <a:xfrm>
-                <a:off x="325438" y="1046608"/>
-                <a:ext cx="6474196" cy="1144929"/>
-              </a:xfrm>
-              <a:prstGeom prst="rect">
-                <a:avLst/>
-              </a:prstGeom>
-              <a:blipFill>
-                <a:blip r:embed="rId4"/>
-                <a:stretch>
-                  <a:fillRect/>
-                </a:stretch>
-              </a:blipFill>
-            </p:spPr>
-            <p:txBody>
-              <a:bodyPr/>
-              <a:lstStyle/>
-              <a:p>
-                <a:r>
-                  <a:rPr lang="en-US">
-                    <a:noFill/>
-                  </a:rPr>
-                  <a:t> </a:t>
-                </a:r>
-              </a:p>
-            </p:txBody>
-          </p:sp>
-        </mc:Fallback>
-      </mc:AlternateContent>
-      <p:sp>
-        <p:nvSpPr>
-          <p:cNvPr id="11" name="TextBox 10">
-            <a:extLst>
-              <a:ext uri="{FF2B5EF4-FFF2-40B4-BE49-F238E27FC236}">
-                <a16:creationId xmlns:a16="http://schemas.microsoft.com/office/drawing/2014/main" id="{2E94E0FD-67A9-A6C6-EE99-477B158AB791}"/>
-              </a:ext>
-            </a:extLst>
-          </p:cNvPr>
-          <p:cNvSpPr txBox="1"/>
-          <p:nvPr/>
-        </p:nvSpPr>
-        <p:spPr>
-          <a:xfrm>
-            <a:off x="10633560" y="3301025"/>
-            <a:ext cx="1558440" cy="246221"/>
-          </a:xfrm>
-          <a:prstGeom prst="rect">
-            <a:avLst/>
-          </a:prstGeom>
-          <a:noFill/>
-        </p:spPr>
-        <p:txBody>
-          <a:bodyPr wrap="none" rtlCol="0">
-            <a:spAutoFit/>
-          </a:bodyPr>
-          <a:lstStyle/>
-          <a:p>
-            <a:r>
-              <a:rPr lang="en-US" sz="1000" dirty="0">
-                <a:solidFill>
-                  <a:srgbClr val="143F21"/>
-                </a:solidFill>
-                <a:latin typeface="Arial" panose="020B0604020202020204" pitchFamily="34" charset="0"/>
-                <a:cs typeface="Arial" panose="020B0604020202020204" pitchFamily="34" charset="0"/>
-              </a:rPr>
-              <a:t>S.D. = 9.5480 (kcal/mol)</a:t>
-            </a:r>
-          </a:p>
-        </p:txBody>
-      </p:sp>
-      <p:pic>
-        <p:nvPicPr>
-          <p:cNvPr id="3" name="그림 2">
-            <a:extLst>
-              <a:ext uri="{FF2B5EF4-FFF2-40B4-BE49-F238E27FC236}">
-                <a16:creationId xmlns:a16="http://schemas.microsoft.com/office/drawing/2014/main" id="{ABB3CA8B-598F-0AB2-7C5D-3156C90E0586}"/>
-              </a:ext>
-            </a:extLst>
-          </p:cNvPr>
-          <p:cNvPicPr>
-            <a:picLocks noChangeAspect="1"/>
-          </p:cNvPicPr>
-          <p:nvPr/>
-        </p:nvPicPr>
-        <p:blipFill>
-          <a:blip r:embed="rId5"/>
-          <a:stretch>
-            <a:fillRect/>
-          </a:stretch>
-        </p:blipFill>
-        <p:spPr>
-          <a:xfrm>
-            <a:off x="348307" y="2208983"/>
-            <a:ext cx="6543675" cy="2676525"/>
-          </a:xfrm>
-          <a:prstGeom prst="rect">
-            <a:avLst/>
-          </a:prstGeom>
-        </p:spPr>
-      </p:pic>
+        <p:txBody>
+          <a:bodyPr rtlCol="0" anchor="ctr"/>
+          <a:lstStyle/>
+          <a:p>
+            <a:pPr algn="ctr"/>
+            <a:endParaRPr lang="en-US"/>
+          </a:p>
+        </p:txBody>
+      </p:sp>
     </p:spTree>
     <p:extLst>
       <p:ext uri="{BB962C8B-B14F-4D97-AF65-F5344CB8AC3E}">
-        <p14:creationId xmlns:p14="http://schemas.microsoft.com/office/powerpoint/2010/main" val="310513604"/>
+        <p14:creationId xmlns:p14="http://schemas.microsoft.com/office/powerpoint/2010/main" val="3923456026"/>
       </p:ext>
     </p:extLst>
   </p:cSld>
